--- a/Gitトラブルシューティング.pptx
+++ b/Gitトラブルシューティング.pptx
@@ -11,6 +11,12 @@
     <p:sldId id="259" r:id="rId5"/>
     <p:sldId id="260" r:id="rId6"/>
     <p:sldId id="261" r:id="rId7"/>
+    <p:sldId id="262" r:id="rId8"/>
+    <p:sldId id="263" r:id="rId9"/>
+    <p:sldId id="264" r:id="rId10"/>
+    <p:sldId id="265" r:id="rId11"/>
+    <p:sldId id="266" r:id="rId12"/>
+    <p:sldId id="267" r:id="rId13"/>
   </p:sldIdLst>
   <p:sldSz cx="12192000" cy="6858000"/>
   <p:notesSz cx="6858000" cy="9144000"/>
@@ -109,6 +115,11 @@
       </a:defRPr>
     </a:lvl9pPr>
   </p:defaultTextStyle>
+  <p:extLst>
+    <p:ext uri="{EFAFB233-063F-42B5-8137-9DF3F51BA10A}">
+      <p15:sldGuideLst xmlns:p15="http://schemas.microsoft.com/office/powerpoint/2012/main"/>
+    </p:ext>
+  </p:extLst>
 </p:presentation>
 </file>
 
@@ -834,7 +845,7 @@
           <a:p>
             <a:fld id="{35742FA1-167C-4630-8DAC-014E2592F890}" type="datetimeFigureOut">
               <a:rPr kumimoji="1" lang="ja-JP" altLang="en-US" smtClean="0"/>
-              <a:t>2024/9/23</a:t>
+              <a:t>2024/9/25</a:t>
             </a:fld>
             <a:endParaRPr kumimoji="1" lang="ja-JP" altLang="en-US"/>
           </a:p>
@@ -1085,7 +1096,7 @@
           <a:p>
             <a:fld id="{35742FA1-167C-4630-8DAC-014E2592F890}" type="datetimeFigureOut">
               <a:rPr kumimoji="1" lang="ja-JP" altLang="en-US" smtClean="0"/>
-              <a:t>2024/9/23</a:t>
+              <a:t>2024/9/25</a:t>
             </a:fld>
             <a:endParaRPr kumimoji="1" lang="ja-JP" altLang="en-US"/>
           </a:p>
@@ -1399,7 +1410,7 @@
           <a:p>
             <a:fld id="{35742FA1-167C-4630-8DAC-014E2592F890}" type="datetimeFigureOut">
               <a:rPr kumimoji="1" lang="ja-JP" altLang="en-US" smtClean="0"/>
-              <a:t>2024/9/23</a:t>
+              <a:t>2024/9/25</a:t>
             </a:fld>
             <a:endParaRPr kumimoji="1" lang="ja-JP" altLang="en-US"/>
           </a:p>
@@ -1740,7 +1751,7 @@
           <a:p>
             <a:fld id="{35742FA1-167C-4630-8DAC-014E2592F890}" type="datetimeFigureOut">
               <a:rPr kumimoji="1" lang="ja-JP" altLang="en-US" smtClean="0"/>
-              <a:t>2024/9/23</a:t>
+              <a:t>2024/9/25</a:t>
             </a:fld>
             <a:endParaRPr kumimoji="1" lang="ja-JP" altLang="en-US"/>
           </a:p>
@@ -2054,7 +2065,7 @@
           <a:p>
             <a:fld id="{35742FA1-167C-4630-8DAC-014E2592F890}" type="datetimeFigureOut">
               <a:rPr kumimoji="1" lang="ja-JP" altLang="en-US" smtClean="0"/>
-              <a:t>2024/9/23</a:t>
+              <a:t>2024/9/25</a:t>
             </a:fld>
             <a:endParaRPr kumimoji="1" lang="ja-JP" altLang="en-US"/>
           </a:p>
@@ -2447,7 +2458,7 @@
           <a:p>
             <a:fld id="{35742FA1-167C-4630-8DAC-014E2592F890}" type="datetimeFigureOut">
               <a:rPr kumimoji="1" lang="ja-JP" altLang="en-US" smtClean="0"/>
-              <a:t>2024/9/23</a:t>
+              <a:t>2024/9/25</a:t>
             </a:fld>
             <a:endParaRPr kumimoji="1" lang="ja-JP" altLang="en-US"/>
           </a:p>
@@ -2649,7 +2660,7 @@
           <a:p>
             <a:fld id="{35742FA1-167C-4630-8DAC-014E2592F890}" type="datetimeFigureOut">
               <a:rPr kumimoji="1" lang="ja-JP" altLang="en-US" smtClean="0"/>
-              <a:t>2024/9/23</a:t>
+              <a:t>2024/9/25</a:t>
             </a:fld>
             <a:endParaRPr kumimoji="1" lang="ja-JP" altLang="en-US"/>
           </a:p>
@@ -2861,7 +2872,7 @@
           <a:p>
             <a:fld id="{35742FA1-167C-4630-8DAC-014E2592F890}" type="datetimeFigureOut">
               <a:rPr kumimoji="1" lang="ja-JP" altLang="en-US" smtClean="0"/>
-              <a:t>2024/9/23</a:t>
+              <a:t>2024/9/25</a:t>
             </a:fld>
             <a:endParaRPr kumimoji="1" lang="ja-JP" altLang="en-US"/>
           </a:p>
@@ -3069,7 +3080,7 @@
           <a:p>
             <a:fld id="{35742FA1-167C-4630-8DAC-014E2592F890}" type="datetimeFigureOut">
               <a:rPr kumimoji="1" lang="ja-JP" altLang="en-US" smtClean="0"/>
-              <a:t>2024/9/23</a:t>
+              <a:t>2024/9/25</a:t>
             </a:fld>
             <a:endParaRPr kumimoji="1" lang="ja-JP" altLang="en-US"/>
           </a:p>
@@ -3316,7 +3327,7 @@
           <a:p>
             <a:fld id="{35742FA1-167C-4630-8DAC-014E2592F890}" type="datetimeFigureOut">
               <a:rPr kumimoji="1" lang="ja-JP" altLang="en-US" smtClean="0"/>
-              <a:t>2024/9/23</a:t>
+              <a:t>2024/9/25</a:t>
             </a:fld>
             <a:endParaRPr kumimoji="1" lang="ja-JP" altLang="en-US"/>
           </a:p>
@@ -3612,7 +3623,7 @@
           <a:p>
             <a:fld id="{35742FA1-167C-4630-8DAC-014E2592F890}" type="datetimeFigureOut">
               <a:rPr kumimoji="1" lang="ja-JP" altLang="en-US" smtClean="0"/>
-              <a:t>2024/9/23</a:t>
+              <a:t>2024/9/25</a:t>
             </a:fld>
             <a:endParaRPr kumimoji="1" lang="ja-JP" altLang="en-US"/>
           </a:p>
@@ -4050,7 +4061,7 @@
           <a:p>
             <a:fld id="{35742FA1-167C-4630-8DAC-014E2592F890}" type="datetimeFigureOut">
               <a:rPr kumimoji="1" lang="ja-JP" altLang="en-US" smtClean="0"/>
-              <a:t>2024/9/23</a:t>
+              <a:t>2024/9/25</a:t>
             </a:fld>
             <a:endParaRPr kumimoji="1" lang="ja-JP" altLang="en-US"/>
           </a:p>
@@ -4173,7 +4184,7 @@
           <a:p>
             <a:fld id="{35742FA1-167C-4630-8DAC-014E2592F890}" type="datetimeFigureOut">
               <a:rPr kumimoji="1" lang="ja-JP" altLang="en-US" smtClean="0"/>
-              <a:t>2024/9/23</a:t>
+              <a:t>2024/9/25</a:t>
             </a:fld>
             <a:endParaRPr kumimoji="1" lang="ja-JP" altLang="en-US"/>
           </a:p>
@@ -4268,7 +4279,7 @@
           <a:p>
             <a:fld id="{35742FA1-167C-4630-8DAC-014E2592F890}" type="datetimeFigureOut">
               <a:rPr kumimoji="1" lang="ja-JP" altLang="en-US" smtClean="0"/>
-              <a:t>2024/9/23</a:t>
+              <a:t>2024/9/25</a:t>
             </a:fld>
             <a:endParaRPr kumimoji="1" lang="ja-JP" altLang="en-US"/>
           </a:p>
@@ -4555,7 +4566,7 @@
           <a:p>
             <a:fld id="{35742FA1-167C-4630-8DAC-014E2592F890}" type="datetimeFigureOut">
               <a:rPr kumimoji="1" lang="ja-JP" altLang="en-US" smtClean="0"/>
-              <a:t>2024/9/23</a:t>
+              <a:t>2024/9/25</a:t>
             </a:fld>
             <a:endParaRPr kumimoji="1" lang="ja-JP" altLang="en-US"/>
           </a:p>
@@ -4818,7 +4829,7 @@
           <a:p>
             <a:fld id="{35742FA1-167C-4630-8DAC-014E2592F890}" type="datetimeFigureOut">
               <a:rPr kumimoji="1" lang="ja-JP" altLang="en-US" smtClean="0"/>
-              <a:t>2024/9/23</a:t>
+              <a:t>2024/9/25</a:t>
             </a:fld>
             <a:endParaRPr kumimoji="1" lang="ja-JP" altLang="en-US"/>
           </a:p>
@@ -5593,7 +5604,7 @@
           <a:p>
             <a:fld id="{35742FA1-167C-4630-8DAC-014E2592F890}" type="datetimeFigureOut">
               <a:rPr kumimoji="1" lang="ja-JP" altLang="en-US" smtClean="0"/>
-              <a:t>2024/9/23</a:t>
+              <a:t>2024/9/25</a:t>
             </a:fld>
             <a:endParaRPr kumimoji="1" lang="ja-JP" altLang="en-US"/>
           </a:p>
@@ -6164,6 +6175,1300 @@
 </p:sld>
 </file>
 
+<file path=ppt/slides/slide10.xml><?xml version="1.0" encoding="utf-8"?>
+<p:sld xmlns:a="http://schemas.openxmlformats.org/drawingml/2006/main" xmlns:r="http://schemas.openxmlformats.org/officeDocument/2006/relationships" xmlns:p="http://schemas.openxmlformats.org/presentationml/2006/main">
+  <p:cSld>
+    <p:spTree>
+      <p:nvGrpSpPr>
+        <p:cNvPr id="1" name=""/>
+        <p:cNvGrpSpPr/>
+        <p:nvPr/>
+      </p:nvGrpSpPr>
+      <p:grpSpPr>
+        <a:xfrm>
+          <a:off x="0" y="0"/>
+          <a:ext cx="0" cy="0"/>
+          <a:chOff x="0" y="0"/>
+          <a:chExt cx="0" cy="0"/>
+        </a:xfrm>
+      </p:grpSpPr>
+      <p:sp>
+        <p:nvSpPr>
+          <p:cNvPr id="2" name="タイトル 1">
+            <a:extLst>
+              <a:ext uri="{FF2B5EF4-FFF2-40B4-BE49-F238E27FC236}">
+                <a16:creationId xmlns:a16="http://schemas.microsoft.com/office/drawing/2014/main" id="{57B53B95-6BA5-6C71-B011-3B3359634A48}"/>
+              </a:ext>
+            </a:extLst>
+          </p:cNvPr>
+          <p:cNvSpPr>
+            <a:spLocks noGrp="1"/>
+          </p:cNvSpPr>
+          <p:nvPr>
+            <p:ph type="title"/>
+          </p:nvPr>
+        </p:nvSpPr>
+        <p:spPr/>
+        <p:txBody>
+          <a:bodyPr>
+            <a:normAutofit/>
+          </a:bodyPr>
+          <a:lstStyle/>
+          <a:p>
+            <a:r>
+              <a:rPr lang="en-US" altLang="ja-JP" sz="2800" dirty="0"/>
+              <a:t>【</a:t>
+            </a:r>
+            <a:r>
+              <a:rPr kumimoji="1" lang="ja-JP" altLang="en-US" sz="2800" dirty="0"/>
+              <a:t>事例１</a:t>
+            </a:r>
+            <a:r>
+              <a:rPr kumimoji="1" lang="en-US" altLang="ja-JP" sz="2800" dirty="0"/>
+              <a:t>】</a:t>
+            </a:r>
+            <a:r>
+              <a:rPr kumimoji="1" lang="ja-JP" altLang="en-US" sz="2800" dirty="0"/>
+              <a:t>本来のブランチとは異なるブランチで</a:t>
+            </a:r>
+            <a:br>
+              <a:rPr kumimoji="1" lang="en-US" altLang="ja-JP" sz="2800" dirty="0"/>
+            </a:br>
+            <a:r>
+              <a:rPr kumimoji="1" lang="ja-JP" altLang="en-US" sz="2800" dirty="0"/>
+              <a:t>作業を進めてしまった</a:t>
+            </a:r>
+          </a:p>
+        </p:txBody>
+      </p:sp>
+      <p:sp>
+        <p:nvSpPr>
+          <p:cNvPr id="3" name="コンテンツ プレースホルダー 2">
+            <a:extLst>
+              <a:ext uri="{FF2B5EF4-FFF2-40B4-BE49-F238E27FC236}">
+                <a16:creationId xmlns:a16="http://schemas.microsoft.com/office/drawing/2014/main" id="{07637FAC-F868-3646-B9E5-3DC9A1957A57}"/>
+              </a:ext>
+            </a:extLst>
+          </p:cNvPr>
+          <p:cNvSpPr>
+            <a:spLocks noGrp="1"/>
+          </p:cNvSpPr>
+          <p:nvPr>
+            <p:ph idx="1"/>
+          </p:nvPr>
+        </p:nvSpPr>
+        <p:spPr>
+          <a:xfrm>
+            <a:off x="677334" y="1501170"/>
+            <a:ext cx="8596668" cy="3880773"/>
+          </a:xfrm>
+        </p:spPr>
+        <p:txBody>
+          <a:bodyPr/>
+          <a:lstStyle/>
+          <a:p>
+            <a:pPr marL="0" indent="0">
+              <a:buNone/>
+            </a:pPr>
+            <a:r>
+              <a:rPr lang="ja-JP" altLang="en-US" dirty="0"/>
+              <a:t>ケース３：作業内容はすでに誤ったブランチへコミット済みである</a:t>
+            </a:r>
+            <a:endParaRPr kumimoji="1" lang="en-US" altLang="ja-JP" dirty="0"/>
+          </a:p>
+        </p:txBody>
+      </p:sp>
+      <p:sp>
+        <p:nvSpPr>
+          <p:cNvPr id="4" name="テキスト ボックス 3">
+            <a:extLst>
+              <a:ext uri="{FF2B5EF4-FFF2-40B4-BE49-F238E27FC236}">
+                <a16:creationId xmlns:a16="http://schemas.microsoft.com/office/drawing/2014/main" id="{5D79C3C9-6333-75A7-01F8-E810F74DC676}"/>
+              </a:ext>
+            </a:extLst>
+          </p:cNvPr>
+          <p:cNvSpPr txBox="1"/>
+          <p:nvPr/>
+        </p:nvSpPr>
+        <p:spPr>
+          <a:xfrm>
+            <a:off x="764931" y="1859339"/>
+            <a:ext cx="8509071" cy="3139321"/>
+          </a:xfrm>
+          <a:prstGeom prst="rect">
+            <a:avLst/>
+          </a:prstGeom>
+          <a:solidFill>
+            <a:schemeClr val="tx1"/>
+          </a:solidFill>
+        </p:spPr>
+        <p:txBody>
+          <a:bodyPr wrap="square" rtlCol="0">
+            <a:spAutoFit/>
+          </a:bodyPr>
+          <a:lstStyle/>
+          <a:p>
+            <a:r>
+              <a:rPr kumimoji="1" lang="en-US" altLang="ja-JP" dirty="0">
+                <a:solidFill>
+                  <a:schemeClr val="accent2"/>
+                </a:solidFill>
+              </a:rPr>
+              <a:t># </a:t>
+            </a:r>
+            <a:r>
+              <a:rPr kumimoji="1" lang="ja-JP" altLang="en-US" dirty="0">
+                <a:solidFill>
+                  <a:schemeClr val="accent2"/>
+                </a:solidFill>
+              </a:rPr>
+              <a:t>正しいブランチにチェックアウト</a:t>
+            </a:r>
+            <a:endParaRPr kumimoji="1" lang="en-US" altLang="ja-JP" dirty="0">
+              <a:solidFill>
+                <a:schemeClr val="accent2"/>
+              </a:solidFill>
+            </a:endParaRPr>
+          </a:p>
+          <a:p>
+            <a:r>
+              <a:rPr kumimoji="1" lang="en-US" altLang="ja-JP" dirty="0">
+                <a:solidFill>
+                  <a:srgbClr val="FFFF00"/>
+                </a:solidFill>
+              </a:rPr>
+              <a:t>git</a:t>
+            </a:r>
+            <a:r>
+              <a:rPr kumimoji="1" lang="en-US" altLang="ja-JP" dirty="0">
+                <a:solidFill>
+                  <a:schemeClr val="accent2"/>
+                </a:solidFill>
+              </a:rPr>
+              <a:t> </a:t>
+            </a:r>
+            <a:r>
+              <a:rPr kumimoji="1" lang="en-US" altLang="ja-JP" dirty="0">
+                <a:solidFill>
+                  <a:schemeClr val="accent4">
+                    <a:lumMod val="60000"/>
+                    <a:lumOff val="40000"/>
+                  </a:schemeClr>
+                </a:solidFill>
+              </a:rPr>
+              <a:t>checkout</a:t>
+            </a:r>
+            <a:r>
+              <a:rPr kumimoji="1" lang="en-US" altLang="ja-JP" dirty="0">
+                <a:solidFill>
+                  <a:schemeClr val="accent2"/>
+                </a:solidFill>
+              </a:rPr>
+              <a:t> </a:t>
+            </a:r>
+            <a:r>
+              <a:rPr kumimoji="1" lang="en-US" altLang="ja-JP" dirty="0">
+                <a:solidFill>
+                  <a:schemeClr val="accent4">
+                    <a:lumMod val="60000"/>
+                    <a:lumOff val="40000"/>
+                  </a:schemeClr>
+                </a:solidFill>
+              </a:rPr>
+              <a:t>main</a:t>
+            </a:r>
+          </a:p>
+          <a:p>
+            <a:endParaRPr kumimoji="1" lang="en-US" altLang="ja-JP" dirty="0">
+              <a:solidFill>
+                <a:schemeClr val="accent2"/>
+              </a:solidFill>
+            </a:endParaRPr>
+          </a:p>
+          <a:p>
+            <a:r>
+              <a:rPr kumimoji="1" lang="en-US" altLang="ja-JP" dirty="0">
+                <a:solidFill>
+                  <a:schemeClr val="accent2"/>
+                </a:solidFill>
+              </a:rPr>
+              <a:t># </a:t>
+            </a:r>
+            <a:r>
+              <a:rPr kumimoji="1" lang="ja-JP" altLang="en-US" dirty="0">
+                <a:solidFill>
+                  <a:schemeClr val="accent2"/>
+                </a:solidFill>
+              </a:rPr>
+              <a:t>間違ったブランチのコミットを正しいブランチにチェリーピック</a:t>
+            </a:r>
+            <a:endParaRPr kumimoji="1" lang="en-US" altLang="ja-JP" dirty="0">
+              <a:solidFill>
+                <a:schemeClr val="accent2"/>
+              </a:solidFill>
+            </a:endParaRPr>
+          </a:p>
+          <a:p>
+            <a:r>
+              <a:rPr kumimoji="1" lang="en-US" altLang="ja-JP" dirty="0">
+                <a:solidFill>
+                  <a:srgbClr val="FFFF00"/>
+                </a:solidFill>
+              </a:rPr>
+              <a:t>git</a:t>
+            </a:r>
+            <a:r>
+              <a:rPr kumimoji="1" lang="en-US" altLang="ja-JP" dirty="0">
+                <a:solidFill>
+                  <a:schemeClr val="accent2"/>
+                </a:solidFill>
+              </a:rPr>
+              <a:t> </a:t>
+            </a:r>
+            <a:r>
+              <a:rPr kumimoji="1" lang="en-US" altLang="ja-JP" dirty="0">
+                <a:solidFill>
+                  <a:schemeClr val="accent4">
+                    <a:lumMod val="60000"/>
+                    <a:lumOff val="40000"/>
+                  </a:schemeClr>
+                </a:solidFill>
+              </a:rPr>
+              <a:t>cherry-pick feature-branch</a:t>
+            </a:r>
+          </a:p>
+          <a:p>
+            <a:endParaRPr kumimoji="1" lang="en-US" altLang="ja-JP" dirty="0">
+              <a:solidFill>
+                <a:schemeClr val="accent2"/>
+              </a:solidFill>
+            </a:endParaRPr>
+          </a:p>
+          <a:p>
+            <a:r>
+              <a:rPr kumimoji="1" lang="en-US" altLang="ja-JP" dirty="0">
+                <a:solidFill>
+                  <a:schemeClr val="accent2"/>
+                </a:solidFill>
+              </a:rPr>
+              <a:t>#</a:t>
+            </a:r>
+            <a:r>
+              <a:rPr kumimoji="1" lang="ja-JP" altLang="en-US" dirty="0">
+                <a:solidFill>
+                  <a:schemeClr val="accent2"/>
+                </a:solidFill>
+              </a:rPr>
+              <a:t> 元のブランチに戻る</a:t>
+            </a:r>
+            <a:endParaRPr kumimoji="1" lang="en-US" altLang="ja-JP" dirty="0">
+              <a:solidFill>
+                <a:schemeClr val="accent2"/>
+              </a:solidFill>
+            </a:endParaRPr>
+          </a:p>
+          <a:p>
+            <a:r>
+              <a:rPr kumimoji="1" lang="en-US" altLang="ja-JP" dirty="0">
+                <a:solidFill>
+                  <a:srgbClr val="FFFF00"/>
+                </a:solidFill>
+              </a:rPr>
+              <a:t>git</a:t>
+            </a:r>
+            <a:r>
+              <a:rPr kumimoji="1" lang="en-US" altLang="ja-JP" dirty="0">
+                <a:solidFill>
+                  <a:schemeClr val="accent2"/>
+                </a:solidFill>
+              </a:rPr>
+              <a:t> </a:t>
+            </a:r>
+            <a:r>
+              <a:rPr kumimoji="1" lang="en-US" altLang="ja-JP" dirty="0">
+                <a:solidFill>
+                  <a:schemeClr val="accent4">
+                    <a:lumMod val="60000"/>
+                    <a:lumOff val="40000"/>
+                  </a:schemeClr>
+                </a:solidFill>
+              </a:rPr>
+              <a:t>checkout feature-branch</a:t>
+            </a:r>
+          </a:p>
+          <a:p>
+            <a:endParaRPr kumimoji="1" lang="en-US" altLang="ja-JP" dirty="0">
+              <a:solidFill>
+                <a:schemeClr val="accent2"/>
+              </a:solidFill>
+            </a:endParaRPr>
+          </a:p>
+          <a:p>
+            <a:r>
+              <a:rPr kumimoji="1" lang="en-US" altLang="ja-JP" dirty="0">
+                <a:solidFill>
+                  <a:schemeClr val="accent2"/>
+                </a:solidFill>
+              </a:rPr>
+              <a:t># </a:t>
+            </a:r>
+            <a:r>
+              <a:rPr kumimoji="1" lang="ja-JP" altLang="en-US" dirty="0">
+                <a:solidFill>
+                  <a:schemeClr val="accent2"/>
+                </a:solidFill>
+              </a:rPr>
+              <a:t>元のブランチからコミットを削除</a:t>
+            </a:r>
+            <a:endParaRPr kumimoji="1" lang="en-US" altLang="ja-JP" dirty="0">
+              <a:solidFill>
+                <a:schemeClr val="accent2"/>
+              </a:solidFill>
+            </a:endParaRPr>
+          </a:p>
+          <a:p>
+            <a:r>
+              <a:rPr kumimoji="1" lang="en-US" altLang="ja-JP" dirty="0">
+                <a:solidFill>
+                  <a:srgbClr val="FFFF00"/>
+                </a:solidFill>
+              </a:rPr>
+              <a:t>git</a:t>
+            </a:r>
+            <a:r>
+              <a:rPr kumimoji="1" lang="en-US" altLang="ja-JP" dirty="0">
+                <a:solidFill>
+                  <a:schemeClr val="accent2"/>
+                </a:solidFill>
+              </a:rPr>
+              <a:t> </a:t>
+            </a:r>
+            <a:r>
+              <a:rPr kumimoji="1" lang="en-US" altLang="ja-JP" dirty="0">
+                <a:solidFill>
+                  <a:schemeClr val="accent4">
+                    <a:lumMod val="60000"/>
+                    <a:lumOff val="40000"/>
+                  </a:schemeClr>
+                </a:solidFill>
+              </a:rPr>
+              <a:t>reset </a:t>
+            </a:r>
+            <a:r>
+              <a:rPr kumimoji="1" lang="en-US" altLang="ja-JP" dirty="0">
+                <a:solidFill>
+                  <a:srgbClr val="0070C0"/>
+                </a:solidFill>
+              </a:rPr>
+              <a:t>--hard</a:t>
+            </a:r>
+            <a:r>
+              <a:rPr kumimoji="1" lang="en-US" altLang="ja-JP" dirty="0">
+                <a:solidFill>
+                  <a:schemeClr val="accent4">
+                    <a:lumMod val="60000"/>
+                    <a:lumOff val="40000"/>
+                  </a:schemeClr>
+                </a:solidFill>
+              </a:rPr>
+              <a:t> HEAD~1</a:t>
+            </a:r>
+            <a:endParaRPr kumimoji="1" lang="ja-JP" altLang="en-US" dirty="0">
+              <a:solidFill>
+                <a:schemeClr val="accent4">
+                  <a:lumMod val="60000"/>
+                  <a:lumOff val="40000"/>
+                </a:schemeClr>
+              </a:solidFill>
+            </a:endParaRPr>
+          </a:p>
+        </p:txBody>
+      </p:sp>
+      <p:sp>
+        <p:nvSpPr>
+          <p:cNvPr id="5" name="コンテンツ プレースホルダー 2">
+            <a:extLst>
+              <a:ext uri="{FF2B5EF4-FFF2-40B4-BE49-F238E27FC236}">
+                <a16:creationId xmlns:a16="http://schemas.microsoft.com/office/drawing/2014/main" id="{B36E8417-F415-212D-9F3C-DD3E24017956}"/>
+              </a:ext>
+            </a:extLst>
+          </p:cNvPr>
+          <p:cNvSpPr txBox="1">
+            <a:spLocks/>
+          </p:cNvSpPr>
+          <p:nvPr/>
+        </p:nvSpPr>
+        <p:spPr>
+          <a:xfrm>
+            <a:off x="677334" y="5036143"/>
+            <a:ext cx="8596668" cy="1486045"/>
+          </a:xfrm>
+          <a:prstGeom prst="rect">
+            <a:avLst/>
+          </a:prstGeom>
+        </p:spPr>
+        <p:txBody>
+          <a:bodyPr vert="horz" lIns="91440" tIns="45720" rIns="91440" bIns="45720" rtlCol="0">
+            <a:normAutofit/>
+          </a:bodyPr>
+          <a:lstStyle>
+            <a:lvl1pPr marL="342900" indent="-342900" algn="l" defTabSz="457200" rtl="0" eaLnBrk="1" latinLnBrk="0" hangingPunct="1">
+              <a:spcBef>
+                <a:spcPts val="1000"/>
+              </a:spcBef>
+              <a:spcAft>
+                <a:spcPts val="0"/>
+              </a:spcAft>
+              <a:buClr>
+                <a:schemeClr val="accent1"/>
+              </a:buClr>
+              <a:buSzPct val="80000"/>
+              <a:buFont typeface="Wingdings 3" charset="2"/>
+              <a:buChar char=""/>
+              <a:defRPr kumimoji="1" sz="1800" kern="1200">
+                <a:solidFill>
+                  <a:schemeClr val="tx1">
+                    <a:lumMod val="75000"/>
+                    <a:lumOff val="25000"/>
+                  </a:schemeClr>
+                </a:solidFill>
+                <a:latin typeface="+mn-lt"/>
+                <a:ea typeface="+mn-ea"/>
+                <a:cs typeface="+mn-cs"/>
+              </a:defRPr>
+            </a:lvl1pPr>
+            <a:lvl2pPr marL="742950" indent="-285750" algn="l" defTabSz="457200" rtl="0" eaLnBrk="1" latinLnBrk="0" hangingPunct="1">
+              <a:spcBef>
+                <a:spcPts val="1000"/>
+              </a:spcBef>
+              <a:spcAft>
+                <a:spcPts val="0"/>
+              </a:spcAft>
+              <a:buClr>
+                <a:schemeClr val="accent1"/>
+              </a:buClr>
+              <a:buSzPct val="80000"/>
+              <a:buFont typeface="Wingdings 3" charset="2"/>
+              <a:buChar char=""/>
+              <a:defRPr kumimoji="1" sz="1600" kern="1200">
+                <a:solidFill>
+                  <a:schemeClr val="tx1">
+                    <a:lumMod val="75000"/>
+                    <a:lumOff val="25000"/>
+                  </a:schemeClr>
+                </a:solidFill>
+                <a:latin typeface="+mn-lt"/>
+                <a:ea typeface="+mn-ea"/>
+                <a:cs typeface="+mn-cs"/>
+              </a:defRPr>
+            </a:lvl2pPr>
+            <a:lvl3pPr marL="1143000" indent="-228600" algn="l" defTabSz="457200" rtl="0" eaLnBrk="1" latinLnBrk="0" hangingPunct="1">
+              <a:spcBef>
+                <a:spcPts val="1000"/>
+              </a:spcBef>
+              <a:spcAft>
+                <a:spcPts val="0"/>
+              </a:spcAft>
+              <a:buClr>
+                <a:schemeClr val="accent1"/>
+              </a:buClr>
+              <a:buSzPct val="80000"/>
+              <a:buFont typeface="Wingdings 3" charset="2"/>
+              <a:buChar char=""/>
+              <a:defRPr kumimoji="1" sz="1400" kern="1200">
+                <a:solidFill>
+                  <a:schemeClr val="tx1">
+                    <a:lumMod val="75000"/>
+                    <a:lumOff val="25000"/>
+                  </a:schemeClr>
+                </a:solidFill>
+                <a:latin typeface="+mn-lt"/>
+                <a:ea typeface="+mn-ea"/>
+                <a:cs typeface="+mn-cs"/>
+              </a:defRPr>
+            </a:lvl3pPr>
+            <a:lvl4pPr marL="1600200" indent="-228600" algn="l" defTabSz="457200" rtl="0" eaLnBrk="1" latinLnBrk="0" hangingPunct="1">
+              <a:spcBef>
+                <a:spcPts val="1000"/>
+              </a:spcBef>
+              <a:spcAft>
+                <a:spcPts val="0"/>
+              </a:spcAft>
+              <a:buClr>
+                <a:schemeClr val="accent1"/>
+              </a:buClr>
+              <a:buSzPct val="80000"/>
+              <a:buFont typeface="Wingdings 3" charset="2"/>
+              <a:buChar char=""/>
+              <a:defRPr kumimoji="1" sz="1200" kern="1200">
+                <a:solidFill>
+                  <a:schemeClr val="tx1">
+                    <a:lumMod val="75000"/>
+                    <a:lumOff val="25000"/>
+                  </a:schemeClr>
+                </a:solidFill>
+                <a:latin typeface="+mn-lt"/>
+                <a:ea typeface="+mn-ea"/>
+                <a:cs typeface="+mn-cs"/>
+              </a:defRPr>
+            </a:lvl4pPr>
+            <a:lvl5pPr marL="2057400" indent="-228600" algn="l" defTabSz="457200" rtl="0" eaLnBrk="1" latinLnBrk="0" hangingPunct="1">
+              <a:spcBef>
+                <a:spcPts val="1000"/>
+              </a:spcBef>
+              <a:spcAft>
+                <a:spcPts val="0"/>
+              </a:spcAft>
+              <a:buClr>
+                <a:schemeClr val="accent1"/>
+              </a:buClr>
+              <a:buSzPct val="80000"/>
+              <a:buFont typeface="Wingdings 3" charset="2"/>
+              <a:buChar char=""/>
+              <a:defRPr kumimoji="1" sz="1200" kern="1200">
+                <a:solidFill>
+                  <a:schemeClr val="tx1">
+                    <a:lumMod val="75000"/>
+                    <a:lumOff val="25000"/>
+                  </a:schemeClr>
+                </a:solidFill>
+                <a:latin typeface="+mn-lt"/>
+                <a:ea typeface="+mn-ea"/>
+                <a:cs typeface="+mn-cs"/>
+              </a:defRPr>
+            </a:lvl5pPr>
+            <a:lvl6pPr marL="2514600" indent="-228600" algn="l" defTabSz="457200" rtl="0" eaLnBrk="1" latinLnBrk="0" hangingPunct="1">
+              <a:spcBef>
+                <a:spcPts val="1000"/>
+              </a:spcBef>
+              <a:spcAft>
+                <a:spcPts val="0"/>
+              </a:spcAft>
+              <a:buClr>
+                <a:schemeClr val="accent1"/>
+              </a:buClr>
+              <a:buSzPct val="80000"/>
+              <a:buFont typeface="Wingdings 3" charset="2"/>
+              <a:buChar char=""/>
+              <a:defRPr kumimoji="1" sz="1200" kern="1200">
+                <a:solidFill>
+                  <a:schemeClr val="tx1">
+                    <a:lumMod val="75000"/>
+                    <a:lumOff val="25000"/>
+                  </a:schemeClr>
+                </a:solidFill>
+                <a:latin typeface="+mn-lt"/>
+                <a:ea typeface="+mn-ea"/>
+                <a:cs typeface="+mn-cs"/>
+              </a:defRPr>
+            </a:lvl6pPr>
+            <a:lvl7pPr marL="2971800" indent="-228600" algn="l" defTabSz="457200" rtl="0" eaLnBrk="1" latinLnBrk="0" hangingPunct="1">
+              <a:spcBef>
+                <a:spcPts val="1000"/>
+              </a:spcBef>
+              <a:spcAft>
+                <a:spcPts val="0"/>
+              </a:spcAft>
+              <a:buClr>
+                <a:schemeClr val="accent1"/>
+              </a:buClr>
+              <a:buSzPct val="80000"/>
+              <a:buFont typeface="Wingdings 3" charset="2"/>
+              <a:buChar char=""/>
+              <a:defRPr kumimoji="1" sz="1200" kern="1200">
+                <a:solidFill>
+                  <a:schemeClr val="tx1">
+                    <a:lumMod val="75000"/>
+                    <a:lumOff val="25000"/>
+                  </a:schemeClr>
+                </a:solidFill>
+                <a:latin typeface="+mn-lt"/>
+                <a:ea typeface="+mn-ea"/>
+                <a:cs typeface="+mn-cs"/>
+              </a:defRPr>
+            </a:lvl7pPr>
+            <a:lvl8pPr marL="3429000" indent="-228600" algn="l" defTabSz="457200" rtl="0" eaLnBrk="1" latinLnBrk="0" hangingPunct="1">
+              <a:spcBef>
+                <a:spcPts val="1000"/>
+              </a:spcBef>
+              <a:spcAft>
+                <a:spcPts val="0"/>
+              </a:spcAft>
+              <a:buClr>
+                <a:schemeClr val="accent1"/>
+              </a:buClr>
+              <a:buSzPct val="80000"/>
+              <a:buFont typeface="Wingdings 3" charset="2"/>
+              <a:buChar char=""/>
+              <a:defRPr kumimoji="1" sz="1200" kern="1200">
+                <a:solidFill>
+                  <a:schemeClr val="tx1">
+                    <a:lumMod val="75000"/>
+                    <a:lumOff val="25000"/>
+                  </a:schemeClr>
+                </a:solidFill>
+                <a:latin typeface="+mn-lt"/>
+                <a:ea typeface="+mn-ea"/>
+                <a:cs typeface="+mn-cs"/>
+              </a:defRPr>
+            </a:lvl8pPr>
+            <a:lvl9pPr marL="3886200" indent="-228600" algn="l" defTabSz="457200" rtl="0" eaLnBrk="1" latinLnBrk="0" hangingPunct="1">
+              <a:spcBef>
+                <a:spcPts val="1000"/>
+              </a:spcBef>
+              <a:spcAft>
+                <a:spcPts val="0"/>
+              </a:spcAft>
+              <a:buClr>
+                <a:schemeClr val="accent1"/>
+              </a:buClr>
+              <a:buSzPct val="80000"/>
+              <a:buFont typeface="Wingdings 3" charset="2"/>
+              <a:buChar char=""/>
+              <a:defRPr kumimoji="1" sz="1200" kern="1200">
+                <a:solidFill>
+                  <a:schemeClr val="tx1">
+                    <a:lumMod val="75000"/>
+                    <a:lumOff val="25000"/>
+                  </a:schemeClr>
+                </a:solidFill>
+                <a:latin typeface="+mn-lt"/>
+                <a:ea typeface="+mn-ea"/>
+                <a:cs typeface="+mn-cs"/>
+              </a:defRPr>
+            </a:lvl9pPr>
+          </a:lstStyle>
+          <a:p>
+            <a:pPr marL="0" indent="0">
+              <a:buFont typeface="Wingdings 3" charset="2"/>
+              <a:buNone/>
+            </a:pPr>
+            <a:r>
+              <a:rPr lang="ja-JP" altLang="en-US" dirty="0"/>
+              <a:t>チェリーピックでコンフリクトが発生した場合は、手動でコンフリクトを解消し、</a:t>
+            </a:r>
+            <a:endParaRPr lang="en-US" altLang="ja-JP" dirty="0"/>
+          </a:p>
+          <a:p>
+            <a:pPr marL="0" indent="0">
+              <a:buFont typeface="Wingdings 3" charset="2"/>
+              <a:buNone/>
+            </a:pPr>
+            <a:r>
+              <a:rPr lang="ja-JP" altLang="en-US" dirty="0"/>
+              <a:t>変更をステージングしてチェリーピックを続行する</a:t>
+            </a:r>
+            <a:endParaRPr lang="en-US" altLang="ja-JP" dirty="0"/>
+          </a:p>
+        </p:txBody>
+      </p:sp>
+      <p:sp>
+        <p:nvSpPr>
+          <p:cNvPr id="6" name="テキスト ボックス 5">
+            <a:extLst>
+              <a:ext uri="{FF2B5EF4-FFF2-40B4-BE49-F238E27FC236}">
+                <a16:creationId xmlns:a16="http://schemas.microsoft.com/office/drawing/2014/main" id="{6320EBD8-913C-0594-2B39-91F7137489AB}"/>
+              </a:ext>
+            </a:extLst>
+          </p:cNvPr>
+          <p:cNvSpPr txBox="1"/>
+          <p:nvPr/>
+        </p:nvSpPr>
+        <p:spPr>
+          <a:xfrm>
+            <a:off x="764931" y="5779165"/>
+            <a:ext cx="8509071" cy="646331"/>
+          </a:xfrm>
+          <a:prstGeom prst="rect">
+            <a:avLst/>
+          </a:prstGeom>
+          <a:solidFill>
+            <a:schemeClr val="tx1"/>
+          </a:solidFill>
+        </p:spPr>
+        <p:txBody>
+          <a:bodyPr wrap="square" rtlCol="0">
+            <a:spAutoFit/>
+          </a:bodyPr>
+          <a:lstStyle/>
+          <a:p>
+            <a:r>
+              <a:rPr kumimoji="1" lang="en-US" altLang="ja-JP" dirty="0">
+                <a:solidFill>
+                  <a:srgbClr val="FFFF00"/>
+                </a:solidFill>
+              </a:rPr>
+              <a:t>git</a:t>
+            </a:r>
+            <a:r>
+              <a:rPr kumimoji="1" lang="en-US" altLang="ja-JP" dirty="0">
+                <a:solidFill>
+                  <a:schemeClr val="accent2"/>
+                </a:solidFill>
+              </a:rPr>
+              <a:t> </a:t>
+            </a:r>
+            <a:r>
+              <a:rPr kumimoji="1" lang="en-US" altLang="ja-JP" dirty="0">
+                <a:solidFill>
+                  <a:schemeClr val="accent4">
+                    <a:lumMod val="60000"/>
+                    <a:lumOff val="40000"/>
+                  </a:schemeClr>
+                </a:solidFill>
+              </a:rPr>
+              <a:t>add </a:t>
+            </a:r>
+            <a:r>
+              <a:rPr kumimoji="1" lang="ja-JP" altLang="en-US" dirty="0">
+                <a:solidFill>
+                  <a:schemeClr val="accent4">
+                    <a:lumMod val="60000"/>
+                    <a:lumOff val="40000"/>
+                  </a:schemeClr>
+                </a:solidFill>
+              </a:rPr>
+              <a:t>解消したファイル</a:t>
+            </a:r>
+            <a:endParaRPr kumimoji="1" lang="en-US" altLang="ja-JP" dirty="0">
+              <a:solidFill>
+                <a:schemeClr val="accent4">
+                  <a:lumMod val="60000"/>
+                  <a:lumOff val="40000"/>
+                </a:schemeClr>
+              </a:solidFill>
+            </a:endParaRPr>
+          </a:p>
+          <a:p>
+            <a:r>
+              <a:rPr kumimoji="1" lang="en-US" altLang="ja-JP" dirty="0">
+                <a:solidFill>
+                  <a:srgbClr val="FFFF00"/>
+                </a:solidFill>
+              </a:rPr>
+              <a:t>git</a:t>
+            </a:r>
+            <a:r>
+              <a:rPr kumimoji="1" lang="en-US" altLang="ja-JP" dirty="0">
+                <a:solidFill>
+                  <a:schemeClr val="accent2"/>
+                </a:solidFill>
+              </a:rPr>
+              <a:t> </a:t>
+            </a:r>
+            <a:r>
+              <a:rPr kumimoji="1" lang="en-US" altLang="ja-JP" dirty="0">
+                <a:solidFill>
+                  <a:schemeClr val="accent4">
+                    <a:lumMod val="60000"/>
+                    <a:lumOff val="40000"/>
+                  </a:schemeClr>
+                </a:solidFill>
+              </a:rPr>
+              <a:t>cherry-pick </a:t>
+            </a:r>
+            <a:r>
+              <a:rPr kumimoji="1" lang="en-US" altLang="ja-JP" dirty="0">
+                <a:solidFill>
+                  <a:srgbClr val="0070C0"/>
+                </a:solidFill>
+              </a:rPr>
+              <a:t>--continue</a:t>
+            </a:r>
+          </a:p>
+        </p:txBody>
+      </p:sp>
+    </p:spTree>
+    <p:extLst>
+      <p:ext uri="{BB962C8B-B14F-4D97-AF65-F5344CB8AC3E}">
+        <p14:creationId xmlns:p14="http://schemas.microsoft.com/office/powerpoint/2010/main" val="4217583142"/>
+      </p:ext>
+    </p:extLst>
+  </p:cSld>
+  <p:clrMapOvr>
+    <a:masterClrMapping/>
+  </p:clrMapOvr>
+</p:sld>
+</file>
+
+<file path=ppt/slides/slide11.xml><?xml version="1.0" encoding="utf-8"?>
+<p:sld xmlns:a="http://schemas.openxmlformats.org/drawingml/2006/main" xmlns:r="http://schemas.openxmlformats.org/officeDocument/2006/relationships" xmlns:p="http://schemas.openxmlformats.org/presentationml/2006/main">
+  <p:cSld>
+    <p:spTree>
+      <p:nvGrpSpPr>
+        <p:cNvPr id="1" name=""/>
+        <p:cNvGrpSpPr/>
+        <p:nvPr/>
+      </p:nvGrpSpPr>
+      <p:grpSpPr>
+        <a:xfrm>
+          <a:off x="0" y="0"/>
+          <a:ext cx="0" cy="0"/>
+          <a:chOff x="0" y="0"/>
+          <a:chExt cx="0" cy="0"/>
+        </a:xfrm>
+      </p:grpSpPr>
+      <p:sp>
+        <p:nvSpPr>
+          <p:cNvPr id="2" name="タイトル 1">
+            <a:extLst>
+              <a:ext uri="{FF2B5EF4-FFF2-40B4-BE49-F238E27FC236}">
+                <a16:creationId xmlns:a16="http://schemas.microsoft.com/office/drawing/2014/main" id="{E3771F56-6A7A-2543-4B44-5F0839E817A0}"/>
+              </a:ext>
+            </a:extLst>
+          </p:cNvPr>
+          <p:cNvSpPr>
+            <a:spLocks noGrp="1"/>
+          </p:cNvSpPr>
+          <p:nvPr>
+            <p:ph type="title"/>
+          </p:nvPr>
+        </p:nvSpPr>
+        <p:spPr/>
+        <p:txBody>
+          <a:bodyPr>
+            <a:normAutofit/>
+          </a:bodyPr>
+          <a:lstStyle/>
+          <a:p>
+            <a:r>
+              <a:rPr lang="en-US" altLang="ja-JP" sz="2800" dirty="0"/>
+              <a:t>【</a:t>
+            </a:r>
+            <a:r>
+              <a:rPr lang="ja-JP" altLang="en-US" sz="2800" dirty="0"/>
+              <a:t>事例２</a:t>
+            </a:r>
+            <a:r>
+              <a:rPr lang="en-US" altLang="ja-JP" sz="2800" dirty="0"/>
+              <a:t>】</a:t>
+            </a:r>
+            <a:r>
+              <a:rPr lang="ja-JP" altLang="en-US" sz="2800" dirty="0"/>
+              <a:t>誤ってリモート側のブランチを削除してしまった</a:t>
+            </a:r>
+            <a:endParaRPr kumimoji="1" lang="ja-JP" altLang="en-US" sz="2800" dirty="0"/>
+          </a:p>
+        </p:txBody>
+      </p:sp>
+      <p:sp>
+        <p:nvSpPr>
+          <p:cNvPr id="3" name="コンテンツ プレースホルダー 2">
+            <a:extLst>
+              <a:ext uri="{FF2B5EF4-FFF2-40B4-BE49-F238E27FC236}">
+                <a16:creationId xmlns:a16="http://schemas.microsoft.com/office/drawing/2014/main" id="{F5C64B03-E876-AA75-0901-7A4ABDD6AD61}"/>
+              </a:ext>
+            </a:extLst>
+          </p:cNvPr>
+          <p:cNvSpPr>
+            <a:spLocks noGrp="1"/>
+          </p:cNvSpPr>
+          <p:nvPr>
+            <p:ph idx="1"/>
+          </p:nvPr>
+        </p:nvSpPr>
+        <p:spPr/>
+        <p:txBody>
+          <a:bodyPr/>
+          <a:lstStyle/>
+          <a:p>
+            <a:pPr marL="0" indent="0">
+              <a:buNone/>
+            </a:pPr>
+            <a:r>
+              <a:rPr kumimoji="1" lang="ja-JP" altLang="en-US" dirty="0"/>
+              <a:t>リモート側のブランチを削除してしまった際の状況によって以下の２通りに</a:t>
+            </a:r>
+            <a:endParaRPr kumimoji="1" lang="en-US" altLang="ja-JP" dirty="0"/>
+          </a:p>
+          <a:p>
+            <a:pPr marL="0" indent="0">
+              <a:buNone/>
+            </a:pPr>
+            <a:r>
+              <a:rPr kumimoji="1" lang="ja-JP" altLang="en-US" dirty="0"/>
+              <a:t>分類される</a:t>
+            </a:r>
+            <a:endParaRPr kumimoji="1" lang="en-US" altLang="ja-JP" dirty="0"/>
+          </a:p>
+          <a:p>
+            <a:pPr marL="0" indent="0">
+              <a:buNone/>
+            </a:pPr>
+            <a:r>
+              <a:rPr kumimoji="1" lang="ja-JP" altLang="en-US" dirty="0"/>
+              <a:t>ケース１：ローカルブランチが存在する</a:t>
+            </a:r>
+            <a:endParaRPr kumimoji="1" lang="en-US" altLang="ja-JP" dirty="0"/>
+          </a:p>
+          <a:p>
+            <a:pPr marL="0" indent="0">
+              <a:buNone/>
+            </a:pPr>
+            <a:endParaRPr lang="en-US" altLang="ja-JP" dirty="0"/>
+          </a:p>
+          <a:p>
+            <a:pPr marL="0" indent="0">
+              <a:buNone/>
+            </a:pPr>
+            <a:r>
+              <a:rPr kumimoji="1" lang="ja-JP" altLang="en-US" dirty="0"/>
+              <a:t>ケース２：ローカルブランチが存在しない</a:t>
+            </a:r>
+          </a:p>
+        </p:txBody>
+      </p:sp>
+    </p:spTree>
+    <p:extLst>
+      <p:ext uri="{BB962C8B-B14F-4D97-AF65-F5344CB8AC3E}">
+        <p14:creationId xmlns:p14="http://schemas.microsoft.com/office/powerpoint/2010/main" val="1515016619"/>
+      </p:ext>
+    </p:extLst>
+  </p:cSld>
+  <p:clrMapOvr>
+    <a:masterClrMapping/>
+  </p:clrMapOvr>
+</p:sld>
+</file>
+
+<file path=ppt/slides/slide12.xml><?xml version="1.0" encoding="utf-8"?>
+<p:sld xmlns:a="http://schemas.openxmlformats.org/drawingml/2006/main" xmlns:r="http://schemas.openxmlformats.org/officeDocument/2006/relationships" xmlns:p="http://schemas.openxmlformats.org/presentationml/2006/main">
+  <p:cSld>
+    <p:spTree>
+      <p:nvGrpSpPr>
+        <p:cNvPr id="1" name=""/>
+        <p:cNvGrpSpPr/>
+        <p:nvPr/>
+      </p:nvGrpSpPr>
+      <p:grpSpPr>
+        <a:xfrm>
+          <a:off x="0" y="0"/>
+          <a:ext cx="0" cy="0"/>
+          <a:chOff x="0" y="0"/>
+          <a:chExt cx="0" cy="0"/>
+        </a:xfrm>
+      </p:grpSpPr>
+      <p:sp>
+        <p:nvSpPr>
+          <p:cNvPr id="2" name="タイトル 1">
+            <a:extLst>
+              <a:ext uri="{FF2B5EF4-FFF2-40B4-BE49-F238E27FC236}">
+                <a16:creationId xmlns:a16="http://schemas.microsoft.com/office/drawing/2014/main" id="{E3771F56-6A7A-2543-4B44-5F0839E817A0}"/>
+              </a:ext>
+            </a:extLst>
+          </p:cNvPr>
+          <p:cNvSpPr>
+            <a:spLocks noGrp="1"/>
+          </p:cNvSpPr>
+          <p:nvPr>
+            <p:ph type="title"/>
+          </p:nvPr>
+        </p:nvSpPr>
+        <p:spPr/>
+        <p:txBody>
+          <a:bodyPr>
+            <a:normAutofit/>
+          </a:bodyPr>
+          <a:lstStyle/>
+          <a:p>
+            <a:r>
+              <a:rPr lang="en-US" altLang="ja-JP" sz="2800" dirty="0"/>
+              <a:t>【</a:t>
+            </a:r>
+            <a:r>
+              <a:rPr lang="ja-JP" altLang="en-US" sz="2800" dirty="0"/>
+              <a:t>事例２</a:t>
+            </a:r>
+            <a:r>
+              <a:rPr lang="en-US" altLang="ja-JP" sz="2800" dirty="0"/>
+              <a:t>】</a:t>
+            </a:r>
+            <a:r>
+              <a:rPr lang="ja-JP" altLang="en-US" sz="2800" dirty="0"/>
+              <a:t>誤ってリモート側のブランチを削除してしまった</a:t>
+            </a:r>
+            <a:endParaRPr kumimoji="1" lang="ja-JP" altLang="en-US" sz="2800" dirty="0"/>
+          </a:p>
+        </p:txBody>
+      </p:sp>
+      <p:sp>
+        <p:nvSpPr>
+          <p:cNvPr id="3" name="コンテンツ プレースホルダー 2">
+            <a:extLst>
+              <a:ext uri="{FF2B5EF4-FFF2-40B4-BE49-F238E27FC236}">
+                <a16:creationId xmlns:a16="http://schemas.microsoft.com/office/drawing/2014/main" id="{F5C64B03-E876-AA75-0901-7A4ABDD6AD61}"/>
+              </a:ext>
+            </a:extLst>
+          </p:cNvPr>
+          <p:cNvSpPr>
+            <a:spLocks noGrp="1"/>
+          </p:cNvSpPr>
+          <p:nvPr>
+            <p:ph idx="1"/>
+          </p:nvPr>
+        </p:nvSpPr>
+        <p:spPr>
+          <a:xfrm>
+            <a:off x="677334" y="1488613"/>
+            <a:ext cx="8596668" cy="3880773"/>
+          </a:xfrm>
+        </p:spPr>
+        <p:txBody>
+          <a:bodyPr/>
+          <a:lstStyle/>
+          <a:p>
+            <a:pPr marL="0" indent="0">
+              <a:buNone/>
+            </a:pPr>
+            <a:r>
+              <a:rPr kumimoji="1" lang="ja-JP" altLang="en-US" dirty="0"/>
+              <a:t>ケース１：ローカルブランチが存在する</a:t>
+            </a:r>
+            <a:endParaRPr kumimoji="1" lang="en-US" altLang="ja-JP" dirty="0"/>
+          </a:p>
+        </p:txBody>
+      </p:sp>
+      <p:sp>
+        <p:nvSpPr>
+          <p:cNvPr id="4" name="テキスト ボックス 3">
+            <a:extLst>
+              <a:ext uri="{FF2B5EF4-FFF2-40B4-BE49-F238E27FC236}">
+                <a16:creationId xmlns:a16="http://schemas.microsoft.com/office/drawing/2014/main" id="{F306671E-B3F0-499A-AA49-9A6D548C35C4}"/>
+              </a:ext>
+            </a:extLst>
+          </p:cNvPr>
+          <p:cNvSpPr txBox="1"/>
+          <p:nvPr/>
+        </p:nvSpPr>
+        <p:spPr>
+          <a:xfrm>
+            <a:off x="764931" y="1793632"/>
+            <a:ext cx="8509071" cy="2308324"/>
+          </a:xfrm>
+          <a:prstGeom prst="rect">
+            <a:avLst/>
+          </a:prstGeom>
+          <a:solidFill>
+            <a:schemeClr val="tx1"/>
+          </a:solidFill>
+        </p:spPr>
+        <p:txBody>
+          <a:bodyPr wrap="square" rtlCol="0">
+            <a:spAutoFit/>
+          </a:bodyPr>
+          <a:lstStyle/>
+          <a:p>
+            <a:r>
+              <a:rPr kumimoji="1" lang="en-US" altLang="ja-JP" dirty="0">
+                <a:solidFill>
+                  <a:schemeClr val="accent2"/>
+                </a:solidFill>
+              </a:rPr>
+              <a:t># </a:t>
+            </a:r>
+          </a:p>
+          <a:p>
+            <a:r>
+              <a:rPr kumimoji="1" lang="en-US" altLang="ja-JP" dirty="0">
+                <a:solidFill>
+                  <a:srgbClr val="FFFF00"/>
+                </a:solidFill>
+              </a:rPr>
+              <a:t>git</a:t>
+            </a:r>
+            <a:r>
+              <a:rPr kumimoji="1" lang="en-US" altLang="ja-JP" dirty="0">
+                <a:solidFill>
+                  <a:schemeClr val="accent2"/>
+                </a:solidFill>
+              </a:rPr>
+              <a:t> </a:t>
+            </a:r>
+            <a:r>
+              <a:rPr kumimoji="1" lang="en-US" altLang="ja-JP" dirty="0">
+                <a:solidFill>
+                  <a:schemeClr val="accent4">
+                    <a:lumMod val="60000"/>
+                    <a:lumOff val="40000"/>
+                  </a:schemeClr>
+                </a:solidFill>
+              </a:rPr>
+              <a:t>stash</a:t>
+            </a:r>
+          </a:p>
+          <a:p>
+            <a:endParaRPr kumimoji="1" lang="en-US" altLang="ja-JP" dirty="0">
+              <a:solidFill>
+                <a:schemeClr val="accent2"/>
+              </a:solidFill>
+            </a:endParaRPr>
+          </a:p>
+          <a:p>
+            <a:r>
+              <a:rPr kumimoji="1" lang="en-US" altLang="ja-JP" dirty="0">
+                <a:solidFill>
+                  <a:schemeClr val="accent2"/>
+                </a:solidFill>
+              </a:rPr>
+              <a:t># </a:t>
+            </a:r>
+            <a:r>
+              <a:rPr kumimoji="1" lang="ja-JP" altLang="en-US" dirty="0">
+                <a:solidFill>
+                  <a:schemeClr val="accent2"/>
+                </a:solidFill>
+              </a:rPr>
+              <a:t>正しいブランチ</a:t>
+            </a:r>
+            <a:r>
+              <a:rPr kumimoji="1" lang="en-US" altLang="ja-JP" dirty="0">
+                <a:solidFill>
+                  <a:schemeClr val="accent2"/>
+                </a:solidFill>
+              </a:rPr>
+              <a:t>(</a:t>
+            </a:r>
+            <a:r>
+              <a:rPr kumimoji="1" lang="ja-JP" altLang="en-US" dirty="0">
+                <a:solidFill>
+                  <a:schemeClr val="accent2"/>
+                </a:solidFill>
+              </a:rPr>
+              <a:t>今回は</a:t>
+            </a:r>
+            <a:r>
+              <a:rPr kumimoji="1" lang="en-US" altLang="ja-JP" dirty="0">
+                <a:solidFill>
+                  <a:schemeClr val="accent2"/>
+                </a:solidFill>
+              </a:rPr>
+              <a:t>main)</a:t>
+            </a:r>
+            <a:r>
+              <a:rPr kumimoji="1" lang="ja-JP" altLang="en-US" dirty="0">
+                <a:solidFill>
+                  <a:schemeClr val="accent2"/>
+                </a:solidFill>
+              </a:rPr>
+              <a:t>に切り替え</a:t>
+            </a:r>
+            <a:endParaRPr kumimoji="1" lang="en-US" altLang="ja-JP" dirty="0">
+              <a:solidFill>
+                <a:schemeClr val="accent2"/>
+              </a:solidFill>
+            </a:endParaRPr>
+          </a:p>
+          <a:p>
+            <a:r>
+              <a:rPr kumimoji="1" lang="en-US" altLang="ja-JP" dirty="0">
+                <a:solidFill>
+                  <a:srgbClr val="FFFF00"/>
+                </a:solidFill>
+              </a:rPr>
+              <a:t>git</a:t>
+            </a:r>
+            <a:r>
+              <a:rPr kumimoji="1" lang="en-US" altLang="ja-JP" dirty="0">
+                <a:solidFill>
+                  <a:schemeClr val="accent2"/>
+                </a:solidFill>
+              </a:rPr>
+              <a:t> </a:t>
+            </a:r>
+            <a:r>
+              <a:rPr kumimoji="1" lang="en-US" altLang="ja-JP" dirty="0">
+                <a:solidFill>
+                  <a:schemeClr val="accent4">
+                    <a:lumMod val="60000"/>
+                    <a:lumOff val="40000"/>
+                  </a:schemeClr>
+                </a:solidFill>
+              </a:rPr>
+              <a:t>checkout main</a:t>
+            </a:r>
+          </a:p>
+          <a:p>
+            <a:endParaRPr kumimoji="1" lang="en-US" altLang="ja-JP" dirty="0">
+              <a:solidFill>
+                <a:schemeClr val="accent2"/>
+              </a:solidFill>
+            </a:endParaRPr>
+          </a:p>
+          <a:p>
+            <a:r>
+              <a:rPr kumimoji="1" lang="en-US" altLang="ja-JP" dirty="0">
+                <a:solidFill>
+                  <a:schemeClr val="accent2"/>
+                </a:solidFill>
+              </a:rPr>
+              <a:t># </a:t>
+            </a:r>
+            <a:r>
+              <a:rPr kumimoji="1" lang="ja-JP" altLang="en-US" dirty="0">
+                <a:solidFill>
+                  <a:schemeClr val="accent2"/>
+                </a:solidFill>
+              </a:rPr>
+              <a:t>スタッシュを適用</a:t>
+            </a:r>
+            <a:endParaRPr kumimoji="1" lang="en-US" altLang="ja-JP" dirty="0">
+              <a:solidFill>
+                <a:schemeClr val="accent2"/>
+              </a:solidFill>
+            </a:endParaRPr>
+          </a:p>
+          <a:p>
+            <a:r>
+              <a:rPr kumimoji="1" lang="en-US" altLang="ja-JP" dirty="0">
+                <a:solidFill>
+                  <a:srgbClr val="FFFF00"/>
+                </a:solidFill>
+              </a:rPr>
+              <a:t>git</a:t>
+            </a:r>
+            <a:r>
+              <a:rPr kumimoji="1" lang="en-US" altLang="ja-JP" dirty="0">
+                <a:solidFill>
+                  <a:schemeClr val="accent2"/>
+                </a:solidFill>
+              </a:rPr>
+              <a:t> </a:t>
+            </a:r>
+            <a:r>
+              <a:rPr kumimoji="1" lang="en-US" altLang="ja-JP" dirty="0">
+                <a:solidFill>
+                  <a:schemeClr val="accent4">
+                    <a:lumMod val="60000"/>
+                    <a:lumOff val="40000"/>
+                  </a:schemeClr>
+                </a:solidFill>
+              </a:rPr>
+              <a:t>stash pop</a:t>
+            </a:r>
+            <a:endParaRPr kumimoji="1" lang="ja-JP" altLang="en-US" dirty="0">
+              <a:solidFill>
+                <a:schemeClr val="accent4">
+                  <a:lumMod val="60000"/>
+                  <a:lumOff val="40000"/>
+                </a:schemeClr>
+              </a:solidFill>
+            </a:endParaRPr>
+          </a:p>
+        </p:txBody>
+      </p:sp>
+    </p:spTree>
+    <p:extLst>
+      <p:ext uri="{BB962C8B-B14F-4D97-AF65-F5344CB8AC3E}">
+        <p14:creationId xmlns:p14="http://schemas.microsoft.com/office/powerpoint/2010/main" val="3966998274"/>
+      </p:ext>
+    </p:extLst>
+  </p:cSld>
+  <p:clrMapOvr>
+    <a:masterClrMapping/>
+  </p:clrMapOvr>
+</p:sld>
+</file>
+
 <file path=ppt/slides/slide2.xml><?xml version="1.0" encoding="utf-8"?>
 <p:sld xmlns:a="http://schemas.openxmlformats.org/drawingml/2006/main" xmlns:r="http://schemas.openxmlformats.org/officeDocument/2006/relationships" xmlns:p="http://schemas.openxmlformats.org/presentationml/2006/main">
   <p:cSld>
@@ -6900,7 +8205,7 @@
           <a:p>
             <a:r>
               <a:rPr kumimoji="1" lang="ja-JP" altLang="en-US" dirty="0"/>
-              <a:t>本来のブランチではないブランチにコミットしてしまった</a:t>
+              <a:t>本来のブランチとは異なるブランチで作業を進めてしまった</a:t>
             </a:r>
             <a:endParaRPr kumimoji="1" lang="en-US" altLang="ja-JP" dirty="0"/>
           </a:p>
@@ -6928,13 +8233,8 @@
           <a:p>
             <a:r>
               <a:rPr kumimoji="1" lang="ja-JP" altLang="en-US" dirty="0"/>
-              <a:t>改行</a:t>
-            </a:r>
-            <a:r>
-              <a:rPr kumimoji="1" lang="ja-JP" altLang="en-US"/>
-              <a:t>コードの自動変換設定のミス</a:t>
-            </a:r>
-            <a:endParaRPr kumimoji="1" lang="ja-JP" altLang="en-US" dirty="0"/>
+              <a:t>改行コードの自動変換設定のミス</a:t>
+            </a:r>
           </a:p>
         </p:txBody>
       </p:sp>
@@ -6942,6 +8242,948 @@
     <p:extLst>
       <p:ext uri="{BB962C8B-B14F-4D97-AF65-F5344CB8AC3E}">
         <p14:creationId xmlns:p14="http://schemas.microsoft.com/office/powerpoint/2010/main" val="3847088622"/>
+      </p:ext>
+    </p:extLst>
+  </p:cSld>
+  <p:clrMapOvr>
+    <a:masterClrMapping/>
+  </p:clrMapOvr>
+</p:sld>
+</file>
+
+<file path=ppt/slides/slide7.xml><?xml version="1.0" encoding="utf-8"?>
+<p:sld xmlns:a="http://schemas.openxmlformats.org/drawingml/2006/main" xmlns:r="http://schemas.openxmlformats.org/officeDocument/2006/relationships" xmlns:p="http://schemas.openxmlformats.org/presentationml/2006/main">
+  <p:cSld>
+    <p:spTree>
+      <p:nvGrpSpPr>
+        <p:cNvPr id="1" name=""/>
+        <p:cNvGrpSpPr/>
+        <p:nvPr/>
+      </p:nvGrpSpPr>
+      <p:grpSpPr>
+        <a:xfrm>
+          <a:off x="0" y="0"/>
+          <a:ext cx="0" cy="0"/>
+          <a:chOff x="0" y="0"/>
+          <a:chExt cx="0" cy="0"/>
+        </a:xfrm>
+      </p:grpSpPr>
+      <p:sp>
+        <p:nvSpPr>
+          <p:cNvPr id="2" name="タイトル 1">
+            <a:extLst>
+              <a:ext uri="{FF2B5EF4-FFF2-40B4-BE49-F238E27FC236}">
+                <a16:creationId xmlns:a16="http://schemas.microsoft.com/office/drawing/2014/main" id="{57B53B95-6BA5-6C71-B011-3B3359634A48}"/>
+              </a:ext>
+            </a:extLst>
+          </p:cNvPr>
+          <p:cNvSpPr>
+            <a:spLocks noGrp="1"/>
+          </p:cNvSpPr>
+          <p:nvPr>
+            <p:ph type="title"/>
+          </p:nvPr>
+        </p:nvSpPr>
+        <p:spPr/>
+        <p:txBody>
+          <a:bodyPr>
+            <a:normAutofit/>
+          </a:bodyPr>
+          <a:lstStyle/>
+          <a:p>
+            <a:r>
+              <a:rPr lang="en-US" altLang="ja-JP" sz="2800" dirty="0"/>
+              <a:t>【</a:t>
+            </a:r>
+            <a:r>
+              <a:rPr kumimoji="1" lang="ja-JP" altLang="en-US" sz="2800" dirty="0"/>
+              <a:t>事例１</a:t>
+            </a:r>
+            <a:r>
+              <a:rPr kumimoji="1" lang="en-US" altLang="ja-JP" sz="2800" dirty="0"/>
+              <a:t>】</a:t>
+            </a:r>
+            <a:r>
+              <a:rPr kumimoji="1" lang="ja-JP" altLang="en-US" sz="2800" dirty="0"/>
+              <a:t>本来のブランチとは異なるブランチで</a:t>
+            </a:r>
+            <a:br>
+              <a:rPr kumimoji="1" lang="en-US" altLang="ja-JP" sz="2800" dirty="0"/>
+            </a:br>
+            <a:r>
+              <a:rPr kumimoji="1" lang="ja-JP" altLang="en-US" sz="2800" dirty="0"/>
+              <a:t>作業を進めてしまった</a:t>
+            </a:r>
+          </a:p>
+        </p:txBody>
+      </p:sp>
+      <p:sp>
+        <p:nvSpPr>
+          <p:cNvPr id="3" name="コンテンツ プレースホルダー 2">
+            <a:extLst>
+              <a:ext uri="{FF2B5EF4-FFF2-40B4-BE49-F238E27FC236}">
+                <a16:creationId xmlns:a16="http://schemas.microsoft.com/office/drawing/2014/main" id="{07637FAC-F868-3646-B9E5-3DC9A1957A57}"/>
+              </a:ext>
+            </a:extLst>
+          </p:cNvPr>
+          <p:cNvSpPr>
+            <a:spLocks noGrp="1"/>
+          </p:cNvSpPr>
+          <p:nvPr>
+            <p:ph idx="1"/>
+          </p:nvPr>
+        </p:nvSpPr>
+        <p:spPr/>
+        <p:txBody>
+          <a:bodyPr/>
+          <a:lstStyle/>
+          <a:p>
+            <a:pPr marL="0" indent="0">
+              <a:buNone/>
+            </a:pPr>
+            <a:r>
+              <a:rPr kumimoji="1" lang="ja-JP" altLang="en-US" dirty="0"/>
+              <a:t>作業内容の状況によって、以下の大きく３つのケースに場合分けされる</a:t>
+            </a:r>
+            <a:endParaRPr kumimoji="1" lang="en-US" altLang="ja-JP" dirty="0"/>
+          </a:p>
+          <a:p>
+            <a:pPr marL="0" indent="0">
+              <a:buNone/>
+            </a:pPr>
+            <a:r>
+              <a:rPr kumimoji="1" lang="ja-JP" altLang="en-US" dirty="0"/>
+              <a:t>ケース１：作業内容がワーキングツリーのみに存在する</a:t>
+            </a:r>
+            <a:endParaRPr lang="en-US" altLang="ja-JP" dirty="0"/>
+          </a:p>
+          <a:p>
+            <a:pPr marL="0" indent="0">
+              <a:buNone/>
+            </a:pPr>
+            <a:endParaRPr kumimoji="1" lang="en-US" altLang="ja-JP" dirty="0"/>
+          </a:p>
+          <a:p>
+            <a:pPr marL="0" indent="0">
+              <a:buNone/>
+            </a:pPr>
+            <a:r>
+              <a:rPr lang="ja-JP" altLang="en-US" dirty="0"/>
+              <a:t>ケース２：作業内容がステージングエリアに存在する</a:t>
+            </a:r>
+            <a:endParaRPr lang="en-US" altLang="ja-JP" dirty="0"/>
+          </a:p>
+          <a:p>
+            <a:pPr marL="0" indent="0">
+              <a:buNone/>
+            </a:pPr>
+            <a:endParaRPr kumimoji="1" lang="en-US" altLang="ja-JP" dirty="0"/>
+          </a:p>
+          <a:p>
+            <a:pPr marL="0" indent="0">
+              <a:buNone/>
+            </a:pPr>
+            <a:r>
+              <a:rPr lang="ja-JP" altLang="en-US" dirty="0"/>
+              <a:t>ケース３：作業内容はすでに誤ったブランチへコミット済みである</a:t>
+            </a:r>
+            <a:endParaRPr kumimoji="1" lang="en-US" altLang="ja-JP" dirty="0"/>
+          </a:p>
+        </p:txBody>
+      </p:sp>
+    </p:spTree>
+    <p:extLst>
+      <p:ext uri="{BB962C8B-B14F-4D97-AF65-F5344CB8AC3E}">
+        <p14:creationId xmlns:p14="http://schemas.microsoft.com/office/powerpoint/2010/main" val="2308002463"/>
+      </p:ext>
+    </p:extLst>
+  </p:cSld>
+  <p:clrMapOvr>
+    <a:masterClrMapping/>
+  </p:clrMapOvr>
+</p:sld>
+</file>
+
+<file path=ppt/slides/slide8.xml><?xml version="1.0" encoding="utf-8"?>
+<p:sld xmlns:a="http://schemas.openxmlformats.org/drawingml/2006/main" xmlns:r="http://schemas.openxmlformats.org/officeDocument/2006/relationships" xmlns:p="http://schemas.openxmlformats.org/presentationml/2006/main">
+  <p:cSld>
+    <p:spTree>
+      <p:nvGrpSpPr>
+        <p:cNvPr id="1" name=""/>
+        <p:cNvGrpSpPr/>
+        <p:nvPr/>
+      </p:nvGrpSpPr>
+      <p:grpSpPr>
+        <a:xfrm>
+          <a:off x="0" y="0"/>
+          <a:ext cx="0" cy="0"/>
+          <a:chOff x="0" y="0"/>
+          <a:chExt cx="0" cy="0"/>
+        </a:xfrm>
+      </p:grpSpPr>
+      <p:sp>
+        <p:nvSpPr>
+          <p:cNvPr id="2" name="タイトル 1">
+            <a:extLst>
+              <a:ext uri="{FF2B5EF4-FFF2-40B4-BE49-F238E27FC236}">
+                <a16:creationId xmlns:a16="http://schemas.microsoft.com/office/drawing/2014/main" id="{57B53B95-6BA5-6C71-B011-3B3359634A48}"/>
+              </a:ext>
+            </a:extLst>
+          </p:cNvPr>
+          <p:cNvSpPr>
+            <a:spLocks noGrp="1"/>
+          </p:cNvSpPr>
+          <p:nvPr>
+            <p:ph type="title"/>
+          </p:nvPr>
+        </p:nvSpPr>
+        <p:spPr/>
+        <p:txBody>
+          <a:bodyPr>
+            <a:normAutofit/>
+          </a:bodyPr>
+          <a:lstStyle/>
+          <a:p>
+            <a:r>
+              <a:rPr lang="en-US" altLang="ja-JP" sz="2800" dirty="0"/>
+              <a:t>【</a:t>
+            </a:r>
+            <a:r>
+              <a:rPr kumimoji="1" lang="ja-JP" altLang="en-US" sz="2800" dirty="0"/>
+              <a:t>事例</a:t>
+            </a:r>
+            <a:r>
+              <a:rPr lang="ja-JP" altLang="en-US" sz="2800" dirty="0"/>
+              <a:t>１</a:t>
+            </a:r>
+            <a:r>
+              <a:rPr kumimoji="1" lang="en-US" altLang="ja-JP" sz="2800" dirty="0"/>
+              <a:t>】</a:t>
+            </a:r>
+            <a:r>
+              <a:rPr kumimoji="1" lang="ja-JP" altLang="en-US" sz="2800" dirty="0"/>
+              <a:t>本来のブランチとは異なるブランチで</a:t>
+            </a:r>
+            <a:br>
+              <a:rPr kumimoji="1" lang="en-US" altLang="ja-JP" sz="2800" dirty="0"/>
+            </a:br>
+            <a:r>
+              <a:rPr kumimoji="1" lang="ja-JP" altLang="en-US" sz="2800" dirty="0"/>
+              <a:t>作業を進めてしまった</a:t>
+            </a:r>
+          </a:p>
+        </p:txBody>
+      </p:sp>
+      <p:sp>
+        <p:nvSpPr>
+          <p:cNvPr id="3" name="コンテンツ プレースホルダー 2">
+            <a:extLst>
+              <a:ext uri="{FF2B5EF4-FFF2-40B4-BE49-F238E27FC236}">
+                <a16:creationId xmlns:a16="http://schemas.microsoft.com/office/drawing/2014/main" id="{07637FAC-F868-3646-B9E5-3DC9A1957A57}"/>
+              </a:ext>
+            </a:extLst>
+          </p:cNvPr>
+          <p:cNvSpPr>
+            <a:spLocks noGrp="1"/>
+          </p:cNvSpPr>
+          <p:nvPr>
+            <p:ph idx="1"/>
+          </p:nvPr>
+        </p:nvSpPr>
+        <p:spPr>
+          <a:xfrm>
+            <a:off x="677334" y="1457206"/>
+            <a:ext cx="8596668" cy="3880773"/>
+          </a:xfrm>
+        </p:spPr>
+        <p:txBody>
+          <a:bodyPr/>
+          <a:lstStyle/>
+          <a:p>
+            <a:pPr marL="0" indent="0">
+              <a:buNone/>
+            </a:pPr>
+            <a:r>
+              <a:rPr kumimoji="1" lang="ja-JP" altLang="en-US" dirty="0"/>
+              <a:t>ケース１：作業内容がワーキングツリーのみに存在する</a:t>
+            </a:r>
+            <a:endParaRPr kumimoji="1" lang="en-US" altLang="ja-JP" dirty="0"/>
+          </a:p>
+          <a:p>
+            <a:pPr marL="0" indent="0">
+              <a:buNone/>
+            </a:pPr>
+            <a:endParaRPr lang="en-US" altLang="ja-JP" dirty="0"/>
+          </a:p>
+        </p:txBody>
+      </p:sp>
+      <p:sp>
+        <p:nvSpPr>
+          <p:cNvPr id="4" name="テキスト ボックス 3">
+            <a:extLst>
+              <a:ext uri="{FF2B5EF4-FFF2-40B4-BE49-F238E27FC236}">
+                <a16:creationId xmlns:a16="http://schemas.microsoft.com/office/drawing/2014/main" id="{5D79C3C9-6333-75A7-01F8-E810F74DC676}"/>
+              </a:ext>
+            </a:extLst>
+          </p:cNvPr>
+          <p:cNvSpPr txBox="1"/>
+          <p:nvPr/>
+        </p:nvSpPr>
+        <p:spPr>
+          <a:xfrm>
+            <a:off x="764931" y="1793632"/>
+            <a:ext cx="8509071" cy="2308324"/>
+          </a:xfrm>
+          <a:prstGeom prst="rect">
+            <a:avLst/>
+          </a:prstGeom>
+          <a:solidFill>
+            <a:schemeClr val="tx1"/>
+          </a:solidFill>
+        </p:spPr>
+        <p:txBody>
+          <a:bodyPr wrap="square" rtlCol="0">
+            <a:spAutoFit/>
+          </a:bodyPr>
+          <a:lstStyle/>
+          <a:p>
+            <a:r>
+              <a:rPr kumimoji="1" lang="en-US" altLang="ja-JP" dirty="0">
+                <a:solidFill>
+                  <a:schemeClr val="accent2"/>
+                </a:solidFill>
+              </a:rPr>
+              <a:t># </a:t>
+            </a:r>
+            <a:r>
+              <a:rPr kumimoji="1" lang="ja-JP" altLang="en-US" dirty="0">
+                <a:solidFill>
+                  <a:schemeClr val="accent2"/>
+                </a:solidFill>
+              </a:rPr>
+              <a:t>変更内容をスタッシュ</a:t>
+            </a:r>
+            <a:endParaRPr kumimoji="1" lang="en-US" altLang="ja-JP" dirty="0">
+              <a:solidFill>
+                <a:schemeClr val="accent2"/>
+              </a:solidFill>
+            </a:endParaRPr>
+          </a:p>
+          <a:p>
+            <a:r>
+              <a:rPr kumimoji="1" lang="en-US" altLang="ja-JP" dirty="0">
+                <a:solidFill>
+                  <a:srgbClr val="FFFF00"/>
+                </a:solidFill>
+              </a:rPr>
+              <a:t>git</a:t>
+            </a:r>
+            <a:r>
+              <a:rPr kumimoji="1" lang="en-US" altLang="ja-JP" dirty="0">
+                <a:solidFill>
+                  <a:schemeClr val="accent2"/>
+                </a:solidFill>
+              </a:rPr>
+              <a:t> </a:t>
+            </a:r>
+            <a:r>
+              <a:rPr kumimoji="1" lang="en-US" altLang="ja-JP" dirty="0">
+                <a:solidFill>
+                  <a:schemeClr val="accent4">
+                    <a:lumMod val="60000"/>
+                    <a:lumOff val="40000"/>
+                  </a:schemeClr>
+                </a:solidFill>
+              </a:rPr>
+              <a:t>stash</a:t>
+            </a:r>
+          </a:p>
+          <a:p>
+            <a:endParaRPr kumimoji="1" lang="en-US" altLang="ja-JP" dirty="0">
+              <a:solidFill>
+                <a:schemeClr val="accent2"/>
+              </a:solidFill>
+            </a:endParaRPr>
+          </a:p>
+          <a:p>
+            <a:r>
+              <a:rPr kumimoji="1" lang="en-US" altLang="ja-JP" dirty="0">
+                <a:solidFill>
+                  <a:schemeClr val="accent2"/>
+                </a:solidFill>
+              </a:rPr>
+              <a:t># </a:t>
+            </a:r>
+            <a:r>
+              <a:rPr kumimoji="1" lang="ja-JP" altLang="en-US" dirty="0">
+                <a:solidFill>
+                  <a:schemeClr val="accent2"/>
+                </a:solidFill>
+              </a:rPr>
+              <a:t>正しいブランチ</a:t>
+            </a:r>
+            <a:r>
+              <a:rPr kumimoji="1" lang="en-US" altLang="ja-JP" dirty="0">
+                <a:solidFill>
+                  <a:schemeClr val="accent2"/>
+                </a:solidFill>
+              </a:rPr>
+              <a:t>(</a:t>
+            </a:r>
+            <a:r>
+              <a:rPr kumimoji="1" lang="ja-JP" altLang="en-US" dirty="0">
+                <a:solidFill>
+                  <a:schemeClr val="accent2"/>
+                </a:solidFill>
+              </a:rPr>
+              <a:t>今回は</a:t>
+            </a:r>
+            <a:r>
+              <a:rPr kumimoji="1" lang="en-US" altLang="ja-JP" dirty="0">
+                <a:solidFill>
+                  <a:schemeClr val="accent2"/>
+                </a:solidFill>
+              </a:rPr>
+              <a:t>main)</a:t>
+            </a:r>
+            <a:r>
+              <a:rPr kumimoji="1" lang="ja-JP" altLang="en-US" dirty="0">
+                <a:solidFill>
+                  <a:schemeClr val="accent2"/>
+                </a:solidFill>
+              </a:rPr>
+              <a:t>に切り替え</a:t>
+            </a:r>
+            <a:endParaRPr kumimoji="1" lang="en-US" altLang="ja-JP" dirty="0">
+              <a:solidFill>
+                <a:schemeClr val="accent2"/>
+              </a:solidFill>
+            </a:endParaRPr>
+          </a:p>
+          <a:p>
+            <a:r>
+              <a:rPr kumimoji="1" lang="en-US" altLang="ja-JP" dirty="0">
+                <a:solidFill>
+                  <a:srgbClr val="FFFF00"/>
+                </a:solidFill>
+              </a:rPr>
+              <a:t>git</a:t>
+            </a:r>
+            <a:r>
+              <a:rPr kumimoji="1" lang="en-US" altLang="ja-JP" dirty="0">
+                <a:solidFill>
+                  <a:schemeClr val="accent2"/>
+                </a:solidFill>
+              </a:rPr>
+              <a:t> </a:t>
+            </a:r>
+            <a:r>
+              <a:rPr kumimoji="1" lang="en-US" altLang="ja-JP" dirty="0">
+                <a:solidFill>
+                  <a:schemeClr val="accent4">
+                    <a:lumMod val="60000"/>
+                    <a:lumOff val="40000"/>
+                  </a:schemeClr>
+                </a:solidFill>
+              </a:rPr>
+              <a:t>checkout main</a:t>
+            </a:r>
+          </a:p>
+          <a:p>
+            <a:endParaRPr kumimoji="1" lang="en-US" altLang="ja-JP" dirty="0">
+              <a:solidFill>
+                <a:schemeClr val="accent2"/>
+              </a:solidFill>
+            </a:endParaRPr>
+          </a:p>
+          <a:p>
+            <a:r>
+              <a:rPr kumimoji="1" lang="en-US" altLang="ja-JP" dirty="0">
+                <a:solidFill>
+                  <a:schemeClr val="accent2"/>
+                </a:solidFill>
+              </a:rPr>
+              <a:t># </a:t>
+            </a:r>
+            <a:r>
+              <a:rPr kumimoji="1" lang="ja-JP" altLang="en-US" dirty="0">
+                <a:solidFill>
+                  <a:schemeClr val="accent2"/>
+                </a:solidFill>
+              </a:rPr>
+              <a:t>スタッシュを適用</a:t>
+            </a:r>
+            <a:endParaRPr kumimoji="1" lang="en-US" altLang="ja-JP" dirty="0">
+              <a:solidFill>
+                <a:schemeClr val="accent2"/>
+              </a:solidFill>
+            </a:endParaRPr>
+          </a:p>
+          <a:p>
+            <a:r>
+              <a:rPr kumimoji="1" lang="en-US" altLang="ja-JP" dirty="0">
+                <a:solidFill>
+                  <a:srgbClr val="FFFF00"/>
+                </a:solidFill>
+              </a:rPr>
+              <a:t>git</a:t>
+            </a:r>
+            <a:r>
+              <a:rPr kumimoji="1" lang="en-US" altLang="ja-JP" dirty="0">
+                <a:solidFill>
+                  <a:schemeClr val="accent2"/>
+                </a:solidFill>
+              </a:rPr>
+              <a:t> </a:t>
+            </a:r>
+            <a:r>
+              <a:rPr kumimoji="1" lang="en-US" altLang="ja-JP" dirty="0">
+                <a:solidFill>
+                  <a:schemeClr val="accent4">
+                    <a:lumMod val="60000"/>
+                    <a:lumOff val="40000"/>
+                  </a:schemeClr>
+                </a:solidFill>
+              </a:rPr>
+              <a:t>stash pop</a:t>
+            </a:r>
+            <a:endParaRPr kumimoji="1" lang="ja-JP" altLang="en-US" dirty="0">
+              <a:solidFill>
+                <a:schemeClr val="accent4">
+                  <a:lumMod val="60000"/>
+                  <a:lumOff val="40000"/>
+                </a:schemeClr>
+              </a:solidFill>
+            </a:endParaRPr>
+          </a:p>
+        </p:txBody>
+      </p:sp>
+    </p:spTree>
+    <p:extLst>
+      <p:ext uri="{BB962C8B-B14F-4D97-AF65-F5344CB8AC3E}">
+        <p14:creationId xmlns:p14="http://schemas.microsoft.com/office/powerpoint/2010/main" val="496824609"/>
+      </p:ext>
+    </p:extLst>
+  </p:cSld>
+  <p:clrMapOvr>
+    <a:masterClrMapping/>
+  </p:clrMapOvr>
+</p:sld>
+</file>
+
+<file path=ppt/slides/slide9.xml><?xml version="1.0" encoding="utf-8"?>
+<p:sld xmlns:a="http://schemas.openxmlformats.org/drawingml/2006/main" xmlns:r="http://schemas.openxmlformats.org/officeDocument/2006/relationships" xmlns:p="http://schemas.openxmlformats.org/presentationml/2006/main">
+  <p:cSld>
+    <p:spTree>
+      <p:nvGrpSpPr>
+        <p:cNvPr id="1" name=""/>
+        <p:cNvGrpSpPr/>
+        <p:nvPr/>
+      </p:nvGrpSpPr>
+      <p:grpSpPr>
+        <a:xfrm>
+          <a:off x="0" y="0"/>
+          <a:ext cx="0" cy="0"/>
+          <a:chOff x="0" y="0"/>
+          <a:chExt cx="0" cy="0"/>
+        </a:xfrm>
+      </p:grpSpPr>
+      <p:sp>
+        <p:nvSpPr>
+          <p:cNvPr id="2" name="タイトル 1">
+            <a:extLst>
+              <a:ext uri="{FF2B5EF4-FFF2-40B4-BE49-F238E27FC236}">
+                <a16:creationId xmlns:a16="http://schemas.microsoft.com/office/drawing/2014/main" id="{57B53B95-6BA5-6C71-B011-3B3359634A48}"/>
+              </a:ext>
+            </a:extLst>
+          </p:cNvPr>
+          <p:cNvSpPr>
+            <a:spLocks noGrp="1"/>
+          </p:cNvSpPr>
+          <p:nvPr>
+            <p:ph type="title"/>
+          </p:nvPr>
+        </p:nvSpPr>
+        <p:spPr/>
+        <p:txBody>
+          <a:bodyPr>
+            <a:normAutofit/>
+          </a:bodyPr>
+          <a:lstStyle/>
+          <a:p>
+            <a:r>
+              <a:rPr lang="en-US" altLang="ja-JP" sz="2800" dirty="0"/>
+              <a:t>【</a:t>
+            </a:r>
+            <a:r>
+              <a:rPr kumimoji="1" lang="ja-JP" altLang="en-US" sz="2800" dirty="0"/>
+              <a:t>事例１</a:t>
+            </a:r>
+            <a:r>
+              <a:rPr kumimoji="1" lang="en-US" altLang="ja-JP" sz="2800" dirty="0"/>
+              <a:t>】</a:t>
+            </a:r>
+            <a:r>
+              <a:rPr kumimoji="1" lang="ja-JP" altLang="en-US" sz="2800" dirty="0"/>
+              <a:t>本来のブランチとは異なるブランチで</a:t>
+            </a:r>
+            <a:br>
+              <a:rPr kumimoji="1" lang="en-US" altLang="ja-JP" sz="2800" dirty="0"/>
+            </a:br>
+            <a:r>
+              <a:rPr kumimoji="1" lang="ja-JP" altLang="en-US" sz="2800" dirty="0"/>
+              <a:t>作業を進めてしまった</a:t>
+            </a:r>
+          </a:p>
+        </p:txBody>
+      </p:sp>
+      <p:sp>
+        <p:nvSpPr>
+          <p:cNvPr id="3" name="コンテンツ プレースホルダー 2">
+            <a:extLst>
+              <a:ext uri="{FF2B5EF4-FFF2-40B4-BE49-F238E27FC236}">
+                <a16:creationId xmlns:a16="http://schemas.microsoft.com/office/drawing/2014/main" id="{07637FAC-F868-3646-B9E5-3DC9A1957A57}"/>
+              </a:ext>
+            </a:extLst>
+          </p:cNvPr>
+          <p:cNvSpPr>
+            <a:spLocks noGrp="1"/>
+          </p:cNvSpPr>
+          <p:nvPr>
+            <p:ph idx="1"/>
+          </p:nvPr>
+        </p:nvSpPr>
+        <p:spPr>
+          <a:xfrm>
+            <a:off x="677334" y="1465998"/>
+            <a:ext cx="8596668" cy="3880773"/>
+          </a:xfrm>
+        </p:spPr>
+        <p:txBody>
+          <a:bodyPr/>
+          <a:lstStyle/>
+          <a:p>
+            <a:pPr marL="0" indent="0">
+              <a:buNone/>
+            </a:pPr>
+            <a:r>
+              <a:rPr lang="ja-JP" altLang="en-US" dirty="0"/>
+              <a:t>ケース２：作業内容がステージングエリアに存在する</a:t>
+            </a:r>
+            <a:endParaRPr lang="en-US" altLang="ja-JP" dirty="0"/>
+          </a:p>
+          <a:p>
+            <a:pPr marL="0" indent="0">
+              <a:buNone/>
+            </a:pPr>
+            <a:endParaRPr lang="en-US" altLang="ja-JP" dirty="0"/>
+          </a:p>
+        </p:txBody>
+      </p:sp>
+      <p:sp>
+        <p:nvSpPr>
+          <p:cNvPr id="4" name="テキスト ボックス 3">
+            <a:extLst>
+              <a:ext uri="{FF2B5EF4-FFF2-40B4-BE49-F238E27FC236}">
+                <a16:creationId xmlns:a16="http://schemas.microsoft.com/office/drawing/2014/main" id="{5D79C3C9-6333-75A7-01F8-E810F74DC676}"/>
+              </a:ext>
+            </a:extLst>
+          </p:cNvPr>
+          <p:cNvSpPr txBox="1"/>
+          <p:nvPr/>
+        </p:nvSpPr>
+        <p:spPr>
+          <a:xfrm>
+            <a:off x="721132" y="1788280"/>
+            <a:ext cx="8509071" cy="3139321"/>
+          </a:xfrm>
+          <a:prstGeom prst="rect">
+            <a:avLst/>
+          </a:prstGeom>
+          <a:solidFill>
+            <a:schemeClr val="tx1"/>
+          </a:solidFill>
+        </p:spPr>
+        <p:txBody>
+          <a:bodyPr wrap="square" rtlCol="0">
+            <a:spAutoFit/>
+          </a:bodyPr>
+          <a:lstStyle/>
+          <a:p>
+            <a:r>
+              <a:rPr kumimoji="1" lang="en-US" altLang="ja-JP" dirty="0">
+                <a:solidFill>
+                  <a:schemeClr val="accent2"/>
+                </a:solidFill>
+              </a:rPr>
+              <a:t># </a:t>
+            </a:r>
+            <a:r>
+              <a:rPr kumimoji="1" lang="ja-JP" altLang="en-US" dirty="0">
+                <a:solidFill>
+                  <a:schemeClr val="accent2"/>
+                </a:solidFill>
+              </a:rPr>
+              <a:t>ステージングされている変更をリセット</a:t>
+            </a:r>
+            <a:endParaRPr kumimoji="1" lang="en-US" altLang="ja-JP" dirty="0">
+              <a:solidFill>
+                <a:schemeClr val="accent2"/>
+              </a:solidFill>
+            </a:endParaRPr>
+          </a:p>
+          <a:p>
+            <a:r>
+              <a:rPr kumimoji="1" lang="en-US" altLang="ja-JP" dirty="0">
+                <a:solidFill>
+                  <a:srgbClr val="FFFF00"/>
+                </a:solidFill>
+              </a:rPr>
+              <a:t>git</a:t>
+            </a:r>
+            <a:r>
+              <a:rPr kumimoji="1" lang="en-US" altLang="ja-JP" dirty="0">
+                <a:solidFill>
+                  <a:schemeClr val="accent2"/>
+                </a:solidFill>
+              </a:rPr>
+              <a:t> </a:t>
+            </a:r>
+            <a:r>
+              <a:rPr kumimoji="1" lang="en-US" altLang="ja-JP" dirty="0">
+                <a:solidFill>
+                  <a:schemeClr val="accent4">
+                    <a:lumMod val="60000"/>
+                    <a:lumOff val="40000"/>
+                  </a:schemeClr>
+                </a:solidFill>
+              </a:rPr>
+              <a:t>reset</a:t>
+            </a:r>
+          </a:p>
+          <a:p>
+            <a:endParaRPr kumimoji="1" lang="en-US" altLang="ja-JP" dirty="0">
+              <a:solidFill>
+                <a:schemeClr val="accent2"/>
+              </a:solidFill>
+            </a:endParaRPr>
+          </a:p>
+          <a:p>
+            <a:r>
+              <a:rPr kumimoji="1" lang="en-US" altLang="ja-JP" dirty="0">
+                <a:solidFill>
+                  <a:schemeClr val="accent2"/>
+                </a:solidFill>
+              </a:rPr>
+              <a:t># </a:t>
+            </a:r>
+            <a:r>
+              <a:rPr kumimoji="1" lang="ja-JP" altLang="en-US" dirty="0">
+                <a:solidFill>
+                  <a:schemeClr val="accent2"/>
+                </a:solidFill>
+              </a:rPr>
+              <a:t>変更内容をスタッシュ</a:t>
+            </a:r>
+            <a:endParaRPr kumimoji="1" lang="en-US" altLang="ja-JP" dirty="0">
+              <a:solidFill>
+                <a:schemeClr val="accent2"/>
+              </a:solidFill>
+            </a:endParaRPr>
+          </a:p>
+          <a:p>
+            <a:r>
+              <a:rPr kumimoji="1" lang="en-US" altLang="ja-JP" dirty="0">
+                <a:solidFill>
+                  <a:srgbClr val="FFFF00"/>
+                </a:solidFill>
+              </a:rPr>
+              <a:t>git</a:t>
+            </a:r>
+            <a:r>
+              <a:rPr kumimoji="1" lang="en-US" altLang="ja-JP" dirty="0">
+                <a:solidFill>
+                  <a:schemeClr val="accent2"/>
+                </a:solidFill>
+              </a:rPr>
+              <a:t> </a:t>
+            </a:r>
+            <a:r>
+              <a:rPr kumimoji="1" lang="en-US" altLang="ja-JP" dirty="0">
+                <a:solidFill>
+                  <a:schemeClr val="accent4">
+                    <a:lumMod val="60000"/>
+                    <a:lumOff val="40000"/>
+                  </a:schemeClr>
+                </a:solidFill>
+              </a:rPr>
+              <a:t>stash</a:t>
+            </a:r>
+          </a:p>
+          <a:p>
+            <a:endParaRPr kumimoji="1" lang="en-US" altLang="ja-JP" dirty="0">
+              <a:solidFill>
+                <a:schemeClr val="accent2"/>
+              </a:solidFill>
+            </a:endParaRPr>
+          </a:p>
+          <a:p>
+            <a:r>
+              <a:rPr kumimoji="1" lang="en-US" altLang="ja-JP" dirty="0">
+                <a:solidFill>
+                  <a:schemeClr val="accent2"/>
+                </a:solidFill>
+              </a:rPr>
+              <a:t># </a:t>
+            </a:r>
+            <a:r>
+              <a:rPr kumimoji="1" lang="ja-JP" altLang="en-US" dirty="0">
+                <a:solidFill>
+                  <a:schemeClr val="accent2"/>
+                </a:solidFill>
+              </a:rPr>
+              <a:t>正しいブランチ</a:t>
+            </a:r>
+            <a:r>
+              <a:rPr kumimoji="1" lang="en-US" altLang="ja-JP" dirty="0">
+                <a:solidFill>
+                  <a:schemeClr val="accent2"/>
+                </a:solidFill>
+              </a:rPr>
+              <a:t>(</a:t>
+            </a:r>
+            <a:r>
+              <a:rPr kumimoji="1" lang="ja-JP" altLang="en-US" dirty="0">
+                <a:solidFill>
+                  <a:schemeClr val="accent2"/>
+                </a:solidFill>
+              </a:rPr>
+              <a:t>今回は</a:t>
+            </a:r>
+            <a:r>
+              <a:rPr kumimoji="1" lang="en-US" altLang="ja-JP" dirty="0">
+                <a:solidFill>
+                  <a:schemeClr val="accent2"/>
+                </a:solidFill>
+              </a:rPr>
+              <a:t>main)</a:t>
+            </a:r>
+            <a:r>
+              <a:rPr kumimoji="1" lang="ja-JP" altLang="en-US" dirty="0">
+                <a:solidFill>
+                  <a:schemeClr val="accent2"/>
+                </a:solidFill>
+              </a:rPr>
+              <a:t>に切り替え</a:t>
+            </a:r>
+            <a:endParaRPr kumimoji="1" lang="en-US" altLang="ja-JP" dirty="0">
+              <a:solidFill>
+                <a:schemeClr val="accent2"/>
+              </a:solidFill>
+            </a:endParaRPr>
+          </a:p>
+          <a:p>
+            <a:r>
+              <a:rPr kumimoji="1" lang="en-US" altLang="ja-JP" dirty="0">
+                <a:solidFill>
+                  <a:srgbClr val="FFFF00"/>
+                </a:solidFill>
+              </a:rPr>
+              <a:t>git</a:t>
+            </a:r>
+            <a:r>
+              <a:rPr kumimoji="1" lang="en-US" altLang="ja-JP" dirty="0">
+                <a:solidFill>
+                  <a:schemeClr val="accent2"/>
+                </a:solidFill>
+              </a:rPr>
+              <a:t> </a:t>
+            </a:r>
+            <a:r>
+              <a:rPr kumimoji="1" lang="en-US" altLang="ja-JP" dirty="0">
+                <a:solidFill>
+                  <a:schemeClr val="accent4">
+                    <a:lumMod val="60000"/>
+                    <a:lumOff val="40000"/>
+                  </a:schemeClr>
+                </a:solidFill>
+              </a:rPr>
+              <a:t>checkout main</a:t>
+            </a:r>
+          </a:p>
+          <a:p>
+            <a:endParaRPr kumimoji="1" lang="en-US" altLang="ja-JP" dirty="0">
+              <a:solidFill>
+                <a:schemeClr val="accent2"/>
+              </a:solidFill>
+            </a:endParaRPr>
+          </a:p>
+          <a:p>
+            <a:r>
+              <a:rPr kumimoji="1" lang="en-US" altLang="ja-JP" dirty="0">
+                <a:solidFill>
+                  <a:schemeClr val="accent2"/>
+                </a:solidFill>
+              </a:rPr>
+              <a:t># </a:t>
+            </a:r>
+            <a:r>
+              <a:rPr kumimoji="1" lang="ja-JP" altLang="en-US" dirty="0">
+                <a:solidFill>
+                  <a:schemeClr val="accent2"/>
+                </a:solidFill>
+              </a:rPr>
+              <a:t>スタッシュを適用</a:t>
+            </a:r>
+            <a:endParaRPr kumimoji="1" lang="en-US" altLang="ja-JP" dirty="0">
+              <a:solidFill>
+                <a:schemeClr val="accent2"/>
+              </a:solidFill>
+            </a:endParaRPr>
+          </a:p>
+          <a:p>
+            <a:r>
+              <a:rPr kumimoji="1" lang="en-US" altLang="ja-JP" dirty="0">
+                <a:solidFill>
+                  <a:srgbClr val="FFFF00"/>
+                </a:solidFill>
+              </a:rPr>
+              <a:t>git</a:t>
+            </a:r>
+            <a:r>
+              <a:rPr kumimoji="1" lang="en-US" altLang="ja-JP" dirty="0">
+                <a:solidFill>
+                  <a:schemeClr val="accent2"/>
+                </a:solidFill>
+              </a:rPr>
+              <a:t> </a:t>
+            </a:r>
+            <a:r>
+              <a:rPr kumimoji="1" lang="en-US" altLang="ja-JP" dirty="0">
+                <a:solidFill>
+                  <a:schemeClr val="accent4">
+                    <a:lumMod val="60000"/>
+                    <a:lumOff val="40000"/>
+                  </a:schemeClr>
+                </a:solidFill>
+              </a:rPr>
+              <a:t>stash pop</a:t>
+            </a:r>
+            <a:endParaRPr kumimoji="1" lang="ja-JP" altLang="en-US" dirty="0">
+              <a:solidFill>
+                <a:schemeClr val="accent4">
+                  <a:lumMod val="60000"/>
+                  <a:lumOff val="40000"/>
+                </a:schemeClr>
+              </a:solidFill>
+            </a:endParaRPr>
+          </a:p>
+        </p:txBody>
+      </p:sp>
+    </p:spTree>
+    <p:extLst>
+      <p:ext uri="{BB962C8B-B14F-4D97-AF65-F5344CB8AC3E}">
+        <p14:creationId xmlns:p14="http://schemas.microsoft.com/office/powerpoint/2010/main" val="3839000786"/>
       </p:ext>
     </p:extLst>
   </p:cSld>

--- a/Gitトラブルシューティング.pptx
+++ b/Gitトラブルシューティング.pptx
@@ -11,12 +11,18 @@
     <p:sldId id="259" r:id="rId5"/>
     <p:sldId id="260" r:id="rId6"/>
     <p:sldId id="261" r:id="rId7"/>
-    <p:sldId id="262" r:id="rId8"/>
-    <p:sldId id="263" r:id="rId9"/>
-    <p:sldId id="264" r:id="rId10"/>
-    <p:sldId id="265" r:id="rId11"/>
-    <p:sldId id="266" r:id="rId12"/>
-    <p:sldId id="267" r:id="rId13"/>
+    <p:sldId id="269" r:id="rId8"/>
+    <p:sldId id="262" r:id="rId9"/>
+    <p:sldId id="263" r:id="rId10"/>
+    <p:sldId id="264" r:id="rId11"/>
+    <p:sldId id="265" r:id="rId12"/>
+    <p:sldId id="266" r:id="rId13"/>
+    <p:sldId id="267" r:id="rId14"/>
+    <p:sldId id="268" r:id="rId15"/>
+    <p:sldId id="270" r:id="rId16"/>
+    <p:sldId id="271" r:id="rId17"/>
+    <p:sldId id="273" r:id="rId18"/>
+    <p:sldId id="272" r:id="rId19"/>
   </p:sldIdLst>
   <p:sldSz cx="12192000" cy="6858000"/>
   <p:notesSz cx="6858000" cy="9144000"/>
@@ -6221,7 +6227,7 @@
             </a:r>
             <a:r>
               <a:rPr kumimoji="1" lang="ja-JP" altLang="en-US" sz="2800" dirty="0"/>
-              <a:t>事例１</a:t>
+              <a:t>事例２</a:t>
             </a:r>
             <a:r>
               <a:rPr kumimoji="1" lang="en-US" altLang="ja-JP" sz="2800" dirty="0"/>
@@ -6259,7 +6265,7 @@
         </p:nvSpPr>
         <p:spPr>
           <a:xfrm>
-            <a:off x="677334" y="1501170"/>
+            <a:off x="677334" y="1465998"/>
             <a:ext cx="8596668" cy="3880773"/>
           </a:xfrm>
         </p:spPr>
@@ -6272,9 +6278,15 @@
             </a:pPr>
             <a:r>
               <a:rPr lang="ja-JP" altLang="en-US" dirty="0"/>
-              <a:t>ケース３：作業内容はすでに誤ったブランチへコミット済みである</a:t>
-            </a:r>
-            <a:endParaRPr kumimoji="1" lang="en-US" altLang="ja-JP" dirty="0"/>
+              <a:t>ケース２：作業内容がステージングエリアに存在する</a:t>
+            </a:r>
+            <a:endParaRPr lang="en-US" altLang="ja-JP" dirty="0"/>
+          </a:p>
+          <a:p>
+            <a:pPr marL="0" indent="0">
+              <a:buNone/>
+            </a:pPr>
+            <a:endParaRPr lang="en-US" altLang="ja-JP" dirty="0"/>
           </a:p>
         </p:txBody>
       </p:sp>
@@ -6292,7 +6304,7 @@
         </p:nvSpPr>
         <p:spPr>
           <a:xfrm>
-            <a:off x="764931" y="1859339"/>
+            <a:off x="721132" y="1788280"/>
             <a:ext cx="8509071" cy="3139321"/>
           </a:xfrm>
           <a:prstGeom prst="rect">
@@ -6322,7 +6334,7 @@
                   <a:schemeClr val="accent2"/>
                 </a:solidFill>
               </a:rPr>
-              <a:t>正しいブランチにチェックアウト</a:t>
+              <a:t>ステージングされている変更をリセット</a:t>
             </a:r>
             <a:endParaRPr kumimoji="1" lang="en-US" altLang="ja-JP" dirty="0">
               <a:solidFill>
@@ -6356,26 +6368,7 @@
                   </a:schemeClr>
                 </a:solidFill>
               </a:rPr>
-              <a:t>checkout</a:t>
-            </a:r>
-            <a:r>
-              <a:rPr kumimoji="1" lang="en-US" altLang="ja-JP" dirty="0">
-                <a:solidFill>
-                  <a:schemeClr val="accent2"/>
-                </a:solidFill>
-              </a:rPr>
-              <a:t> </a:t>
-            </a:r>
-            <a:r>
-              <a:rPr kumimoji="1" lang="en-US" altLang="ja-JP" dirty="0">
-                <a:solidFill>
-                  <a:schemeClr val="accent4">
-                    <a:lumMod val="60000"/>
-                    <a:lumOff val="40000"/>
-                  </a:schemeClr>
-                </a:solidFill>
-              </a:rPr>
-              <a:t>main</a:t>
+              <a:t>reset</a:t>
             </a:r>
           </a:p>
           <a:p>
@@ -6400,7 +6393,7 @@
                   <a:schemeClr val="accent2"/>
                 </a:solidFill>
               </a:rPr>
-              <a:t>間違ったブランチのコミットを正しいブランチにチェリーピック</a:t>
+              <a:t>変更内容をスタッシュ</a:t>
             </a:r>
             <a:endParaRPr kumimoji="1" lang="en-US" altLang="ja-JP" dirty="0">
               <a:solidFill>
@@ -6434,7 +6427,7 @@
                   </a:schemeClr>
                 </a:solidFill>
               </a:rPr>
-              <a:t>cherry-pick feature-branch</a:t>
+              <a:t>stash</a:t>
             </a:r>
           </a:p>
           <a:p>
@@ -6451,7 +6444,7 @@
                   <a:schemeClr val="accent2"/>
                 </a:solidFill>
               </a:rPr>
-              <a:t>#</a:t>
+              <a:t># </a:t>
             </a:r>
             <a:r>
               <a:rPr kumimoji="1" lang="ja-JP" altLang="en-US" dirty="0">
@@ -6459,7 +6452,39 @@
                   <a:schemeClr val="accent2"/>
                 </a:solidFill>
               </a:rPr>
-              <a:t> 元のブランチに戻る</a:t>
+              <a:t>正しいブランチ</a:t>
+            </a:r>
+            <a:r>
+              <a:rPr kumimoji="1" lang="en-US" altLang="ja-JP" dirty="0">
+                <a:solidFill>
+                  <a:schemeClr val="accent2"/>
+                </a:solidFill>
+              </a:rPr>
+              <a:t>(</a:t>
+            </a:r>
+            <a:r>
+              <a:rPr kumimoji="1" lang="ja-JP" altLang="en-US" dirty="0">
+                <a:solidFill>
+                  <a:schemeClr val="accent2"/>
+                </a:solidFill>
+              </a:rPr>
+              <a:t>今回は</a:t>
+            </a:r>
+            <a:r>
+              <a:rPr kumimoji="1" lang="en-US" altLang="ja-JP" dirty="0">
+                <a:solidFill>
+                  <a:schemeClr val="accent2"/>
+                </a:solidFill>
+              </a:rPr>
+              <a:t>main)</a:t>
+            </a:r>
+            <a:r>
+              <a:rPr kumimoji="1" lang="ja-JP" altLang="en-US" dirty="0">
+                <a:solidFill>
+                  <a:schemeClr val="accent2"/>
+                </a:solidFill>
+              </a:rPr>
+              <a:t>に切り替え</a:t>
             </a:r>
             <a:endParaRPr kumimoji="1" lang="en-US" altLang="ja-JP" dirty="0">
               <a:solidFill>
@@ -6493,7 +6518,7 @@
                   </a:schemeClr>
                 </a:solidFill>
               </a:rPr>
-              <a:t>checkout feature-branch</a:t>
+              <a:t>checkout main</a:t>
             </a:r>
           </a:p>
           <a:p>
@@ -6518,7 +6543,7 @@
                   <a:schemeClr val="accent2"/>
                 </a:solidFill>
               </a:rPr>
-              <a:t>元のブランチからコミットを削除</a:t>
+              <a:t>スタッシュを適用</a:t>
             </a:r>
             <a:endParaRPr kumimoji="1" lang="en-US" altLang="ja-JP" dirty="0">
               <a:solidFill>
@@ -6552,26 +6577,7 @@
                   </a:schemeClr>
                 </a:solidFill>
               </a:rPr>
-              <a:t>reset </a:t>
-            </a:r>
-            <a:r>
-              <a:rPr kumimoji="1" lang="en-US" altLang="ja-JP" dirty="0">
-                <a:solidFill>
-                  <a:srgbClr val="0070C0"/>
-                </a:solidFill>
-              </a:rPr>
-              <a:t>--hard</a:t>
-            </a:r>
-            <a:r>
-              <a:rPr kumimoji="1" lang="en-US" altLang="ja-JP" dirty="0">
-                <a:solidFill>
-                  <a:schemeClr val="accent4">
-                    <a:lumMod val="60000"/>
-                    <a:lumOff val="40000"/>
-                  </a:schemeClr>
-                </a:solidFill>
-              </a:rPr>
-              <a:t> HEAD~1</a:t>
+              <a:t>stash pop</a:t>
             </a:r>
             <a:endParaRPr kumimoji="1" lang="ja-JP" altLang="en-US" dirty="0">
               <a:solidFill>
@@ -6584,404 +6590,10 @@
           </a:p>
         </p:txBody>
       </p:sp>
-      <p:sp>
-        <p:nvSpPr>
-          <p:cNvPr id="5" name="コンテンツ プレースホルダー 2">
-            <a:extLst>
-              <a:ext uri="{FF2B5EF4-FFF2-40B4-BE49-F238E27FC236}">
-                <a16:creationId xmlns:a16="http://schemas.microsoft.com/office/drawing/2014/main" id="{B36E8417-F415-212D-9F3C-DD3E24017956}"/>
-              </a:ext>
-            </a:extLst>
-          </p:cNvPr>
-          <p:cNvSpPr txBox="1">
-            <a:spLocks/>
-          </p:cNvSpPr>
-          <p:nvPr/>
-        </p:nvSpPr>
-        <p:spPr>
-          <a:xfrm>
-            <a:off x="677334" y="5036143"/>
-            <a:ext cx="8596668" cy="1486045"/>
-          </a:xfrm>
-          <a:prstGeom prst="rect">
-            <a:avLst/>
-          </a:prstGeom>
-        </p:spPr>
-        <p:txBody>
-          <a:bodyPr vert="horz" lIns="91440" tIns="45720" rIns="91440" bIns="45720" rtlCol="0">
-            <a:normAutofit/>
-          </a:bodyPr>
-          <a:lstStyle>
-            <a:lvl1pPr marL="342900" indent="-342900" algn="l" defTabSz="457200" rtl="0" eaLnBrk="1" latinLnBrk="0" hangingPunct="1">
-              <a:spcBef>
-                <a:spcPts val="1000"/>
-              </a:spcBef>
-              <a:spcAft>
-                <a:spcPts val="0"/>
-              </a:spcAft>
-              <a:buClr>
-                <a:schemeClr val="accent1"/>
-              </a:buClr>
-              <a:buSzPct val="80000"/>
-              <a:buFont typeface="Wingdings 3" charset="2"/>
-              <a:buChar char=""/>
-              <a:defRPr kumimoji="1" sz="1800" kern="1200">
-                <a:solidFill>
-                  <a:schemeClr val="tx1">
-                    <a:lumMod val="75000"/>
-                    <a:lumOff val="25000"/>
-                  </a:schemeClr>
-                </a:solidFill>
-                <a:latin typeface="+mn-lt"/>
-                <a:ea typeface="+mn-ea"/>
-                <a:cs typeface="+mn-cs"/>
-              </a:defRPr>
-            </a:lvl1pPr>
-            <a:lvl2pPr marL="742950" indent="-285750" algn="l" defTabSz="457200" rtl="0" eaLnBrk="1" latinLnBrk="0" hangingPunct="1">
-              <a:spcBef>
-                <a:spcPts val="1000"/>
-              </a:spcBef>
-              <a:spcAft>
-                <a:spcPts val="0"/>
-              </a:spcAft>
-              <a:buClr>
-                <a:schemeClr val="accent1"/>
-              </a:buClr>
-              <a:buSzPct val="80000"/>
-              <a:buFont typeface="Wingdings 3" charset="2"/>
-              <a:buChar char=""/>
-              <a:defRPr kumimoji="1" sz="1600" kern="1200">
-                <a:solidFill>
-                  <a:schemeClr val="tx1">
-                    <a:lumMod val="75000"/>
-                    <a:lumOff val="25000"/>
-                  </a:schemeClr>
-                </a:solidFill>
-                <a:latin typeface="+mn-lt"/>
-                <a:ea typeface="+mn-ea"/>
-                <a:cs typeface="+mn-cs"/>
-              </a:defRPr>
-            </a:lvl2pPr>
-            <a:lvl3pPr marL="1143000" indent="-228600" algn="l" defTabSz="457200" rtl="0" eaLnBrk="1" latinLnBrk="0" hangingPunct="1">
-              <a:spcBef>
-                <a:spcPts val="1000"/>
-              </a:spcBef>
-              <a:spcAft>
-                <a:spcPts val="0"/>
-              </a:spcAft>
-              <a:buClr>
-                <a:schemeClr val="accent1"/>
-              </a:buClr>
-              <a:buSzPct val="80000"/>
-              <a:buFont typeface="Wingdings 3" charset="2"/>
-              <a:buChar char=""/>
-              <a:defRPr kumimoji="1" sz="1400" kern="1200">
-                <a:solidFill>
-                  <a:schemeClr val="tx1">
-                    <a:lumMod val="75000"/>
-                    <a:lumOff val="25000"/>
-                  </a:schemeClr>
-                </a:solidFill>
-                <a:latin typeface="+mn-lt"/>
-                <a:ea typeface="+mn-ea"/>
-                <a:cs typeface="+mn-cs"/>
-              </a:defRPr>
-            </a:lvl3pPr>
-            <a:lvl4pPr marL="1600200" indent="-228600" algn="l" defTabSz="457200" rtl="0" eaLnBrk="1" latinLnBrk="0" hangingPunct="1">
-              <a:spcBef>
-                <a:spcPts val="1000"/>
-              </a:spcBef>
-              <a:spcAft>
-                <a:spcPts val="0"/>
-              </a:spcAft>
-              <a:buClr>
-                <a:schemeClr val="accent1"/>
-              </a:buClr>
-              <a:buSzPct val="80000"/>
-              <a:buFont typeface="Wingdings 3" charset="2"/>
-              <a:buChar char=""/>
-              <a:defRPr kumimoji="1" sz="1200" kern="1200">
-                <a:solidFill>
-                  <a:schemeClr val="tx1">
-                    <a:lumMod val="75000"/>
-                    <a:lumOff val="25000"/>
-                  </a:schemeClr>
-                </a:solidFill>
-                <a:latin typeface="+mn-lt"/>
-                <a:ea typeface="+mn-ea"/>
-                <a:cs typeface="+mn-cs"/>
-              </a:defRPr>
-            </a:lvl4pPr>
-            <a:lvl5pPr marL="2057400" indent="-228600" algn="l" defTabSz="457200" rtl="0" eaLnBrk="1" latinLnBrk="0" hangingPunct="1">
-              <a:spcBef>
-                <a:spcPts val="1000"/>
-              </a:spcBef>
-              <a:spcAft>
-                <a:spcPts val="0"/>
-              </a:spcAft>
-              <a:buClr>
-                <a:schemeClr val="accent1"/>
-              </a:buClr>
-              <a:buSzPct val="80000"/>
-              <a:buFont typeface="Wingdings 3" charset="2"/>
-              <a:buChar char=""/>
-              <a:defRPr kumimoji="1" sz="1200" kern="1200">
-                <a:solidFill>
-                  <a:schemeClr val="tx1">
-                    <a:lumMod val="75000"/>
-                    <a:lumOff val="25000"/>
-                  </a:schemeClr>
-                </a:solidFill>
-                <a:latin typeface="+mn-lt"/>
-                <a:ea typeface="+mn-ea"/>
-                <a:cs typeface="+mn-cs"/>
-              </a:defRPr>
-            </a:lvl5pPr>
-            <a:lvl6pPr marL="2514600" indent="-228600" algn="l" defTabSz="457200" rtl="0" eaLnBrk="1" latinLnBrk="0" hangingPunct="1">
-              <a:spcBef>
-                <a:spcPts val="1000"/>
-              </a:spcBef>
-              <a:spcAft>
-                <a:spcPts val="0"/>
-              </a:spcAft>
-              <a:buClr>
-                <a:schemeClr val="accent1"/>
-              </a:buClr>
-              <a:buSzPct val="80000"/>
-              <a:buFont typeface="Wingdings 3" charset="2"/>
-              <a:buChar char=""/>
-              <a:defRPr kumimoji="1" sz="1200" kern="1200">
-                <a:solidFill>
-                  <a:schemeClr val="tx1">
-                    <a:lumMod val="75000"/>
-                    <a:lumOff val="25000"/>
-                  </a:schemeClr>
-                </a:solidFill>
-                <a:latin typeface="+mn-lt"/>
-                <a:ea typeface="+mn-ea"/>
-                <a:cs typeface="+mn-cs"/>
-              </a:defRPr>
-            </a:lvl6pPr>
-            <a:lvl7pPr marL="2971800" indent="-228600" algn="l" defTabSz="457200" rtl="0" eaLnBrk="1" latinLnBrk="0" hangingPunct="1">
-              <a:spcBef>
-                <a:spcPts val="1000"/>
-              </a:spcBef>
-              <a:spcAft>
-                <a:spcPts val="0"/>
-              </a:spcAft>
-              <a:buClr>
-                <a:schemeClr val="accent1"/>
-              </a:buClr>
-              <a:buSzPct val="80000"/>
-              <a:buFont typeface="Wingdings 3" charset="2"/>
-              <a:buChar char=""/>
-              <a:defRPr kumimoji="1" sz="1200" kern="1200">
-                <a:solidFill>
-                  <a:schemeClr val="tx1">
-                    <a:lumMod val="75000"/>
-                    <a:lumOff val="25000"/>
-                  </a:schemeClr>
-                </a:solidFill>
-                <a:latin typeface="+mn-lt"/>
-                <a:ea typeface="+mn-ea"/>
-                <a:cs typeface="+mn-cs"/>
-              </a:defRPr>
-            </a:lvl7pPr>
-            <a:lvl8pPr marL="3429000" indent="-228600" algn="l" defTabSz="457200" rtl="0" eaLnBrk="1" latinLnBrk="0" hangingPunct="1">
-              <a:spcBef>
-                <a:spcPts val="1000"/>
-              </a:spcBef>
-              <a:spcAft>
-                <a:spcPts val="0"/>
-              </a:spcAft>
-              <a:buClr>
-                <a:schemeClr val="accent1"/>
-              </a:buClr>
-              <a:buSzPct val="80000"/>
-              <a:buFont typeface="Wingdings 3" charset="2"/>
-              <a:buChar char=""/>
-              <a:defRPr kumimoji="1" sz="1200" kern="1200">
-                <a:solidFill>
-                  <a:schemeClr val="tx1">
-                    <a:lumMod val="75000"/>
-                    <a:lumOff val="25000"/>
-                  </a:schemeClr>
-                </a:solidFill>
-                <a:latin typeface="+mn-lt"/>
-                <a:ea typeface="+mn-ea"/>
-                <a:cs typeface="+mn-cs"/>
-              </a:defRPr>
-            </a:lvl8pPr>
-            <a:lvl9pPr marL="3886200" indent="-228600" algn="l" defTabSz="457200" rtl="0" eaLnBrk="1" latinLnBrk="0" hangingPunct="1">
-              <a:spcBef>
-                <a:spcPts val="1000"/>
-              </a:spcBef>
-              <a:spcAft>
-                <a:spcPts val="0"/>
-              </a:spcAft>
-              <a:buClr>
-                <a:schemeClr val="accent1"/>
-              </a:buClr>
-              <a:buSzPct val="80000"/>
-              <a:buFont typeface="Wingdings 3" charset="2"/>
-              <a:buChar char=""/>
-              <a:defRPr kumimoji="1" sz="1200" kern="1200">
-                <a:solidFill>
-                  <a:schemeClr val="tx1">
-                    <a:lumMod val="75000"/>
-                    <a:lumOff val="25000"/>
-                  </a:schemeClr>
-                </a:solidFill>
-                <a:latin typeface="+mn-lt"/>
-                <a:ea typeface="+mn-ea"/>
-                <a:cs typeface="+mn-cs"/>
-              </a:defRPr>
-            </a:lvl9pPr>
-          </a:lstStyle>
-          <a:p>
-            <a:pPr marL="0" indent="0">
-              <a:buFont typeface="Wingdings 3" charset="2"/>
-              <a:buNone/>
-            </a:pPr>
-            <a:r>
-              <a:rPr lang="ja-JP" altLang="en-US" dirty="0"/>
-              <a:t>チェリーピックでコンフリクトが発生した場合は、手動でコンフリクトを解消し、</a:t>
-            </a:r>
-            <a:endParaRPr lang="en-US" altLang="ja-JP" dirty="0"/>
-          </a:p>
-          <a:p>
-            <a:pPr marL="0" indent="0">
-              <a:buFont typeface="Wingdings 3" charset="2"/>
-              <a:buNone/>
-            </a:pPr>
-            <a:r>
-              <a:rPr lang="ja-JP" altLang="en-US" dirty="0"/>
-              <a:t>変更をステージングしてチェリーピックを続行する</a:t>
-            </a:r>
-            <a:endParaRPr lang="en-US" altLang="ja-JP" dirty="0"/>
-          </a:p>
-        </p:txBody>
-      </p:sp>
-      <p:sp>
-        <p:nvSpPr>
-          <p:cNvPr id="6" name="テキスト ボックス 5">
-            <a:extLst>
-              <a:ext uri="{FF2B5EF4-FFF2-40B4-BE49-F238E27FC236}">
-                <a16:creationId xmlns:a16="http://schemas.microsoft.com/office/drawing/2014/main" id="{6320EBD8-913C-0594-2B39-91F7137489AB}"/>
-              </a:ext>
-            </a:extLst>
-          </p:cNvPr>
-          <p:cNvSpPr txBox="1"/>
-          <p:nvPr/>
-        </p:nvSpPr>
-        <p:spPr>
-          <a:xfrm>
-            <a:off x="764931" y="5779165"/>
-            <a:ext cx="8509071" cy="646331"/>
-          </a:xfrm>
-          <a:prstGeom prst="rect">
-            <a:avLst/>
-          </a:prstGeom>
-          <a:solidFill>
-            <a:schemeClr val="tx1"/>
-          </a:solidFill>
-        </p:spPr>
-        <p:txBody>
-          <a:bodyPr wrap="square" rtlCol="0">
-            <a:spAutoFit/>
-          </a:bodyPr>
-          <a:lstStyle/>
-          <a:p>
-            <a:r>
-              <a:rPr kumimoji="1" lang="en-US" altLang="ja-JP" dirty="0">
-                <a:solidFill>
-                  <a:srgbClr val="FFFF00"/>
-                </a:solidFill>
-              </a:rPr>
-              <a:t>git</a:t>
-            </a:r>
-            <a:r>
-              <a:rPr kumimoji="1" lang="en-US" altLang="ja-JP" dirty="0">
-                <a:solidFill>
-                  <a:schemeClr val="accent2"/>
-                </a:solidFill>
-              </a:rPr>
-              <a:t> </a:t>
-            </a:r>
-            <a:r>
-              <a:rPr kumimoji="1" lang="en-US" altLang="ja-JP" dirty="0">
-                <a:solidFill>
-                  <a:schemeClr val="accent4">
-                    <a:lumMod val="60000"/>
-                    <a:lumOff val="40000"/>
-                  </a:schemeClr>
-                </a:solidFill>
-              </a:rPr>
-              <a:t>add </a:t>
-            </a:r>
-            <a:r>
-              <a:rPr kumimoji="1" lang="ja-JP" altLang="en-US" dirty="0">
-                <a:solidFill>
-                  <a:schemeClr val="accent4">
-                    <a:lumMod val="60000"/>
-                    <a:lumOff val="40000"/>
-                  </a:schemeClr>
-                </a:solidFill>
-              </a:rPr>
-              <a:t>解消したファイル</a:t>
-            </a:r>
-            <a:endParaRPr kumimoji="1" lang="en-US" altLang="ja-JP" dirty="0">
-              <a:solidFill>
-                <a:schemeClr val="accent4">
-                  <a:lumMod val="60000"/>
-                  <a:lumOff val="40000"/>
-                </a:schemeClr>
-              </a:solidFill>
-            </a:endParaRPr>
-          </a:p>
-          <a:p>
-            <a:r>
-              <a:rPr kumimoji="1" lang="en-US" altLang="ja-JP" dirty="0">
-                <a:solidFill>
-                  <a:srgbClr val="FFFF00"/>
-                </a:solidFill>
-              </a:rPr>
-              <a:t>git</a:t>
-            </a:r>
-            <a:r>
-              <a:rPr kumimoji="1" lang="en-US" altLang="ja-JP" dirty="0">
-                <a:solidFill>
-                  <a:schemeClr val="accent2"/>
-                </a:solidFill>
-              </a:rPr>
-              <a:t> </a:t>
-            </a:r>
-            <a:r>
-              <a:rPr kumimoji="1" lang="en-US" altLang="ja-JP" dirty="0">
-                <a:solidFill>
-                  <a:schemeClr val="accent4">
-                    <a:lumMod val="60000"/>
-                    <a:lumOff val="40000"/>
-                  </a:schemeClr>
-                </a:solidFill>
-              </a:rPr>
-              <a:t>cherry-pick </a:t>
-            </a:r>
-            <a:r>
-              <a:rPr kumimoji="1" lang="en-US" altLang="ja-JP" dirty="0">
-                <a:solidFill>
-                  <a:srgbClr val="0070C0"/>
-                </a:solidFill>
-              </a:rPr>
-              <a:t>--continue</a:t>
-            </a:r>
-          </a:p>
-        </p:txBody>
-      </p:sp>
     </p:spTree>
     <p:extLst>
       <p:ext uri="{BB962C8B-B14F-4D97-AF65-F5344CB8AC3E}">
-        <p14:creationId xmlns:p14="http://schemas.microsoft.com/office/powerpoint/2010/main" val="4217583142"/>
+        <p14:creationId xmlns:p14="http://schemas.microsoft.com/office/powerpoint/2010/main" val="3839000786"/>
       </p:ext>
     </p:extLst>
   </p:cSld>
@@ -7013,7 +6625,7 @@
           <p:cNvPr id="2" name="タイトル 1">
             <a:extLst>
               <a:ext uri="{FF2B5EF4-FFF2-40B4-BE49-F238E27FC236}">
-                <a16:creationId xmlns:a16="http://schemas.microsoft.com/office/drawing/2014/main" id="{E3771F56-6A7A-2543-4B44-5F0839E817A0}"/>
+                <a16:creationId xmlns:a16="http://schemas.microsoft.com/office/drawing/2014/main" id="{57B53B95-6BA5-6C71-B011-3B3359634A48}"/>
               </a:ext>
             </a:extLst>
           </p:cNvPr>
@@ -7036,18 +6648,24 @@
               <a:t>【</a:t>
             </a:r>
             <a:r>
-              <a:rPr lang="ja-JP" altLang="en-US" sz="2800" dirty="0"/>
+              <a:rPr kumimoji="1" lang="ja-JP" altLang="en-US" sz="2800" dirty="0"/>
               <a:t>事例２</a:t>
             </a:r>
             <a:r>
-              <a:rPr lang="en-US" altLang="ja-JP" sz="2800" dirty="0"/>
+              <a:rPr kumimoji="1" lang="en-US" altLang="ja-JP" sz="2800" dirty="0"/>
               <a:t>】</a:t>
             </a:r>
             <a:r>
-              <a:rPr lang="ja-JP" altLang="en-US" sz="2800" dirty="0"/>
-              <a:t>誤ってリモート側のブランチを削除してしまった</a:t>
-            </a:r>
-            <a:endParaRPr kumimoji="1" lang="ja-JP" altLang="en-US" sz="2800" dirty="0"/>
+              <a:rPr kumimoji="1" lang="ja-JP" altLang="en-US" sz="2800" dirty="0"/>
+              <a:t>本来のブランチとは異なるブランチで</a:t>
+            </a:r>
+            <a:br>
+              <a:rPr kumimoji="1" lang="en-US" altLang="ja-JP" sz="2800" dirty="0"/>
+            </a:br>
+            <a:r>
+              <a:rPr kumimoji="1" lang="ja-JP" altLang="en-US" sz="2800" dirty="0"/>
+              <a:t>作業を進めてしまった</a:t>
+            </a:r>
           </a:p>
         </p:txBody>
       </p:sp>
@@ -7056,7 +6674,7 @@
           <p:cNvPr id="3" name="コンテンツ プレースホルダー 2">
             <a:extLst>
               <a:ext uri="{FF2B5EF4-FFF2-40B4-BE49-F238E27FC236}">
-                <a16:creationId xmlns:a16="http://schemas.microsoft.com/office/drawing/2014/main" id="{F5C64B03-E876-AA75-0901-7A4ABDD6AD61}"/>
+                <a16:creationId xmlns:a16="http://schemas.microsoft.com/office/drawing/2014/main" id="{07637FAC-F868-3646-B9E5-3DC9A1957A57}"/>
               </a:ext>
             </a:extLst>
           </p:cNvPr>
@@ -7067,7 +6685,12 @@
             <p:ph idx="1"/>
           </p:nvPr>
         </p:nvSpPr>
-        <p:spPr/>
+        <p:spPr>
+          <a:xfrm>
+            <a:off x="677334" y="1501170"/>
+            <a:ext cx="8596668" cy="3880773"/>
+          </a:xfrm>
+        </p:spPr>
         <p:txBody>
           <a:bodyPr/>
           <a:lstStyle/>
@@ -7076,44 +6699,709 @@
               <a:buNone/>
             </a:pPr>
             <a:r>
-              <a:rPr kumimoji="1" lang="ja-JP" altLang="en-US" dirty="0"/>
-              <a:t>リモート側のブランチを削除してしまった際の状況によって以下の２通りに</a:t>
+              <a:rPr lang="ja-JP" altLang="en-US" dirty="0"/>
+              <a:t>ケース３：作業内容はすでに誤ったブランチへコミット済みである</a:t>
             </a:r>
             <a:endParaRPr kumimoji="1" lang="en-US" altLang="ja-JP" dirty="0"/>
           </a:p>
+        </p:txBody>
+      </p:sp>
+      <p:sp>
+        <p:nvSpPr>
+          <p:cNvPr id="4" name="テキスト ボックス 3">
+            <a:extLst>
+              <a:ext uri="{FF2B5EF4-FFF2-40B4-BE49-F238E27FC236}">
+                <a16:creationId xmlns:a16="http://schemas.microsoft.com/office/drawing/2014/main" id="{5D79C3C9-6333-75A7-01F8-E810F74DC676}"/>
+              </a:ext>
+            </a:extLst>
+          </p:cNvPr>
+          <p:cNvSpPr txBox="1"/>
+          <p:nvPr/>
+        </p:nvSpPr>
+        <p:spPr>
+          <a:xfrm>
+            <a:off x="764931" y="1859339"/>
+            <a:ext cx="8509071" cy="3139321"/>
+          </a:xfrm>
+          <a:prstGeom prst="rect">
+            <a:avLst/>
+          </a:prstGeom>
+          <a:solidFill>
+            <a:schemeClr val="tx1"/>
+          </a:solidFill>
+        </p:spPr>
+        <p:txBody>
+          <a:bodyPr wrap="square" rtlCol="0">
+            <a:spAutoFit/>
+          </a:bodyPr>
+          <a:lstStyle/>
+          <a:p>
+            <a:r>
+              <a:rPr kumimoji="1" lang="en-US" altLang="ja-JP" dirty="0">
+                <a:solidFill>
+                  <a:schemeClr val="accent2"/>
+                </a:solidFill>
+              </a:rPr>
+              <a:t># </a:t>
+            </a:r>
+            <a:r>
+              <a:rPr kumimoji="1" lang="ja-JP" altLang="en-US" dirty="0">
+                <a:solidFill>
+                  <a:schemeClr val="accent2"/>
+                </a:solidFill>
+              </a:rPr>
+              <a:t>正しいブランチにチェックアウト</a:t>
+            </a:r>
+            <a:endParaRPr kumimoji="1" lang="en-US" altLang="ja-JP" dirty="0">
+              <a:solidFill>
+                <a:schemeClr val="accent2"/>
+              </a:solidFill>
+            </a:endParaRPr>
+          </a:p>
+          <a:p>
+            <a:r>
+              <a:rPr kumimoji="1" lang="en-US" altLang="ja-JP" dirty="0">
+                <a:solidFill>
+                  <a:srgbClr val="FFFF00"/>
+                </a:solidFill>
+              </a:rPr>
+              <a:t>git</a:t>
+            </a:r>
+            <a:r>
+              <a:rPr kumimoji="1" lang="en-US" altLang="ja-JP" dirty="0">
+                <a:solidFill>
+                  <a:schemeClr val="accent2"/>
+                </a:solidFill>
+              </a:rPr>
+              <a:t> </a:t>
+            </a:r>
+            <a:r>
+              <a:rPr kumimoji="1" lang="en-US" altLang="ja-JP" dirty="0">
+                <a:solidFill>
+                  <a:schemeClr val="accent4">
+                    <a:lumMod val="60000"/>
+                    <a:lumOff val="40000"/>
+                  </a:schemeClr>
+                </a:solidFill>
+              </a:rPr>
+              <a:t>checkout</a:t>
+            </a:r>
+            <a:r>
+              <a:rPr kumimoji="1" lang="en-US" altLang="ja-JP" dirty="0">
+                <a:solidFill>
+                  <a:schemeClr val="accent2"/>
+                </a:solidFill>
+              </a:rPr>
+              <a:t> </a:t>
+            </a:r>
+            <a:r>
+              <a:rPr kumimoji="1" lang="en-US" altLang="ja-JP" dirty="0">
+                <a:solidFill>
+                  <a:schemeClr val="accent4">
+                    <a:lumMod val="60000"/>
+                    <a:lumOff val="40000"/>
+                  </a:schemeClr>
+                </a:solidFill>
+              </a:rPr>
+              <a:t>main</a:t>
+            </a:r>
+          </a:p>
+          <a:p>
+            <a:endParaRPr kumimoji="1" lang="en-US" altLang="ja-JP" dirty="0">
+              <a:solidFill>
+                <a:schemeClr val="accent2"/>
+              </a:solidFill>
+            </a:endParaRPr>
+          </a:p>
+          <a:p>
+            <a:r>
+              <a:rPr kumimoji="1" lang="en-US" altLang="ja-JP" dirty="0">
+                <a:solidFill>
+                  <a:schemeClr val="accent2"/>
+                </a:solidFill>
+              </a:rPr>
+              <a:t># </a:t>
+            </a:r>
+            <a:r>
+              <a:rPr kumimoji="1" lang="ja-JP" altLang="en-US" dirty="0">
+                <a:solidFill>
+                  <a:schemeClr val="accent2"/>
+                </a:solidFill>
+              </a:rPr>
+              <a:t>間違ったブランチのコミットを正しいブランチにチェリーピック</a:t>
+            </a:r>
+            <a:endParaRPr kumimoji="1" lang="en-US" altLang="ja-JP" dirty="0">
+              <a:solidFill>
+                <a:schemeClr val="accent2"/>
+              </a:solidFill>
+            </a:endParaRPr>
+          </a:p>
+          <a:p>
+            <a:r>
+              <a:rPr kumimoji="1" lang="en-US" altLang="ja-JP" dirty="0">
+                <a:solidFill>
+                  <a:srgbClr val="FFFF00"/>
+                </a:solidFill>
+              </a:rPr>
+              <a:t>git</a:t>
+            </a:r>
+            <a:r>
+              <a:rPr kumimoji="1" lang="en-US" altLang="ja-JP" dirty="0">
+                <a:solidFill>
+                  <a:schemeClr val="accent2"/>
+                </a:solidFill>
+              </a:rPr>
+              <a:t> </a:t>
+            </a:r>
+            <a:r>
+              <a:rPr kumimoji="1" lang="en-US" altLang="ja-JP" dirty="0">
+                <a:solidFill>
+                  <a:schemeClr val="accent4">
+                    <a:lumMod val="60000"/>
+                    <a:lumOff val="40000"/>
+                  </a:schemeClr>
+                </a:solidFill>
+              </a:rPr>
+              <a:t>cherry-pick feature-branch</a:t>
+            </a:r>
+          </a:p>
+          <a:p>
+            <a:endParaRPr kumimoji="1" lang="en-US" altLang="ja-JP" dirty="0">
+              <a:solidFill>
+                <a:schemeClr val="accent2"/>
+              </a:solidFill>
+            </a:endParaRPr>
+          </a:p>
+          <a:p>
+            <a:r>
+              <a:rPr kumimoji="1" lang="en-US" altLang="ja-JP" dirty="0">
+                <a:solidFill>
+                  <a:schemeClr val="accent2"/>
+                </a:solidFill>
+              </a:rPr>
+              <a:t>#</a:t>
+            </a:r>
+            <a:r>
+              <a:rPr kumimoji="1" lang="ja-JP" altLang="en-US" dirty="0">
+                <a:solidFill>
+                  <a:schemeClr val="accent2"/>
+                </a:solidFill>
+              </a:rPr>
+              <a:t> 元のブランチに戻る</a:t>
+            </a:r>
+            <a:endParaRPr kumimoji="1" lang="en-US" altLang="ja-JP" dirty="0">
+              <a:solidFill>
+                <a:schemeClr val="accent2"/>
+              </a:solidFill>
+            </a:endParaRPr>
+          </a:p>
+          <a:p>
+            <a:r>
+              <a:rPr kumimoji="1" lang="en-US" altLang="ja-JP" dirty="0">
+                <a:solidFill>
+                  <a:srgbClr val="FFFF00"/>
+                </a:solidFill>
+              </a:rPr>
+              <a:t>git</a:t>
+            </a:r>
+            <a:r>
+              <a:rPr kumimoji="1" lang="en-US" altLang="ja-JP" dirty="0">
+                <a:solidFill>
+                  <a:schemeClr val="accent2"/>
+                </a:solidFill>
+              </a:rPr>
+              <a:t> </a:t>
+            </a:r>
+            <a:r>
+              <a:rPr kumimoji="1" lang="en-US" altLang="ja-JP" dirty="0">
+                <a:solidFill>
+                  <a:schemeClr val="accent4">
+                    <a:lumMod val="60000"/>
+                    <a:lumOff val="40000"/>
+                  </a:schemeClr>
+                </a:solidFill>
+              </a:rPr>
+              <a:t>checkout feature-branch</a:t>
+            </a:r>
+          </a:p>
+          <a:p>
+            <a:endParaRPr kumimoji="1" lang="en-US" altLang="ja-JP" dirty="0">
+              <a:solidFill>
+                <a:schemeClr val="accent2"/>
+              </a:solidFill>
+            </a:endParaRPr>
+          </a:p>
+          <a:p>
+            <a:r>
+              <a:rPr kumimoji="1" lang="en-US" altLang="ja-JP" dirty="0">
+                <a:solidFill>
+                  <a:schemeClr val="accent2"/>
+                </a:solidFill>
+              </a:rPr>
+              <a:t># </a:t>
+            </a:r>
+            <a:r>
+              <a:rPr kumimoji="1" lang="ja-JP" altLang="en-US" dirty="0">
+                <a:solidFill>
+                  <a:schemeClr val="accent2"/>
+                </a:solidFill>
+              </a:rPr>
+              <a:t>元のブランチからコミットを削除</a:t>
+            </a:r>
+            <a:endParaRPr kumimoji="1" lang="en-US" altLang="ja-JP" dirty="0">
+              <a:solidFill>
+                <a:schemeClr val="accent2"/>
+              </a:solidFill>
+            </a:endParaRPr>
+          </a:p>
+          <a:p>
+            <a:r>
+              <a:rPr kumimoji="1" lang="en-US" altLang="ja-JP" dirty="0">
+                <a:solidFill>
+                  <a:srgbClr val="FFFF00"/>
+                </a:solidFill>
+              </a:rPr>
+              <a:t>git</a:t>
+            </a:r>
+            <a:r>
+              <a:rPr kumimoji="1" lang="en-US" altLang="ja-JP" dirty="0">
+                <a:solidFill>
+                  <a:schemeClr val="accent2"/>
+                </a:solidFill>
+              </a:rPr>
+              <a:t> </a:t>
+            </a:r>
+            <a:r>
+              <a:rPr kumimoji="1" lang="en-US" altLang="ja-JP" dirty="0">
+                <a:solidFill>
+                  <a:schemeClr val="accent4">
+                    <a:lumMod val="60000"/>
+                    <a:lumOff val="40000"/>
+                  </a:schemeClr>
+                </a:solidFill>
+              </a:rPr>
+              <a:t>reset </a:t>
+            </a:r>
+            <a:r>
+              <a:rPr kumimoji="1" lang="en-US" altLang="ja-JP" dirty="0">
+                <a:solidFill>
+                  <a:srgbClr val="0070C0"/>
+                </a:solidFill>
+              </a:rPr>
+              <a:t>--hard</a:t>
+            </a:r>
+            <a:r>
+              <a:rPr kumimoji="1" lang="en-US" altLang="ja-JP" dirty="0">
+                <a:solidFill>
+                  <a:schemeClr val="accent4">
+                    <a:lumMod val="60000"/>
+                    <a:lumOff val="40000"/>
+                  </a:schemeClr>
+                </a:solidFill>
+              </a:rPr>
+              <a:t> HEAD~1</a:t>
+            </a:r>
+            <a:endParaRPr kumimoji="1" lang="ja-JP" altLang="en-US" dirty="0">
+              <a:solidFill>
+                <a:schemeClr val="accent4">
+                  <a:lumMod val="60000"/>
+                  <a:lumOff val="40000"/>
+                </a:schemeClr>
+              </a:solidFill>
+            </a:endParaRPr>
+          </a:p>
+        </p:txBody>
+      </p:sp>
+      <p:sp>
+        <p:nvSpPr>
+          <p:cNvPr id="5" name="コンテンツ プレースホルダー 2">
+            <a:extLst>
+              <a:ext uri="{FF2B5EF4-FFF2-40B4-BE49-F238E27FC236}">
+                <a16:creationId xmlns:a16="http://schemas.microsoft.com/office/drawing/2014/main" id="{B36E8417-F415-212D-9F3C-DD3E24017956}"/>
+              </a:ext>
+            </a:extLst>
+          </p:cNvPr>
+          <p:cNvSpPr txBox="1">
+            <a:spLocks/>
+          </p:cNvSpPr>
+          <p:nvPr/>
+        </p:nvSpPr>
+        <p:spPr>
+          <a:xfrm>
+            <a:off x="677334" y="5036143"/>
+            <a:ext cx="8596668" cy="1486045"/>
+          </a:xfrm>
+          <a:prstGeom prst="rect">
+            <a:avLst/>
+          </a:prstGeom>
+        </p:spPr>
+        <p:txBody>
+          <a:bodyPr vert="horz" lIns="91440" tIns="45720" rIns="91440" bIns="45720" rtlCol="0">
+            <a:normAutofit/>
+          </a:bodyPr>
+          <a:lstStyle>
+            <a:lvl1pPr marL="342900" indent="-342900" algn="l" defTabSz="457200" rtl="0" eaLnBrk="1" latinLnBrk="0" hangingPunct="1">
+              <a:spcBef>
+                <a:spcPts val="1000"/>
+              </a:spcBef>
+              <a:spcAft>
+                <a:spcPts val="0"/>
+              </a:spcAft>
+              <a:buClr>
+                <a:schemeClr val="accent1"/>
+              </a:buClr>
+              <a:buSzPct val="80000"/>
+              <a:buFont typeface="Wingdings 3" charset="2"/>
+              <a:buChar char=""/>
+              <a:defRPr kumimoji="1" sz="1800" kern="1200">
+                <a:solidFill>
+                  <a:schemeClr val="tx1">
+                    <a:lumMod val="75000"/>
+                    <a:lumOff val="25000"/>
+                  </a:schemeClr>
+                </a:solidFill>
+                <a:latin typeface="+mn-lt"/>
+                <a:ea typeface="+mn-ea"/>
+                <a:cs typeface="+mn-cs"/>
+              </a:defRPr>
+            </a:lvl1pPr>
+            <a:lvl2pPr marL="742950" indent="-285750" algn="l" defTabSz="457200" rtl="0" eaLnBrk="1" latinLnBrk="0" hangingPunct="1">
+              <a:spcBef>
+                <a:spcPts val="1000"/>
+              </a:spcBef>
+              <a:spcAft>
+                <a:spcPts val="0"/>
+              </a:spcAft>
+              <a:buClr>
+                <a:schemeClr val="accent1"/>
+              </a:buClr>
+              <a:buSzPct val="80000"/>
+              <a:buFont typeface="Wingdings 3" charset="2"/>
+              <a:buChar char=""/>
+              <a:defRPr kumimoji="1" sz="1600" kern="1200">
+                <a:solidFill>
+                  <a:schemeClr val="tx1">
+                    <a:lumMod val="75000"/>
+                    <a:lumOff val="25000"/>
+                  </a:schemeClr>
+                </a:solidFill>
+                <a:latin typeface="+mn-lt"/>
+                <a:ea typeface="+mn-ea"/>
+                <a:cs typeface="+mn-cs"/>
+              </a:defRPr>
+            </a:lvl2pPr>
+            <a:lvl3pPr marL="1143000" indent="-228600" algn="l" defTabSz="457200" rtl="0" eaLnBrk="1" latinLnBrk="0" hangingPunct="1">
+              <a:spcBef>
+                <a:spcPts val="1000"/>
+              </a:spcBef>
+              <a:spcAft>
+                <a:spcPts val="0"/>
+              </a:spcAft>
+              <a:buClr>
+                <a:schemeClr val="accent1"/>
+              </a:buClr>
+              <a:buSzPct val="80000"/>
+              <a:buFont typeface="Wingdings 3" charset="2"/>
+              <a:buChar char=""/>
+              <a:defRPr kumimoji="1" sz="1400" kern="1200">
+                <a:solidFill>
+                  <a:schemeClr val="tx1">
+                    <a:lumMod val="75000"/>
+                    <a:lumOff val="25000"/>
+                  </a:schemeClr>
+                </a:solidFill>
+                <a:latin typeface="+mn-lt"/>
+                <a:ea typeface="+mn-ea"/>
+                <a:cs typeface="+mn-cs"/>
+              </a:defRPr>
+            </a:lvl3pPr>
+            <a:lvl4pPr marL="1600200" indent="-228600" algn="l" defTabSz="457200" rtl="0" eaLnBrk="1" latinLnBrk="0" hangingPunct="1">
+              <a:spcBef>
+                <a:spcPts val="1000"/>
+              </a:spcBef>
+              <a:spcAft>
+                <a:spcPts val="0"/>
+              </a:spcAft>
+              <a:buClr>
+                <a:schemeClr val="accent1"/>
+              </a:buClr>
+              <a:buSzPct val="80000"/>
+              <a:buFont typeface="Wingdings 3" charset="2"/>
+              <a:buChar char=""/>
+              <a:defRPr kumimoji="1" sz="1200" kern="1200">
+                <a:solidFill>
+                  <a:schemeClr val="tx1">
+                    <a:lumMod val="75000"/>
+                    <a:lumOff val="25000"/>
+                  </a:schemeClr>
+                </a:solidFill>
+                <a:latin typeface="+mn-lt"/>
+                <a:ea typeface="+mn-ea"/>
+                <a:cs typeface="+mn-cs"/>
+              </a:defRPr>
+            </a:lvl4pPr>
+            <a:lvl5pPr marL="2057400" indent="-228600" algn="l" defTabSz="457200" rtl="0" eaLnBrk="1" latinLnBrk="0" hangingPunct="1">
+              <a:spcBef>
+                <a:spcPts val="1000"/>
+              </a:spcBef>
+              <a:spcAft>
+                <a:spcPts val="0"/>
+              </a:spcAft>
+              <a:buClr>
+                <a:schemeClr val="accent1"/>
+              </a:buClr>
+              <a:buSzPct val="80000"/>
+              <a:buFont typeface="Wingdings 3" charset="2"/>
+              <a:buChar char=""/>
+              <a:defRPr kumimoji="1" sz="1200" kern="1200">
+                <a:solidFill>
+                  <a:schemeClr val="tx1">
+                    <a:lumMod val="75000"/>
+                    <a:lumOff val="25000"/>
+                  </a:schemeClr>
+                </a:solidFill>
+                <a:latin typeface="+mn-lt"/>
+                <a:ea typeface="+mn-ea"/>
+                <a:cs typeface="+mn-cs"/>
+              </a:defRPr>
+            </a:lvl5pPr>
+            <a:lvl6pPr marL="2514600" indent="-228600" algn="l" defTabSz="457200" rtl="0" eaLnBrk="1" latinLnBrk="0" hangingPunct="1">
+              <a:spcBef>
+                <a:spcPts val="1000"/>
+              </a:spcBef>
+              <a:spcAft>
+                <a:spcPts val="0"/>
+              </a:spcAft>
+              <a:buClr>
+                <a:schemeClr val="accent1"/>
+              </a:buClr>
+              <a:buSzPct val="80000"/>
+              <a:buFont typeface="Wingdings 3" charset="2"/>
+              <a:buChar char=""/>
+              <a:defRPr kumimoji="1" sz="1200" kern="1200">
+                <a:solidFill>
+                  <a:schemeClr val="tx1">
+                    <a:lumMod val="75000"/>
+                    <a:lumOff val="25000"/>
+                  </a:schemeClr>
+                </a:solidFill>
+                <a:latin typeface="+mn-lt"/>
+                <a:ea typeface="+mn-ea"/>
+                <a:cs typeface="+mn-cs"/>
+              </a:defRPr>
+            </a:lvl6pPr>
+            <a:lvl7pPr marL="2971800" indent="-228600" algn="l" defTabSz="457200" rtl="0" eaLnBrk="1" latinLnBrk="0" hangingPunct="1">
+              <a:spcBef>
+                <a:spcPts val="1000"/>
+              </a:spcBef>
+              <a:spcAft>
+                <a:spcPts val="0"/>
+              </a:spcAft>
+              <a:buClr>
+                <a:schemeClr val="accent1"/>
+              </a:buClr>
+              <a:buSzPct val="80000"/>
+              <a:buFont typeface="Wingdings 3" charset="2"/>
+              <a:buChar char=""/>
+              <a:defRPr kumimoji="1" sz="1200" kern="1200">
+                <a:solidFill>
+                  <a:schemeClr val="tx1">
+                    <a:lumMod val="75000"/>
+                    <a:lumOff val="25000"/>
+                  </a:schemeClr>
+                </a:solidFill>
+                <a:latin typeface="+mn-lt"/>
+                <a:ea typeface="+mn-ea"/>
+                <a:cs typeface="+mn-cs"/>
+              </a:defRPr>
+            </a:lvl7pPr>
+            <a:lvl8pPr marL="3429000" indent="-228600" algn="l" defTabSz="457200" rtl="0" eaLnBrk="1" latinLnBrk="0" hangingPunct="1">
+              <a:spcBef>
+                <a:spcPts val="1000"/>
+              </a:spcBef>
+              <a:spcAft>
+                <a:spcPts val="0"/>
+              </a:spcAft>
+              <a:buClr>
+                <a:schemeClr val="accent1"/>
+              </a:buClr>
+              <a:buSzPct val="80000"/>
+              <a:buFont typeface="Wingdings 3" charset="2"/>
+              <a:buChar char=""/>
+              <a:defRPr kumimoji="1" sz="1200" kern="1200">
+                <a:solidFill>
+                  <a:schemeClr val="tx1">
+                    <a:lumMod val="75000"/>
+                    <a:lumOff val="25000"/>
+                  </a:schemeClr>
+                </a:solidFill>
+                <a:latin typeface="+mn-lt"/>
+                <a:ea typeface="+mn-ea"/>
+                <a:cs typeface="+mn-cs"/>
+              </a:defRPr>
+            </a:lvl8pPr>
+            <a:lvl9pPr marL="3886200" indent="-228600" algn="l" defTabSz="457200" rtl="0" eaLnBrk="1" latinLnBrk="0" hangingPunct="1">
+              <a:spcBef>
+                <a:spcPts val="1000"/>
+              </a:spcBef>
+              <a:spcAft>
+                <a:spcPts val="0"/>
+              </a:spcAft>
+              <a:buClr>
+                <a:schemeClr val="accent1"/>
+              </a:buClr>
+              <a:buSzPct val="80000"/>
+              <a:buFont typeface="Wingdings 3" charset="2"/>
+              <a:buChar char=""/>
+              <a:defRPr kumimoji="1" sz="1200" kern="1200">
+                <a:solidFill>
+                  <a:schemeClr val="tx1">
+                    <a:lumMod val="75000"/>
+                    <a:lumOff val="25000"/>
+                  </a:schemeClr>
+                </a:solidFill>
+                <a:latin typeface="+mn-lt"/>
+                <a:ea typeface="+mn-ea"/>
+                <a:cs typeface="+mn-cs"/>
+              </a:defRPr>
+            </a:lvl9pPr>
+          </a:lstStyle>
           <a:p>
             <a:pPr marL="0" indent="0">
+              <a:buFont typeface="Wingdings 3" charset="2"/>
               <a:buNone/>
             </a:pPr>
             <a:r>
-              <a:rPr kumimoji="1" lang="ja-JP" altLang="en-US" dirty="0"/>
-              <a:t>分類される</a:t>
-            </a:r>
-            <a:endParaRPr kumimoji="1" lang="en-US" altLang="ja-JP" dirty="0"/>
+              <a:rPr lang="ja-JP" altLang="en-US" dirty="0"/>
+              <a:t>チェリーピックでコンフリクトが発生した場合は、手動でコンフリクトを解消し、</a:t>
+            </a:r>
+            <a:endParaRPr lang="en-US" altLang="ja-JP" dirty="0"/>
           </a:p>
           <a:p>
             <a:pPr marL="0" indent="0">
+              <a:buFont typeface="Wingdings 3" charset="2"/>
               <a:buNone/>
             </a:pPr>
             <a:r>
-              <a:rPr kumimoji="1" lang="ja-JP" altLang="en-US" dirty="0"/>
-              <a:t>ケース１：ローカルブランチが存在する</a:t>
-            </a:r>
-            <a:endParaRPr kumimoji="1" lang="en-US" altLang="ja-JP" dirty="0"/>
-          </a:p>
-          <a:p>
-            <a:pPr marL="0" indent="0">
-              <a:buNone/>
-            </a:pPr>
+              <a:rPr lang="ja-JP" altLang="en-US" dirty="0"/>
+              <a:t>変更をステージングしてチェリーピックを続行する</a:t>
+            </a:r>
             <a:endParaRPr lang="en-US" altLang="ja-JP" dirty="0"/>
           </a:p>
-          <a:p>
-            <a:pPr marL="0" indent="0">
-              <a:buNone/>
-            </a:pPr>
-            <a:r>
-              <a:rPr kumimoji="1" lang="ja-JP" altLang="en-US" dirty="0"/>
-              <a:t>ケース２：ローカルブランチが存在しない</a:t>
+        </p:txBody>
+      </p:sp>
+      <p:sp>
+        <p:nvSpPr>
+          <p:cNvPr id="6" name="テキスト ボックス 5">
+            <a:extLst>
+              <a:ext uri="{FF2B5EF4-FFF2-40B4-BE49-F238E27FC236}">
+                <a16:creationId xmlns:a16="http://schemas.microsoft.com/office/drawing/2014/main" id="{6320EBD8-913C-0594-2B39-91F7137489AB}"/>
+              </a:ext>
+            </a:extLst>
+          </p:cNvPr>
+          <p:cNvSpPr txBox="1"/>
+          <p:nvPr/>
+        </p:nvSpPr>
+        <p:spPr>
+          <a:xfrm>
+            <a:off x="764931" y="5779165"/>
+            <a:ext cx="8509071" cy="646331"/>
+          </a:xfrm>
+          <a:prstGeom prst="rect">
+            <a:avLst/>
+          </a:prstGeom>
+          <a:solidFill>
+            <a:schemeClr val="tx1"/>
+          </a:solidFill>
+        </p:spPr>
+        <p:txBody>
+          <a:bodyPr wrap="square" rtlCol="0">
+            <a:spAutoFit/>
+          </a:bodyPr>
+          <a:lstStyle/>
+          <a:p>
+            <a:r>
+              <a:rPr kumimoji="1" lang="en-US" altLang="ja-JP" dirty="0">
+                <a:solidFill>
+                  <a:srgbClr val="FFFF00"/>
+                </a:solidFill>
+              </a:rPr>
+              <a:t>git</a:t>
+            </a:r>
+            <a:r>
+              <a:rPr kumimoji="1" lang="en-US" altLang="ja-JP" dirty="0">
+                <a:solidFill>
+                  <a:schemeClr val="accent2"/>
+                </a:solidFill>
+              </a:rPr>
+              <a:t> </a:t>
+            </a:r>
+            <a:r>
+              <a:rPr kumimoji="1" lang="en-US" altLang="ja-JP" dirty="0">
+                <a:solidFill>
+                  <a:schemeClr val="accent4">
+                    <a:lumMod val="60000"/>
+                    <a:lumOff val="40000"/>
+                  </a:schemeClr>
+                </a:solidFill>
+              </a:rPr>
+              <a:t>add </a:t>
+            </a:r>
+            <a:r>
+              <a:rPr kumimoji="1" lang="ja-JP" altLang="en-US" dirty="0">
+                <a:solidFill>
+                  <a:schemeClr val="accent4">
+                    <a:lumMod val="60000"/>
+                    <a:lumOff val="40000"/>
+                  </a:schemeClr>
+                </a:solidFill>
+              </a:rPr>
+              <a:t>解消したファイル</a:t>
+            </a:r>
+            <a:endParaRPr kumimoji="1" lang="en-US" altLang="ja-JP" dirty="0">
+              <a:solidFill>
+                <a:schemeClr val="accent4">
+                  <a:lumMod val="60000"/>
+                  <a:lumOff val="40000"/>
+                </a:schemeClr>
+              </a:solidFill>
+            </a:endParaRPr>
+          </a:p>
+          <a:p>
+            <a:r>
+              <a:rPr kumimoji="1" lang="en-US" altLang="ja-JP" dirty="0">
+                <a:solidFill>
+                  <a:srgbClr val="FFFF00"/>
+                </a:solidFill>
+              </a:rPr>
+              <a:t>git</a:t>
+            </a:r>
+            <a:r>
+              <a:rPr kumimoji="1" lang="en-US" altLang="ja-JP" dirty="0">
+                <a:solidFill>
+                  <a:schemeClr val="accent2"/>
+                </a:solidFill>
+              </a:rPr>
+              <a:t> </a:t>
+            </a:r>
+            <a:r>
+              <a:rPr kumimoji="1" lang="en-US" altLang="ja-JP" dirty="0">
+                <a:solidFill>
+                  <a:schemeClr val="accent4">
+                    <a:lumMod val="60000"/>
+                    <a:lumOff val="40000"/>
+                  </a:schemeClr>
+                </a:solidFill>
+              </a:rPr>
+              <a:t>cherry-pick </a:t>
+            </a:r>
+            <a:r>
+              <a:rPr kumimoji="1" lang="en-US" altLang="ja-JP" dirty="0">
+                <a:solidFill>
+                  <a:srgbClr val="0070C0"/>
+                </a:solidFill>
+              </a:rPr>
+              <a:t>--continue</a:t>
             </a:r>
           </a:p>
         </p:txBody>
@@ -7121,7 +7409,7 @@
     </p:spTree>
     <p:extLst>
       <p:ext uri="{BB962C8B-B14F-4D97-AF65-F5344CB8AC3E}">
-        <p14:creationId xmlns:p14="http://schemas.microsoft.com/office/powerpoint/2010/main" val="1515016619"/>
+        <p14:creationId xmlns:p14="http://schemas.microsoft.com/office/powerpoint/2010/main" val="4217583142"/>
       </p:ext>
     </p:extLst>
   </p:cSld>
@@ -7177,7 +7465,7 @@
             </a:r>
             <a:r>
               <a:rPr lang="ja-JP" altLang="en-US" sz="2800" dirty="0"/>
-              <a:t>事例２</a:t>
+              <a:t>事例３</a:t>
             </a:r>
             <a:r>
               <a:rPr lang="en-US" altLang="ja-JP" sz="2800" dirty="0"/>
@@ -7207,6 +7495,146 @@
             <p:ph idx="1"/>
           </p:nvPr>
         </p:nvSpPr>
+        <p:spPr/>
+        <p:txBody>
+          <a:bodyPr/>
+          <a:lstStyle/>
+          <a:p>
+            <a:pPr marL="0" indent="0">
+              <a:buNone/>
+            </a:pPr>
+            <a:r>
+              <a:rPr kumimoji="1" lang="ja-JP" altLang="en-US" dirty="0"/>
+              <a:t>リモート側のブランチを削除してしまった際の状況によって以下の２通りに</a:t>
+            </a:r>
+            <a:endParaRPr kumimoji="1" lang="en-US" altLang="ja-JP" dirty="0"/>
+          </a:p>
+          <a:p>
+            <a:pPr marL="0" indent="0">
+              <a:buNone/>
+            </a:pPr>
+            <a:r>
+              <a:rPr kumimoji="1" lang="ja-JP" altLang="en-US" dirty="0"/>
+              <a:t>分類される</a:t>
+            </a:r>
+            <a:endParaRPr kumimoji="1" lang="en-US" altLang="ja-JP" dirty="0"/>
+          </a:p>
+          <a:p>
+            <a:pPr marL="0" indent="0">
+              <a:buNone/>
+            </a:pPr>
+            <a:r>
+              <a:rPr kumimoji="1" lang="ja-JP" altLang="en-US" dirty="0"/>
+              <a:t>ケース１：ローカルブランチが存在する</a:t>
+            </a:r>
+            <a:endParaRPr kumimoji="1" lang="en-US" altLang="ja-JP" dirty="0"/>
+          </a:p>
+          <a:p>
+            <a:pPr marL="0" indent="0">
+              <a:buNone/>
+            </a:pPr>
+            <a:endParaRPr lang="en-US" altLang="ja-JP" dirty="0"/>
+          </a:p>
+          <a:p>
+            <a:pPr marL="0" indent="0">
+              <a:buNone/>
+            </a:pPr>
+            <a:r>
+              <a:rPr kumimoji="1" lang="ja-JP" altLang="en-US" dirty="0"/>
+              <a:t>ケース２：ローカルブランチが存在しない</a:t>
+            </a:r>
+          </a:p>
+        </p:txBody>
+      </p:sp>
+    </p:spTree>
+    <p:extLst>
+      <p:ext uri="{BB962C8B-B14F-4D97-AF65-F5344CB8AC3E}">
+        <p14:creationId xmlns:p14="http://schemas.microsoft.com/office/powerpoint/2010/main" val="1515016619"/>
+      </p:ext>
+    </p:extLst>
+  </p:cSld>
+  <p:clrMapOvr>
+    <a:masterClrMapping/>
+  </p:clrMapOvr>
+</p:sld>
+</file>
+
+<file path=ppt/slides/slide13.xml><?xml version="1.0" encoding="utf-8"?>
+<p:sld xmlns:a="http://schemas.openxmlformats.org/drawingml/2006/main" xmlns:r="http://schemas.openxmlformats.org/officeDocument/2006/relationships" xmlns:p="http://schemas.openxmlformats.org/presentationml/2006/main">
+  <p:cSld>
+    <p:spTree>
+      <p:nvGrpSpPr>
+        <p:cNvPr id="1" name=""/>
+        <p:cNvGrpSpPr/>
+        <p:nvPr/>
+      </p:nvGrpSpPr>
+      <p:grpSpPr>
+        <a:xfrm>
+          <a:off x="0" y="0"/>
+          <a:ext cx="0" cy="0"/>
+          <a:chOff x="0" y="0"/>
+          <a:chExt cx="0" cy="0"/>
+        </a:xfrm>
+      </p:grpSpPr>
+      <p:sp>
+        <p:nvSpPr>
+          <p:cNvPr id="2" name="タイトル 1">
+            <a:extLst>
+              <a:ext uri="{FF2B5EF4-FFF2-40B4-BE49-F238E27FC236}">
+                <a16:creationId xmlns:a16="http://schemas.microsoft.com/office/drawing/2014/main" id="{E3771F56-6A7A-2543-4B44-5F0839E817A0}"/>
+              </a:ext>
+            </a:extLst>
+          </p:cNvPr>
+          <p:cNvSpPr>
+            <a:spLocks noGrp="1"/>
+          </p:cNvSpPr>
+          <p:nvPr>
+            <p:ph type="title"/>
+          </p:nvPr>
+        </p:nvSpPr>
+        <p:spPr/>
+        <p:txBody>
+          <a:bodyPr>
+            <a:normAutofit/>
+          </a:bodyPr>
+          <a:lstStyle/>
+          <a:p>
+            <a:r>
+              <a:rPr lang="en-US" altLang="ja-JP" sz="2800" dirty="0"/>
+              <a:t>【</a:t>
+            </a:r>
+            <a:r>
+              <a:rPr lang="ja-JP" altLang="en-US" sz="2800" dirty="0"/>
+              <a:t>事例３</a:t>
+            </a:r>
+            <a:r>
+              <a:rPr lang="en-US" altLang="ja-JP" sz="2800" dirty="0"/>
+              <a:t>】</a:t>
+            </a:r>
+            <a:r>
+              <a:rPr lang="ja-JP" altLang="en-US" sz="2800" dirty="0"/>
+              <a:t>誤ってリモート側のブランチを削除してしまった</a:t>
+            </a:r>
+            <a:endParaRPr kumimoji="1" lang="ja-JP" altLang="en-US" sz="2800" dirty="0"/>
+          </a:p>
+        </p:txBody>
+      </p:sp>
+      <p:sp>
+        <p:nvSpPr>
+          <p:cNvPr id="3" name="コンテンツ プレースホルダー 2">
+            <a:extLst>
+              <a:ext uri="{FF2B5EF4-FFF2-40B4-BE49-F238E27FC236}">
+                <a16:creationId xmlns:a16="http://schemas.microsoft.com/office/drawing/2014/main" id="{F5C64B03-E876-AA75-0901-7A4ABDD6AD61}"/>
+              </a:ext>
+            </a:extLst>
+          </p:cNvPr>
+          <p:cNvSpPr>
+            <a:spLocks noGrp="1"/>
+          </p:cNvSpPr>
+          <p:nvPr>
+            <p:ph idx="1"/>
+          </p:nvPr>
+        </p:nvSpPr>
         <p:spPr>
           <a:xfrm>
             <a:off x="677334" y="1488613"/>
@@ -7225,6 +7653,292 @@
               <a:t>ケース１：ローカルブランチが存在する</a:t>
             </a:r>
             <a:endParaRPr kumimoji="1" lang="en-US" altLang="ja-JP" dirty="0"/>
+          </a:p>
+        </p:txBody>
+      </p:sp>
+      <p:sp>
+        <p:nvSpPr>
+          <p:cNvPr id="4" name="テキスト ボックス 3">
+            <a:extLst>
+              <a:ext uri="{FF2B5EF4-FFF2-40B4-BE49-F238E27FC236}">
+                <a16:creationId xmlns:a16="http://schemas.microsoft.com/office/drawing/2014/main" id="{F306671E-B3F0-499A-AA49-9A6D548C35C4}"/>
+              </a:ext>
+            </a:extLst>
+          </p:cNvPr>
+          <p:cNvSpPr txBox="1"/>
+          <p:nvPr/>
+        </p:nvSpPr>
+        <p:spPr>
+          <a:xfrm>
+            <a:off x="764931" y="1793632"/>
+            <a:ext cx="8509071" cy="1477328"/>
+          </a:xfrm>
+          <a:prstGeom prst="rect">
+            <a:avLst/>
+          </a:prstGeom>
+          <a:solidFill>
+            <a:schemeClr val="tx1"/>
+          </a:solidFill>
+        </p:spPr>
+        <p:txBody>
+          <a:bodyPr wrap="square" rtlCol="0">
+            <a:spAutoFit/>
+          </a:bodyPr>
+          <a:lstStyle/>
+          <a:p>
+            <a:r>
+              <a:rPr kumimoji="1" lang="en-US" altLang="ja-JP" dirty="0">
+                <a:solidFill>
+                  <a:schemeClr val="accent2"/>
+                </a:solidFill>
+              </a:rPr>
+              <a:t># </a:t>
+            </a:r>
+            <a:r>
+              <a:rPr kumimoji="1" lang="ja-JP" altLang="en-US" dirty="0">
+                <a:solidFill>
+                  <a:schemeClr val="accent2"/>
+                </a:solidFill>
+              </a:rPr>
+              <a:t>ローカルブランチが存在するか確認</a:t>
+            </a:r>
+            <a:endParaRPr kumimoji="1" lang="en-US" altLang="ja-JP" dirty="0">
+              <a:solidFill>
+                <a:schemeClr val="accent2"/>
+              </a:solidFill>
+            </a:endParaRPr>
+          </a:p>
+          <a:p>
+            <a:r>
+              <a:rPr kumimoji="1" lang="en-US" altLang="ja-JP" dirty="0">
+                <a:solidFill>
+                  <a:srgbClr val="FFFF00"/>
+                </a:solidFill>
+              </a:rPr>
+              <a:t>git</a:t>
+            </a:r>
+            <a:r>
+              <a:rPr kumimoji="1" lang="en-US" altLang="ja-JP" dirty="0">
+                <a:solidFill>
+                  <a:schemeClr val="accent4">
+                    <a:lumMod val="60000"/>
+                    <a:lumOff val="40000"/>
+                  </a:schemeClr>
+                </a:solidFill>
+              </a:rPr>
+              <a:t> branch</a:t>
+            </a:r>
+          </a:p>
+          <a:p>
+            <a:endParaRPr kumimoji="1" lang="en-US" altLang="ja-JP" dirty="0">
+              <a:solidFill>
+                <a:schemeClr val="accent2"/>
+              </a:solidFill>
+            </a:endParaRPr>
+          </a:p>
+          <a:p>
+            <a:r>
+              <a:rPr kumimoji="1" lang="en-US" altLang="ja-JP" dirty="0">
+                <a:solidFill>
+                  <a:schemeClr val="accent2"/>
+                </a:solidFill>
+              </a:rPr>
+              <a:t># </a:t>
+            </a:r>
+            <a:r>
+              <a:rPr kumimoji="1" lang="ja-JP" altLang="en-US" dirty="0">
+                <a:solidFill>
+                  <a:schemeClr val="accent2"/>
+                </a:solidFill>
+              </a:rPr>
+              <a:t>正しいブランチ</a:t>
+            </a:r>
+            <a:r>
+              <a:rPr kumimoji="1" lang="en-US" altLang="ja-JP" dirty="0">
+                <a:solidFill>
+                  <a:schemeClr val="accent2"/>
+                </a:solidFill>
+              </a:rPr>
+              <a:t>(</a:t>
+            </a:r>
+            <a:r>
+              <a:rPr kumimoji="1" lang="ja-JP" altLang="en-US" dirty="0">
+                <a:solidFill>
+                  <a:schemeClr val="accent2"/>
+                </a:solidFill>
+              </a:rPr>
+              <a:t>今回は</a:t>
+            </a:r>
+            <a:r>
+              <a:rPr kumimoji="1" lang="en-US" altLang="ja-JP" dirty="0">
+                <a:solidFill>
+                  <a:schemeClr val="accent2"/>
+                </a:solidFill>
+              </a:rPr>
+              <a:t>main)</a:t>
+            </a:r>
+            <a:r>
+              <a:rPr kumimoji="1" lang="ja-JP" altLang="en-US" dirty="0">
+                <a:solidFill>
+                  <a:schemeClr val="accent2"/>
+                </a:solidFill>
+              </a:rPr>
+              <a:t>に切り替え</a:t>
+            </a:r>
+            <a:endParaRPr kumimoji="1" lang="en-US" altLang="ja-JP" dirty="0">
+              <a:solidFill>
+                <a:schemeClr val="accent2"/>
+              </a:solidFill>
+            </a:endParaRPr>
+          </a:p>
+          <a:p>
+            <a:r>
+              <a:rPr kumimoji="1" lang="en-US" altLang="ja-JP" dirty="0">
+                <a:solidFill>
+                  <a:srgbClr val="FFFF00"/>
+                </a:solidFill>
+              </a:rPr>
+              <a:t>git </a:t>
+            </a:r>
+            <a:r>
+              <a:rPr kumimoji="1" lang="en-US" altLang="ja-JP" dirty="0">
+                <a:solidFill>
+                  <a:schemeClr val="accent4">
+                    <a:lumMod val="60000"/>
+                    <a:lumOff val="40000"/>
+                  </a:schemeClr>
+                </a:solidFill>
+              </a:rPr>
+              <a:t>push origin </a:t>
+            </a:r>
+            <a:r>
+              <a:rPr kumimoji="1" lang="en-US" altLang="ja-JP" dirty="0" err="1">
+                <a:solidFill>
+                  <a:schemeClr val="accent4">
+                    <a:lumMod val="60000"/>
+                    <a:lumOff val="40000"/>
+                  </a:schemeClr>
+                </a:solidFill>
+              </a:rPr>
+              <a:t>feature-branch:feature-branch</a:t>
+            </a:r>
+            <a:endParaRPr kumimoji="1" lang="en-US" altLang="ja-JP" dirty="0">
+              <a:solidFill>
+                <a:schemeClr val="accent4">
+                  <a:lumMod val="60000"/>
+                  <a:lumOff val="40000"/>
+                </a:schemeClr>
+              </a:solidFill>
+            </a:endParaRPr>
+          </a:p>
+        </p:txBody>
+      </p:sp>
+    </p:spTree>
+    <p:extLst>
+      <p:ext uri="{BB962C8B-B14F-4D97-AF65-F5344CB8AC3E}">
+        <p14:creationId xmlns:p14="http://schemas.microsoft.com/office/powerpoint/2010/main" val="3966998274"/>
+      </p:ext>
+    </p:extLst>
+  </p:cSld>
+  <p:clrMapOvr>
+    <a:masterClrMapping/>
+  </p:clrMapOvr>
+</p:sld>
+</file>
+
+<file path=ppt/slides/slide14.xml><?xml version="1.0" encoding="utf-8"?>
+<p:sld xmlns:a="http://schemas.openxmlformats.org/drawingml/2006/main" xmlns:r="http://schemas.openxmlformats.org/officeDocument/2006/relationships" xmlns:p="http://schemas.openxmlformats.org/presentationml/2006/main">
+  <p:cSld>
+    <p:spTree>
+      <p:nvGrpSpPr>
+        <p:cNvPr id="1" name=""/>
+        <p:cNvGrpSpPr/>
+        <p:nvPr/>
+      </p:nvGrpSpPr>
+      <p:grpSpPr>
+        <a:xfrm>
+          <a:off x="0" y="0"/>
+          <a:ext cx="0" cy="0"/>
+          <a:chOff x="0" y="0"/>
+          <a:chExt cx="0" cy="0"/>
+        </a:xfrm>
+      </p:grpSpPr>
+      <p:sp>
+        <p:nvSpPr>
+          <p:cNvPr id="2" name="タイトル 1">
+            <a:extLst>
+              <a:ext uri="{FF2B5EF4-FFF2-40B4-BE49-F238E27FC236}">
+                <a16:creationId xmlns:a16="http://schemas.microsoft.com/office/drawing/2014/main" id="{E3771F56-6A7A-2543-4B44-5F0839E817A0}"/>
+              </a:ext>
+            </a:extLst>
+          </p:cNvPr>
+          <p:cNvSpPr>
+            <a:spLocks noGrp="1"/>
+          </p:cNvSpPr>
+          <p:nvPr>
+            <p:ph type="title"/>
+          </p:nvPr>
+        </p:nvSpPr>
+        <p:spPr/>
+        <p:txBody>
+          <a:bodyPr>
+            <a:normAutofit/>
+          </a:bodyPr>
+          <a:lstStyle/>
+          <a:p>
+            <a:r>
+              <a:rPr lang="en-US" altLang="ja-JP" sz="2800" dirty="0"/>
+              <a:t>【</a:t>
+            </a:r>
+            <a:r>
+              <a:rPr lang="ja-JP" altLang="en-US" sz="2800" dirty="0"/>
+              <a:t>事例３</a:t>
+            </a:r>
+            <a:r>
+              <a:rPr lang="en-US" altLang="ja-JP" sz="2800" dirty="0"/>
+              <a:t>】</a:t>
+            </a:r>
+            <a:r>
+              <a:rPr lang="ja-JP" altLang="en-US" sz="2800" dirty="0"/>
+              <a:t>誤ってリモート側のブランチを削除してしまった</a:t>
+            </a:r>
+            <a:endParaRPr kumimoji="1" lang="ja-JP" altLang="en-US" sz="2800" dirty="0"/>
+          </a:p>
+        </p:txBody>
+      </p:sp>
+      <p:sp>
+        <p:nvSpPr>
+          <p:cNvPr id="3" name="コンテンツ プレースホルダー 2">
+            <a:extLst>
+              <a:ext uri="{FF2B5EF4-FFF2-40B4-BE49-F238E27FC236}">
+                <a16:creationId xmlns:a16="http://schemas.microsoft.com/office/drawing/2014/main" id="{F5C64B03-E876-AA75-0901-7A4ABDD6AD61}"/>
+              </a:ext>
+            </a:extLst>
+          </p:cNvPr>
+          <p:cNvSpPr>
+            <a:spLocks noGrp="1"/>
+          </p:cNvSpPr>
+          <p:nvPr>
+            <p:ph idx="1"/>
+          </p:nvPr>
+        </p:nvSpPr>
+        <p:spPr>
+          <a:xfrm>
+            <a:off x="677334" y="1488613"/>
+            <a:ext cx="8596668" cy="3880773"/>
+          </a:xfrm>
+        </p:spPr>
+        <p:txBody>
+          <a:bodyPr/>
+          <a:lstStyle/>
+          <a:p>
+            <a:pPr marL="0" indent="0">
+              <a:buNone/>
+            </a:pPr>
+            <a:r>
+              <a:rPr kumimoji="1" lang="ja-JP" altLang="en-US" dirty="0"/>
+              <a:t>ケース２：ローカルブランチが存在しない</a:t>
+            </a:r>
           </a:p>
         </p:txBody>
       </p:sp>
@@ -7266,37 +7980,14 @@
               </a:rPr>
               <a:t># </a:t>
             </a:r>
-          </a:p>
-          <a:p>
-            <a:r>
-              <a:rPr kumimoji="1" lang="en-US" altLang="ja-JP" dirty="0">
-                <a:solidFill>
-                  <a:srgbClr val="FFFF00"/>
-                </a:solidFill>
-              </a:rPr>
-              <a:t>git</a:t>
-            </a:r>
-            <a:r>
-              <a:rPr kumimoji="1" lang="en-US" altLang="ja-JP" dirty="0">
+            <a:r>
+              <a:rPr kumimoji="1" lang="ja-JP" altLang="en-US" dirty="0">
                 <a:solidFill>
                   <a:schemeClr val="accent2"/>
                 </a:solidFill>
               </a:rPr>
-              <a:t> </a:t>
-            </a:r>
-            <a:r>
-              <a:rPr kumimoji="1" lang="en-US" altLang="ja-JP" dirty="0">
-                <a:solidFill>
-                  <a:schemeClr val="accent4">
-                    <a:lumMod val="60000"/>
-                    <a:lumOff val="40000"/>
-                  </a:schemeClr>
-                </a:solidFill>
-              </a:rPr>
-              <a:t>stash</a:t>
-            </a:r>
-          </a:p>
-          <a:p>
+              <a:t>リモートブランチのコミット履歴を確認</a:t>
+            </a:r>
             <a:endParaRPr kumimoji="1" lang="en-US" altLang="ja-JP" dirty="0">
               <a:solidFill>
                 <a:schemeClr val="accent2"/>
@@ -7307,73 +7998,10 @@
             <a:r>
               <a:rPr kumimoji="1" lang="en-US" altLang="ja-JP" dirty="0">
                 <a:solidFill>
-                  <a:schemeClr val="accent2"/>
-                </a:solidFill>
-              </a:rPr>
-              <a:t># </a:t>
-            </a:r>
-            <a:r>
-              <a:rPr kumimoji="1" lang="ja-JP" altLang="en-US" dirty="0">
-                <a:solidFill>
-                  <a:schemeClr val="accent2"/>
-                </a:solidFill>
-              </a:rPr>
-              <a:t>正しいブランチ</a:t>
-            </a:r>
-            <a:r>
-              <a:rPr kumimoji="1" lang="en-US" altLang="ja-JP" dirty="0">
-                <a:solidFill>
-                  <a:schemeClr val="accent2"/>
-                </a:solidFill>
-              </a:rPr>
-              <a:t>(</a:t>
-            </a:r>
-            <a:r>
-              <a:rPr kumimoji="1" lang="ja-JP" altLang="en-US" dirty="0">
-                <a:solidFill>
-                  <a:schemeClr val="accent2"/>
-                </a:solidFill>
-              </a:rPr>
-              <a:t>今回は</a:t>
-            </a:r>
-            <a:r>
-              <a:rPr kumimoji="1" lang="en-US" altLang="ja-JP" dirty="0">
-                <a:solidFill>
-                  <a:schemeClr val="accent2"/>
-                </a:solidFill>
-              </a:rPr>
-              <a:t>main)</a:t>
-            </a:r>
-            <a:r>
-              <a:rPr kumimoji="1" lang="ja-JP" altLang="en-US" dirty="0">
-                <a:solidFill>
-                  <a:schemeClr val="accent2"/>
-                </a:solidFill>
-              </a:rPr>
-              <a:t>に切り替え</a:t>
-            </a:r>
-            <a:endParaRPr kumimoji="1" lang="en-US" altLang="ja-JP" dirty="0">
-              <a:solidFill>
-                <a:schemeClr val="accent2"/>
-              </a:solidFill>
-            </a:endParaRPr>
-          </a:p>
-          <a:p>
-            <a:r>
-              <a:rPr kumimoji="1" lang="en-US" altLang="ja-JP" dirty="0">
-                <a:solidFill>
                   <a:srgbClr val="FFFF00"/>
                 </a:solidFill>
               </a:rPr>
               <a:t>git</a:t>
-            </a:r>
-            <a:r>
-              <a:rPr kumimoji="1" lang="en-US" altLang="ja-JP" dirty="0">
-                <a:solidFill>
-                  <a:schemeClr val="accent2"/>
-                </a:solidFill>
-              </a:rPr>
-              <a:t> </a:t>
             </a:r>
             <a:r>
               <a:rPr kumimoji="1" lang="en-US" altLang="ja-JP" dirty="0">
@@ -7384,58 +8012,10 @@
                   </a:schemeClr>
                 </a:solidFill>
               </a:rPr>
-              <a:t>checkout main</a:t>
-            </a:r>
-          </a:p>
-          <a:p>
-            <a:endParaRPr kumimoji="1" lang="en-US" altLang="ja-JP" dirty="0">
-              <a:solidFill>
-                <a:schemeClr val="accent2"/>
-              </a:solidFill>
-            </a:endParaRPr>
-          </a:p>
-          <a:p>
-            <a:r>
-              <a:rPr kumimoji="1" lang="en-US" altLang="ja-JP" dirty="0">
-                <a:solidFill>
-                  <a:schemeClr val="accent2"/>
-                </a:solidFill>
-              </a:rPr>
-              <a:t># </a:t>
-            </a:r>
-            <a:r>
-              <a:rPr kumimoji="1" lang="ja-JP" altLang="en-US" dirty="0">
-                <a:solidFill>
-                  <a:schemeClr val="accent2"/>
-                </a:solidFill>
-              </a:rPr>
-              <a:t>スタッシュを適用</a:t>
-            </a:r>
-            <a:endParaRPr kumimoji="1" lang="en-US" altLang="ja-JP" dirty="0">
-              <a:solidFill>
-                <a:schemeClr val="accent2"/>
-              </a:solidFill>
-            </a:endParaRPr>
-          </a:p>
-          <a:p>
-            <a:r>
-              <a:rPr kumimoji="1" lang="en-US" altLang="ja-JP" dirty="0">
-                <a:solidFill>
-                  <a:srgbClr val="FFFF00"/>
-                </a:solidFill>
-              </a:rPr>
-              <a:t>git</a:t>
-            </a:r>
-            <a:r>
-              <a:rPr kumimoji="1" lang="en-US" altLang="ja-JP" dirty="0">
-                <a:solidFill>
-                  <a:schemeClr val="accent2"/>
-                </a:solidFill>
-              </a:rPr>
               <a:t> </a:t>
             </a:r>
             <a:r>
-              <a:rPr kumimoji="1" lang="en-US" altLang="ja-JP" dirty="0">
+              <a:rPr kumimoji="1" lang="en-US" altLang="ja-JP" dirty="0" err="1">
                 <a:solidFill>
                   <a:schemeClr val="accent4">
                     <a:lumMod val="60000"/>
@@ -7443,9 +8023,9 @@
                   </a:schemeClr>
                 </a:solidFill>
               </a:rPr>
-              <a:t>stash pop</a:t>
-            </a:r>
-            <a:endParaRPr kumimoji="1" lang="ja-JP" altLang="en-US" dirty="0">
+              <a:t>reflog</a:t>
+            </a:r>
+            <a:endParaRPr kumimoji="1" lang="en-US" altLang="ja-JP" dirty="0">
               <a:solidFill>
                 <a:schemeClr val="accent4">
                   <a:lumMod val="60000"/>
@@ -7454,12 +8034,2224 @@
               </a:solidFill>
             </a:endParaRPr>
           </a:p>
+          <a:p>
+            <a:endParaRPr kumimoji="1" lang="en-US" altLang="ja-JP" dirty="0">
+              <a:solidFill>
+                <a:schemeClr val="accent2"/>
+              </a:solidFill>
+            </a:endParaRPr>
+          </a:p>
+          <a:p>
+            <a:r>
+              <a:rPr kumimoji="1" lang="en-US" altLang="ja-JP" dirty="0">
+                <a:solidFill>
+                  <a:schemeClr val="accent2"/>
+                </a:solidFill>
+              </a:rPr>
+              <a:t># </a:t>
+            </a:r>
+            <a:r>
+              <a:rPr kumimoji="1" lang="ja-JP" altLang="en-US" dirty="0">
+                <a:solidFill>
+                  <a:schemeClr val="accent2"/>
+                </a:solidFill>
+              </a:rPr>
+              <a:t>削除されたリモートブランチの最新コミットをチェックアウト</a:t>
+            </a:r>
+            <a:endParaRPr kumimoji="1" lang="en-US" altLang="ja-JP" dirty="0">
+              <a:solidFill>
+                <a:schemeClr val="accent2"/>
+              </a:solidFill>
+            </a:endParaRPr>
+          </a:p>
+          <a:p>
+            <a:r>
+              <a:rPr kumimoji="1" lang="en-US" altLang="ja-JP" dirty="0">
+                <a:solidFill>
+                  <a:srgbClr val="FFFF00"/>
+                </a:solidFill>
+              </a:rPr>
+              <a:t>git </a:t>
+            </a:r>
+            <a:r>
+              <a:rPr kumimoji="1" lang="en-US" altLang="ja-JP" dirty="0">
+                <a:solidFill>
+                  <a:schemeClr val="accent4">
+                    <a:lumMod val="60000"/>
+                    <a:lumOff val="40000"/>
+                  </a:schemeClr>
+                </a:solidFill>
+              </a:rPr>
+              <a:t>checkout –b feature-branch abc1234</a:t>
+            </a:r>
+          </a:p>
+          <a:p>
+            <a:endParaRPr kumimoji="1" lang="en-US" altLang="ja-JP" dirty="0">
+              <a:solidFill>
+                <a:schemeClr val="accent4">
+                  <a:lumMod val="60000"/>
+                  <a:lumOff val="40000"/>
+                </a:schemeClr>
+              </a:solidFill>
+            </a:endParaRPr>
+          </a:p>
+          <a:p>
+            <a:r>
+              <a:rPr kumimoji="1" lang="en-US" altLang="ja-JP" dirty="0">
+                <a:solidFill>
+                  <a:srgbClr val="00B050"/>
+                </a:solidFill>
+              </a:rPr>
+              <a:t># </a:t>
+            </a:r>
+            <a:r>
+              <a:rPr kumimoji="1" lang="ja-JP" altLang="en-US" dirty="0">
+                <a:solidFill>
+                  <a:srgbClr val="00B050"/>
+                </a:solidFill>
+              </a:rPr>
+              <a:t>リモートブランチを再作成</a:t>
+            </a:r>
+            <a:endParaRPr kumimoji="1" lang="en-US" altLang="ja-JP" dirty="0">
+              <a:solidFill>
+                <a:srgbClr val="00B050"/>
+              </a:solidFill>
+            </a:endParaRPr>
+          </a:p>
+          <a:p>
+            <a:r>
+              <a:rPr kumimoji="1" lang="en-US" altLang="ja-JP" dirty="0">
+                <a:solidFill>
+                  <a:srgbClr val="FFFF00"/>
+                </a:solidFill>
+              </a:rPr>
+              <a:t>git</a:t>
+            </a:r>
+            <a:r>
+              <a:rPr kumimoji="1" lang="en-US" altLang="ja-JP" dirty="0">
+                <a:solidFill>
+                  <a:schemeClr val="accent4">
+                    <a:lumMod val="60000"/>
+                    <a:lumOff val="40000"/>
+                  </a:schemeClr>
+                </a:solidFill>
+              </a:rPr>
+              <a:t> push origin </a:t>
+            </a:r>
+            <a:r>
+              <a:rPr kumimoji="1" lang="en-US" altLang="ja-JP" dirty="0" err="1">
+                <a:solidFill>
+                  <a:schemeClr val="accent4">
+                    <a:lumMod val="60000"/>
+                    <a:lumOff val="40000"/>
+                  </a:schemeClr>
+                </a:solidFill>
+              </a:rPr>
+              <a:t>feature-branch:feature-branch</a:t>
+            </a:r>
+            <a:endParaRPr kumimoji="1" lang="en-US" altLang="ja-JP" dirty="0">
+              <a:solidFill>
+                <a:schemeClr val="accent4">
+                  <a:lumMod val="60000"/>
+                  <a:lumOff val="40000"/>
+                </a:schemeClr>
+              </a:solidFill>
+            </a:endParaRPr>
+          </a:p>
         </p:txBody>
       </p:sp>
     </p:spTree>
     <p:extLst>
       <p:ext uri="{BB962C8B-B14F-4D97-AF65-F5344CB8AC3E}">
-        <p14:creationId xmlns:p14="http://schemas.microsoft.com/office/powerpoint/2010/main" val="3966998274"/>
+        <p14:creationId xmlns:p14="http://schemas.microsoft.com/office/powerpoint/2010/main" val="736046219"/>
+      </p:ext>
+    </p:extLst>
+  </p:cSld>
+  <p:clrMapOvr>
+    <a:masterClrMapping/>
+  </p:clrMapOvr>
+</p:sld>
+</file>
+
+<file path=ppt/slides/slide15.xml><?xml version="1.0" encoding="utf-8"?>
+<p:sld xmlns:a="http://schemas.openxmlformats.org/drawingml/2006/main" xmlns:r="http://schemas.openxmlformats.org/officeDocument/2006/relationships" xmlns:p="http://schemas.openxmlformats.org/presentationml/2006/main">
+  <p:cSld>
+    <p:spTree>
+      <p:nvGrpSpPr>
+        <p:cNvPr id="1" name=""/>
+        <p:cNvGrpSpPr/>
+        <p:nvPr/>
+      </p:nvGrpSpPr>
+      <p:grpSpPr>
+        <a:xfrm>
+          <a:off x="0" y="0"/>
+          <a:ext cx="0" cy="0"/>
+          <a:chOff x="0" y="0"/>
+          <a:chExt cx="0" cy="0"/>
+        </a:xfrm>
+      </p:grpSpPr>
+      <p:sp>
+        <p:nvSpPr>
+          <p:cNvPr id="2" name="タイトル 1">
+            <a:extLst>
+              <a:ext uri="{FF2B5EF4-FFF2-40B4-BE49-F238E27FC236}">
+                <a16:creationId xmlns:a16="http://schemas.microsoft.com/office/drawing/2014/main" id="{E3771F56-6A7A-2543-4B44-5F0839E817A0}"/>
+              </a:ext>
+            </a:extLst>
+          </p:cNvPr>
+          <p:cNvSpPr>
+            <a:spLocks noGrp="1"/>
+          </p:cNvSpPr>
+          <p:nvPr>
+            <p:ph type="title"/>
+          </p:nvPr>
+        </p:nvSpPr>
+        <p:spPr/>
+        <p:txBody>
+          <a:bodyPr>
+            <a:normAutofit/>
+          </a:bodyPr>
+          <a:lstStyle/>
+          <a:p>
+            <a:r>
+              <a:rPr lang="en-US" altLang="ja-JP" sz="2800" dirty="0"/>
+              <a:t>【</a:t>
+            </a:r>
+            <a:r>
+              <a:rPr lang="ja-JP" altLang="en-US" sz="2800" dirty="0"/>
+              <a:t>事例３</a:t>
+            </a:r>
+            <a:r>
+              <a:rPr lang="en-US" altLang="ja-JP" sz="2800" dirty="0"/>
+              <a:t>】</a:t>
+            </a:r>
+            <a:r>
+              <a:rPr lang="ja-JP" altLang="en-US" sz="2800" dirty="0"/>
+              <a:t>改行コードの自動変換設定ミス</a:t>
+            </a:r>
+            <a:endParaRPr kumimoji="1" lang="ja-JP" altLang="en-US" sz="2800" dirty="0"/>
+          </a:p>
+        </p:txBody>
+      </p:sp>
+      <p:sp>
+        <p:nvSpPr>
+          <p:cNvPr id="3" name="コンテンツ プレースホルダー 2">
+            <a:extLst>
+              <a:ext uri="{FF2B5EF4-FFF2-40B4-BE49-F238E27FC236}">
+                <a16:creationId xmlns:a16="http://schemas.microsoft.com/office/drawing/2014/main" id="{F5C64B03-E876-AA75-0901-7A4ABDD6AD61}"/>
+              </a:ext>
+            </a:extLst>
+          </p:cNvPr>
+          <p:cNvSpPr>
+            <a:spLocks noGrp="1"/>
+          </p:cNvSpPr>
+          <p:nvPr>
+            <p:ph idx="1"/>
+          </p:nvPr>
+        </p:nvSpPr>
+        <p:spPr>
+          <a:xfrm>
+            <a:off x="677334" y="1488613"/>
+            <a:ext cx="8596668" cy="3880773"/>
+          </a:xfrm>
+        </p:spPr>
+        <p:txBody>
+          <a:bodyPr/>
+          <a:lstStyle/>
+          <a:p>
+            <a:pPr marL="0" indent="0">
+              <a:buNone/>
+            </a:pPr>
+            <a:r>
+              <a:rPr kumimoji="1" lang="ja-JP" altLang="en-US" dirty="0"/>
+              <a:t>改行コードの設定が適切でない場合、次のような影響があります。</a:t>
+            </a:r>
+            <a:endParaRPr kumimoji="1" lang="en-US" altLang="ja-JP" dirty="0"/>
+          </a:p>
+          <a:p>
+            <a:pPr>
+              <a:buFont typeface="+mj-lt"/>
+              <a:buAutoNum type="arabicPeriod"/>
+            </a:pPr>
+            <a:r>
+              <a:rPr kumimoji="1" lang="ja-JP" altLang="en-US" dirty="0"/>
+              <a:t>異なる改行コードの混在</a:t>
+            </a:r>
+            <a:endParaRPr kumimoji="1" lang="en-US" altLang="ja-JP" dirty="0"/>
+          </a:p>
+          <a:p>
+            <a:pPr marL="400050" lvl="1" indent="0">
+              <a:buNone/>
+            </a:pPr>
+            <a:r>
+              <a:rPr lang="en-US" altLang="ja-JP" b="0" i="0" dirty="0">
+                <a:solidFill>
+                  <a:schemeClr val="tx1"/>
+                </a:solidFill>
+                <a:effectLst/>
+                <a:latin typeface="Segoe WPC"/>
+              </a:rPr>
+              <a:t>Windows</a:t>
+            </a:r>
+            <a:r>
+              <a:rPr lang="ja-JP" altLang="en-US" b="0" i="0" dirty="0">
+                <a:solidFill>
+                  <a:schemeClr val="tx1"/>
+                </a:solidFill>
+                <a:effectLst/>
+                <a:latin typeface="Segoe WPC"/>
+              </a:rPr>
+              <a:t>では</a:t>
+            </a:r>
+            <a:r>
+              <a:rPr lang="en-US" altLang="ja-JP" b="0" i="0" dirty="0">
+                <a:solidFill>
+                  <a:schemeClr val="tx1"/>
+                </a:solidFill>
+                <a:effectLst/>
+                <a:latin typeface="Segoe WPC"/>
+              </a:rPr>
+              <a:t>CRLF</a:t>
+            </a:r>
+            <a:r>
+              <a:rPr lang="ja-JP" altLang="en-US" b="0" i="0" dirty="0">
+                <a:solidFill>
+                  <a:schemeClr val="tx1"/>
+                </a:solidFill>
+                <a:effectLst/>
+                <a:latin typeface="Segoe WPC"/>
+              </a:rPr>
+              <a:t>（</a:t>
+            </a:r>
+            <a:r>
+              <a:rPr lang="en-US" altLang="ja-JP" b="0" i="0" dirty="0">
+                <a:solidFill>
+                  <a:schemeClr val="tx1"/>
+                </a:solidFill>
+                <a:effectLst/>
+                <a:latin typeface="Segoe WPC"/>
+              </a:rPr>
+              <a:t>\r\n</a:t>
+            </a:r>
+            <a:r>
+              <a:rPr lang="ja-JP" altLang="en-US" b="0" i="0" dirty="0">
+                <a:solidFill>
+                  <a:schemeClr val="tx1"/>
+                </a:solidFill>
+                <a:effectLst/>
+                <a:latin typeface="Segoe WPC"/>
+              </a:rPr>
+              <a:t>）、</a:t>
+            </a:r>
+            <a:r>
+              <a:rPr lang="en-US" altLang="ja-JP" b="0" i="0" dirty="0">
+                <a:solidFill>
+                  <a:schemeClr val="tx1"/>
+                </a:solidFill>
+                <a:effectLst/>
+                <a:latin typeface="Segoe WPC"/>
+              </a:rPr>
+              <a:t>Unix/Linux</a:t>
+            </a:r>
+            <a:r>
+              <a:rPr lang="ja-JP" altLang="en-US" b="0" i="0" dirty="0">
+                <a:solidFill>
+                  <a:schemeClr val="tx1"/>
+                </a:solidFill>
+                <a:effectLst/>
+                <a:latin typeface="Segoe WPC"/>
+              </a:rPr>
+              <a:t>や</a:t>
+            </a:r>
+            <a:r>
+              <a:rPr lang="en-US" altLang="ja-JP" b="0" i="0" dirty="0">
+                <a:solidFill>
+                  <a:schemeClr val="tx1"/>
+                </a:solidFill>
+                <a:effectLst/>
+                <a:latin typeface="Segoe WPC"/>
+              </a:rPr>
+              <a:t>macOS</a:t>
+            </a:r>
+            <a:r>
+              <a:rPr lang="ja-JP" altLang="en-US" b="0" i="0" dirty="0">
+                <a:solidFill>
+                  <a:schemeClr val="tx1"/>
+                </a:solidFill>
+                <a:effectLst/>
+                <a:latin typeface="Segoe WPC"/>
+              </a:rPr>
+              <a:t>では</a:t>
+            </a:r>
+            <a:r>
+              <a:rPr lang="en-US" altLang="ja-JP" b="0" i="0" dirty="0">
+                <a:solidFill>
+                  <a:schemeClr val="tx1"/>
+                </a:solidFill>
+                <a:effectLst/>
+                <a:latin typeface="Segoe WPC"/>
+              </a:rPr>
+              <a:t>LF</a:t>
+            </a:r>
+            <a:r>
+              <a:rPr lang="ja-JP" altLang="en-US" b="0" i="0" dirty="0">
+                <a:solidFill>
+                  <a:schemeClr val="tx1"/>
+                </a:solidFill>
+                <a:effectLst/>
+                <a:latin typeface="Segoe WPC"/>
+              </a:rPr>
+              <a:t>（</a:t>
+            </a:r>
+            <a:r>
+              <a:rPr lang="en-US" altLang="ja-JP" b="0" i="0" dirty="0">
+                <a:solidFill>
+                  <a:schemeClr val="tx1"/>
+                </a:solidFill>
+                <a:effectLst/>
+                <a:latin typeface="Segoe WPC"/>
+              </a:rPr>
+              <a:t>\n</a:t>
+            </a:r>
+            <a:r>
+              <a:rPr lang="ja-JP" altLang="en-US" b="0" i="0" dirty="0">
+                <a:solidFill>
+                  <a:schemeClr val="tx1"/>
+                </a:solidFill>
+                <a:effectLst/>
+                <a:latin typeface="Segoe WPC"/>
+              </a:rPr>
+              <a:t>）が一般的に使用されます。異なる改行コードが混在すると、意図しない変更が発生することがあります。</a:t>
+            </a:r>
+            <a:endParaRPr lang="en-US" altLang="ja-JP" b="0" i="0" dirty="0">
+              <a:solidFill>
+                <a:schemeClr val="tx1"/>
+              </a:solidFill>
+              <a:effectLst/>
+              <a:latin typeface="Segoe WPC"/>
+            </a:endParaRPr>
+          </a:p>
+          <a:p>
+            <a:pPr marL="400050" lvl="1" indent="0">
+              <a:buNone/>
+            </a:pPr>
+            <a:endParaRPr kumimoji="1" lang="en-US" altLang="ja-JP" dirty="0">
+              <a:solidFill>
+                <a:schemeClr val="tx1"/>
+              </a:solidFill>
+            </a:endParaRPr>
+          </a:p>
+          <a:p>
+            <a:pPr>
+              <a:buFont typeface="+mj-lt"/>
+              <a:buAutoNum type="arabicPeriod"/>
+            </a:pPr>
+            <a:r>
+              <a:rPr lang="ja-JP" altLang="en-US" dirty="0"/>
+              <a:t>改行コードの自動変換設定のミス</a:t>
+            </a:r>
+            <a:endParaRPr lang="en-US" altLang="ja-JP" dirty="0"/>
+          </a:p>
+          <a:p>
+            <a:pPr marL="400050" lvl="1" indent="0">
+              <a:buNone/>
+            </a:pPr>
+            <a:r>
+              <a:rPr lang="en-US" altLang="ja-JP" b="0" i="0" dirty="0">
+                <a:solidFill>
+                  <a:schemeClr val="tx1"/>
+                </a:solidFill>
+                <a:effectLst/>
+                <a:latin typeface="Segoe WPC"/>
+              </a:rPr>
+              <a:t>Git</a:t>
+            </a:r>
+            <a:r>
+              <a:rPr lang="ja-JP" altLang="en-US" b="0" i="0" dirty="0">
+                <a:solidFill>
+                  <a:schemeClr val="tx1"/>
+                </a:solidFill>
+                <a:effectLst/>
+                <a:latin typeface="Segoe WPC"/>
+              </a:rPr>
+              <a:t>の設定で改行コードの自動変換を適切に設定していない場合、コミット時やチェックアウト時に改行コードが意図せず変換されることがあります。</a:t>
+            </a:r>
+          </a:p>
+        </p:txBody>
+      </p:sp>
+    </p:spTree>
+    <p:extLst>
+      <p:ext uri="{BB962C8B-B14F-4D97-AF65-F5344CB8AC3E}">
+        <p14:creationId xmlns:p14="http://schemas.microsoft.com/office/powerpoint/2010/main" val="2780356927"/>
+      </p:ext>
+    </p:extLst>
+  </p:cSld>
+  <p:clrMapOvr>
+    <a:masterClrMapping/>
+  </p:clrMapOvr>
+</p:sld>
+</file>
+
+<file path=ppt/slides/slide16.xml><?xml version="1.0" encoding="utf-8"?>
+<p:sld xmlns:a="http://schemas.openxmlformats.org/drawingml/2006/main" xmlns:r="http://schemas.openxmlformats.org/officeDocument/2006/relationships" xmlns:p="http://schemas.openxmlformats.org/presentationml/2006/main">
+  <p:cSld>
+    <p:spTree>
+      <p:nvGrpSpPr>
+        <p:cNvPr id="1" name=""/>
+        <p:cNvGrpSpPr/>
+        <p:nvPr/>
+      </p:nvGrpSpPr>
+      <p:grpSpPr>
+        <a:xfrm>
+          <a:off x="0" y="0"/>
+          <a:ext cx="0" cy="0"/>
+          <a:chOff x="0" y="0"/>
+          <a:chExt cx="0" cy="0"/>
+        </a:xfrm>
+      </p:grpSpPr>
+      <p:sp>
+        <p:nvSpPr>
+          <p:cNvPr id="2" name="タイトル 1">
+            <a:extLst>
+              <a:ext uri="{FF2B5EF4-FFF2-40B4-BE49-F238E27FC236}">
+                <a16:creationId xmlns:a16="http://schemas.microsoft.com/office/drawing/2014/main" id="{E3771F56-6A7A-2543-4B44-5F0839E817A0}"/>
+              </a:ext>
+            </a:extLst>
+          </p:cNvPr>
+          <p:cNvSpPr>
+            <a:spLocks noGrp="1"/>
+          </p:cNvSpPr>
+          <p:nvPr>
+            <p:ph type="title"/>
+          </p:nvPr>
+        </p:nvSpPr>
+        <p:spPr/>
+        <p:txBody>
+          <a:bodyPr>
+            <a:normAutofit/>
+          </a:bodyPr>
+          <a:lstStyle/>
+          <a:p>
+            <a:r>
+              <a:rPr lang="en-US" altLang="ja-JP" sz="2800" dirty="0"/>
+              <a:t>【</a:t>
+            </a:r>
+            <a:r>
+              <a:rPr lang="ja-JP" altLang="en-US" sz="2800" dirty="0"/>
+              <a:t>事例３</a:t>
+            </a:r>
+            <a:r>
+              <a:rPr lang="en-US" altLang="ja-JP" sz="2800" dirty="0"/>
+              <a:t>】</a:t>
+            </a:r>
+            <a:r>
+              <a:rPr lang="ja-JP" altLang="en-US" sz="2800" dirty="0"/>
+              <a:t>改行コードの自動変換設定ミス</a:t>
+            </a:r>
+            <a:endParaRPr kumimoji="1" lang="ja-JP" altLang="en-US" sz="2800" dirty="0"/>
+          </a:p>
+        </p:txBody>
+      </p:sp>
+      <p:sp>
+        <p:nvSpPr>
+          <p:cNvPr id="5" name="テキスト ボックス 4">
+            <a:extLst>
+              <a:ext uri="{FF2B5EF4-FFF2-40B4-BE49-F238E27FC236}">
+                <a16:creationId xmlns:a16="http://schemas.microsoft.com/office/drawing/2014/main" id="{40BF0E50-AFEA-120C-CC2F-23BFDFD250A7}"/>
+              </a:ext>
+            </a:extLst>
+          </p:cNvPr>
+          <p:cNvSpPr txBox="1"/>
+          <p:nvPr/>
+        </p:nvSpPr>
+        <p:spPr>
+          <a:xfrm>
+            <a:off x="993531" y="2342278"/>
+            <a:ext cx="8509071" cy="2585323"/>
+          </a:xfrm>
+          <a:prstGeom prst="rect">
+            <a:avLst/>
+          </a:prstGeom>
+          <a:solidFill>
+            <a:schemeClr val="tx1"/>
+          </a:solidFill>
+        </p:spPr>
+        <p:txBody>
+          <a:bodyPr wrap="square" rtlCol="0">
+            <a:spAutoFit/>
+          </a:bodyPr>
+          <a:lstStyle/>
+          <a:p>
+            <a:r>
+              <a:rPr kumimoji="1" lang="en-US" altLang="ja-JP" dirty="0">
+                <a:solidFill>
+                  <a:schemeClr val="accent2"/>
+                </a:solidFill>
+              </a:rPr>
+              <a:t># Windows</a:t>
+            </a:r>
+            <a:r>
+              <a:rPr kumimoji="1" lang="ja-JP" altLang="en-US" dirty="0">
+                <a:solidFill>
+                  <a:schemeClr val="accent2"/>
+                </a:solidFill>
+              </a:rPr>
+              <a:t>ユーザー向け</a:t>
+            </a:r>
+            <a:r>
+              <a:rPr kumimoji="1" lang="en-US" altLang="ja-JP" dirty="0">
+                <a:solidFill>
+                  <a:schemeClr val="accent2"/>
+                </a:solidFill>
+              </a:rPr>
+              <a:t>: </a:t>
+            </a:r>
+            <a:r>
+              <a:rPr kumimoji="1" lang="ja-JP" altLang="en-US" dirty="0">
+                <a:solidFill>
+                  <a:schemeClr val="accent2"/>
+                </a:solidFill>
+              </a:rPr>
+              <a:t>チェックアウト時に</a:t>
+            </a:r>
+            <a:r>
+              <a:rPr kumimoji="1" lang="en-US" altLang="ja-JP" dirty="0">
+                <a:solidFill>
+                  <a:schemeClr val="accent2"/>
+                </a:solidFill>
+              </a:rPr>
+              <a:t>LF</a:t>
+            </a:r>
+            <a:r>
+              <a:rPr kumimoji="1" lang="ja-JP" altLang="en-US" dirty="0">
+                <a:solidFill>
+                  <a:schemeClr val="accent2"/>
+                </a:solidFill>
+              </a:rPr>
+              <a:t>を</a:t>
+            </a:r>
+            <a:r>
+              <a:rPr kumimoji="1" lang="en-US" altLang="ja-JP" dirty="0">
+                <a:solidFill>
+                  <a:schemeClr val="accent2"/>
+                </a:solidFill>
+              </a:rPr>
+              <a:t>CRLF</a:t>
+            </a:r>
+            <a:r>
+              <a:rPr kumimoji="1" lang="ja-JP" altLang="en-US" dirty="0">
+                <a:solidFill>
+                  <a:schemeClr val="accent2"/>
+                </a:solidFill>
+              </a:rPr>
+              <a:t>に変換し、コミット時に</a:t>
+            </a:r>
+            <a:r>
+              <a:rPr kumimoji="1" lang="en-US" altLang="ja-JP" dirty="0">
+                <a:solidFill>
+                  <a:schemeClr val="accent2"/>
+                </a:solidFill>
+              </a:rPr>
+              <a:t>CRLF</a:t>
+            </a:r>
+            <a:r>
+              <a:rPr kumimoji="1" lang="ja-JP" altLang="en-US" dirty="0">
+                <a:solidFill>
+                  <a:schemeClr val="accent2"/>
+                </a:solidFill>
+              </a:rPr>
+              <a:t>を</a:t>
+            </a:r>
+            <a:r>
+              <a:rPr kumimoji="1" lang="en-US" altLang="ja-JP" dirty="0">
+                <a:solidFill>
+                  <a:schemeClr val="accent2"/>
+                </a:solidFill>
+              </a:rPr>
+              <a:t>LF</a:t>
+            </a:r>
+            <a:r>
+              <a:rPr kumimoji="1" lang="ja-JP" altLang="en-US" dirty="0">
+                <a:solidFill>
+                  <a:schemeClr val="accent2"/>
+                </a:solidFill>
+              </a:rPr>
+              <a:t>に変換</a:t>
+            </a:r>
+            <a:endParaRPr kumimoji="1" lang="en-US" altLang="ja-JP" dirty="0">
+              <a:solidFill>
+                <a:schemeClr val="accent2"/>
+              </a:solidFill>
+            </a:endParaRPr>
+          </a:p>
+          <a:p>
+            <a:r>
+              <a:rPr kumimoji="1" lang="en-US" altLang="ja-JP" dirty="0">
+                <a:solidFill>
+                  <a:srgbClr val="FFFF00"/>
+                </a:solidFill>
+              </a:rPr>
+              <a:t>git</a:t>
+            </a:r>
+            <a:r>
+              <a:rPr kumimoji="1" lang="en-US" altLang="ja-JP" dirty="0">
+                <a:solidFill>
+                  <a:schemeClr val="accent2"/>
+                </a:solidFill>
+              </a:rPr>
+              <a:t> </a:t>
+            </a:r>
+            <a:r>
+              <a:rPr kumimoji="1" lang="en-US" altLang="ja-JP" dirty="0">
+                <a:solidFill>
+                  <a:schemeClr val="accent4">
+                    <a:lumMod val="60000"/>
+                    <a:lumOff val="40000"/>
+                  </a:schemeClr>
+                </a:solidFill>
+              </a:rPr>
+              <a:t>config </a:t>
+            </a:r>
+            <a:r>
+              <a:rPr kumimoji="1" lang="en-US" altLang="ja-JP" dirty="0">
+                <a:solidFill>
+                  <a:srgbClr val="0070C0"/>
+                </a:solidFill>
+              </a:rPr>
+              <a:t>--global</a:t>
+            </a:r>
+            <a:r>
+              <a:rPr kumimoji="1" lang="en-US" altLang="ja-JP" dirty="0">
+                <a:solidFill>
+                  <a:schemeClr val="accent4">
+                    <a:lumMod val="60000"/>
+                    <a:lumOff val="40000"/>
+                  </a:schemeClr>
+                </a:solidFill>
+              </a:rPr>
+              <a:t> </a:t>
+            </a:r>
+            <a:r>
+              <a:rPr kumimoji="1" lang="en-US" altLang="ja-JP" dirty="0" err="1">
+                <a:solidFill>
+                  <a:schemeClr val="accent4">
+                    <a:lumMod val="60000"/>
+                    <a:lumOff val="40000"/>
+                  </a:schemeClr>
+                </a:solidFill>
+              </a:rPr>
+              <a:t>core.autocrlf</a:t>
+            </a:r>
+            <a:r>
+              <a:rPr kumimoji="1" lang="en-US" altLang="ja-JP" dirty="0">
+                <a:solidFill>
+                  <a:schemeClr val="accent4">
+                    <a:lumMod val="60000"/>
+                    <a:lumOff val="40000"/>
+                  </a:schemeClr>
+                </a:solidFill>
+              </a:rPr>
+              <a:t> </a:t>
+            </a:r>
+            <a:r>
+              <a:rPr kumimoji="1" lang="en-US" altLang="ja-JP" dirty="0">
+                <a:solidFill>
+                  <a:srgbClr val="0070C0"/>
+                </a:solidFill>
+              </a:rPr>
+              <a:t>true</a:t>
+            </a:r>
+          </a:p>
+          <a:p>
+            <a:endParaRPr kumimoji="1" lang="en-US" altLang="ja-JP" dirty="0">
+              <a:solidFill>
+                <a:schemeClr val="accent2"/>
+              </a:solidFill>
+            </a:endParaRPr>
+          </a:p>
+          <a:p>
+            <a:r>
+              <a:rPr kumimoji="1" lang="en-US" altLang="ja-JP" dirty="0">
+                <a:solidFill>
+                  <a:schemeClr val="accent2"/>
+                </a:solidFill>
+              </a:rPr>
+              <a:t># Unix/Linux/macOS</a:t>
+            </a:r>
+            <a:r>
+              <a:rPr kumimoji="1" lang="ja-JP" altLang="en-US" dirty="0">
+                <a:solidFill>
+                  <a:schemeClr val="accent2"/>
+                </a:solidFill>
+              </a:rPr>
+              <a:t>ユーザー向け</a:t>
+            </a:r>
+            <a:r>
+              <a:rPr kumimoji="1" lang="en-US" altLang="ja-JP" dirty="0">
+                <a:solidFill>
+                  <a:schemeClr val="accent2"/>
+                </a:solidFill>
+              </a:rPr>
+              <a:t>: </a:t>
+            </a:r>
+            <a:r>
+              <a:rPr kumimoji="1" lang="ja-JP" altLang="en-US" dirty="0">
+                <a:solidFill>
+                  <a:schemeClr val="accent2"/>
+                </a:solidFill>
+              </a:rPr>
+              <a:t>改行コードの変換を行わない</a:t>
+            </a:r>
+            <a:endParaRPr kumimoji="1" lang="en-US" altLang="ja-JP" dirty="0">
+              <a:solidFill>
+                <a:schemeClr val="accent2"/>
+              </a:solidFill>
+            </a:endParaRPr>
+          </a:p>
+          <a:p>
+            <a:r>
+              <a:rPr kumimoji="1" lang="en-US" altLang="ja-JP" dirty="0">
+                <a:solidFill>
+                  <a:srgbClr val="FFFF00"/>
+                </a:solidFill>
+              </a:rPr>
+              <a:t>git</a:t>
+            </a:r>
+            <a:r>
+              <a:rPr kumimoji="1" lang="en-US" altLang="ja-JP" dirty="0">
+                <a:solidFill>
+                  <a:schemeClr val="accent2"/>
+                </a:solidFill>
+              </a:rPr>
+              <a:t> </a:t>
+            </a:r>
+            <a:r>
+              <a:rPr kumimoji="1" lang="en-US" altLang="ja-JP" dirty="0">
+                <a:solidFill>
+                  <a:schemeClr val="accent4">
+                    <a:lumMod val="60000"/>
+                    <a:lumOff val="40000"/>
+                  </a:schemeClr>
+                </a:solidFill>
+              </a:rPr>
+              <a:t>config </a:t>
+            </a:r>
+            <a:r>
+              <a:rPr kumimoji="1" lang="en-US" altLang="ja-JP" dirty="0">
+                <a:solidFill>
+                  <a:srgbClr val="0070C0"/>
+                </a:solidFill>
+              </a:rPr>
+              <a:t>--global</a:t>
+            </a:r>
+            <a:r>
+              <a:rPr kumimoji="1" lang="en-US" altLang="ja-JP" dirty="0">
+                <a:solidFill>
+                  <a:schemeClr val="accent4">
+                    <a:lumMod val="60000"/>
+                    <a:lumOff val="40000"/>
+                  </a:schemeClr>
+                </a:solidFill>
+              </a:rPr>
+              <a:t> </a:t>
+            </a:r>
+            <a:r>
+              <a:rPr kumimoji="1" lang="en-US" altLang="ja-JP" dirty="0" err="1">
+                <a:solidFill>
+                  <a:schemeClr val="accent4">
+                    <a:lumMod val="60000"/>
+                    <a:lumOff val="40000"/>
+                  </a:schemeClr>
+                </a:solidFill>
+              </a:rPr>
+              <a:t>core.autocrlf</a:t>
+            </a:r>
+            <a:r>
+              <a:rPr kumimoji="1" lang="en-US" altLang="ja-JP" dirty="0">
+                <a:solidFill>
+                  <a:schemeClr val="accent4">
+                    <a:lumMod val="60000"/>
+                    <a:lumOff val="40000"/>
+                  </a:schemeClr>
+                </a:solidFill>
+              </a:rPr>
+              <a:t> input</a:t>
+            </a:r>
+          </a:p>
+          <a:p>
+            <a:endParaRPr kumimoji="1" lang="en-US" altLang="ja-JP" dirty="0">
+              <a:solidFill>
+                <a:schemeClr val="accent2"/>
+              </a:solidFill>
+            </a:endParaRPr>
+          </a:p>
+          <a:p>
+            <a:r>
+              <a:rPr kumimoji="1" lang="en-US" altLang="ja-JP" dirty="0">
+                <a:solidFill>
+                  <a:schemeClr val="accent2"/>
+                </a:solidFill>
+              </a:rPr>
+              <a:t># </a:t>
+            </a:r>
+            <a:r>
+              <a:rPr kumimoji="1" lang="ja-JP" altLang="en-US" dirty="0">
+                <a:solidFill>
+                  <a:schemeClr val="accent2"/>
+                </a:solidFill>
+              </a:rPr>
+              <a:t>改行コードの変換を無効にする（全ての環境で）</a:t>
+            </a:r>
+            <a:endParaRPr kumimoji="1" lang="en-US" altLang="ja-JP" dirty="0">
+              <a:solidFill>
+                <a:schemeClr val="accent2"/>
+              </a:solidFill>
+            </a:endParaRPr>
+          </a:p>
+          <a:p>
+            <a:r>
+              <a:rPr kumimoji="1" lang="en-US" altLang="ja-JP" dirty="0">
+                <a:solidFill>
+                  <a:srgbClr val="FFFF00"/>
+                </a:solidFill>
+              </a:rPr>
+              <a:t>git</a:t>
+            </a:r>
+            <a:r>
+              <a:rPr kumimoji="1" lang="en-US" altLang="ja-JP" dirty="0">
+                <a:solidFill>
+                  <a:schemeClr val="accent2"/>
+                </a:solidFill>
+              </a:rPr>
+              <a:t> </a:t>
+            </a:r>
+            <a:r>
+              <a:rPr kumimoji="1" lang="en-US" altLang="ja-JP" dirty="0">
+                <a:solidFill>
+                  <a:schemeClr val="accent4">
+                    <a:lumMod val="60000"/>
+                    <a:lumOff val="40000"/>
+                  </a:schemeClr>
+                </a:solidFill>
+              </a:rPr>
+              <a:t>config </a:t>
+            </a:r>
+            <a:r>
+              <a:rPr kumimoji="1" lang="en-US" altLang="ja-JP" dirty="0">
+                <a:solidFill>
+                  <a:srgbClr val="0070C0"/>
+                </a:solidFill>
+              </a:rPr>
+              <a:t>--global</a:t>
+            </a:r>
+            <a:r>
+              <a:rPr kumimoji="1" lang="en-US" altLang="ja-JP" dirty="0">
+                <a:solidFill>
+                  <a:schemeClr val="accent4">
+                    <a:lumMod val="60000"/>
+                    <a:lumOff val="40000"/>
+                  </a:schemeClr>
+                </a:solidFill>
+              </a:rPr>
+              <a:t> </a:t>
+            </a:r>
+            <a:r>
+              <a:rPr kumimoji="1" lang="en-US" altLang="ja-JP" dirty="0" err="1">
+                <a:solidFill>
+                  <a:schemeClr val="accent4">
+                    <a:lumMod val="60000"/>
+                    <a:lumOff val="40000"/>
+                  </a:schemeClr>
+                </a:solidFill>
+              </a:rPr>
+              <a:t>core.autocrlf</a:t>
+            </a:r>
+            <a:r>
+              <a:rPr kumimoji="1" lang="en-US" altLang="ja-JP" dirty="0">
+                <a:solidFill>
+                  <a:schemeClr val="accent4">
+                    <a:lumMod val="60000"/>
+                    <a:lumOff val="40000"/>
+                  </a:schemeClr>
+                </a:solidFill>
+              </a:rPr>
+              <a:t> </a:t>
+            </a:r>
+            <a:r>
+              <a:rPr kumimoji="1" lang="en-US" altLang="ja-JP" dirty="0">
+                <a:solidFill>
+                  <a:srgbClr val="0070C0"/>
+                </a:solidFill>
+              </a:rPr>
+              <a:t>false</a:t>
+            </a:r>
+          </a:p>
+        </p:txBody>
+      </p:sp>
+      <p:sp>
+        <p:nvSpPr>
+          <p:cNvPr id="6" name="コンテンツ プレースホルダー 2">
+            <a:extLst>
+              <a:ext uri="{FF2B5EF4-FFF2-40B4-BE49-F238E27FC236}">
+                <a16:creationId xmlns:a16="http://schemas.microsoft.com/office/drawing/2014/main" id="{6A606506-DE65-9019-A91C-BE3CB5C8F6BC}"/>
+              </a:ext>
+            </a:extLst>
+          </p:cNvPr>
+          <p:cNvSpPr>
+            <a:spLocks noGrp="1"/>
+          </p:cNvSpPr>
+          <p:nvPr>
+            <p:ph idx="1"/>
+          </p:nvPr>
+        </p:nvSpPr>
+        <p:spPr>
+          <a:xfrm>
+            <a:off x="905934" y="1207259"/>
+            <a:ext cx="8596668" cy="3880773"/>
+          </a:xfrm>
+        </p:spPr>
+        <p:txBody>
+          <a:bodyPr/>
+          <a:lstStyle/>
+          <a:p>
+            <a:pPr marL="0" indent="0">
+              <a:buNone/>
+            </a:pPr>
+            <a:r>
+              <a:rPr lang="en-US" altLang="ja-JP" b="0" i="0" dirty="0">
+                <a:solidFill>
+                  <a:schemeClr val="tx1"/>
+                </a:solidFill>
+                <a:effectLst/>
+                <a:latin typeface="Segoe WPC"/>
+              </a:rPr>
+              <a:t>Step1.</a:t>
+            </a:r>
+            <a:r>
+              <a:rPr lang="ja-JP" altLang="en-US" b="0" i="0" dirty="0">
+                <a:solidFill>
+                  <a:schemeClr val="tx1"/>
+                </a:solidFill>
+                <a:effectLst/>
+                <a:latin typeface="Segoe WPC"/>
+              </a:rPr>
+              <a:t>　改行コードの自動変換設定</a:t>
+            </a:r>
+            <a:endParaRPr lang="en-US" altLang="ja-JP" b="0" i="0" dirty="0">
+              <a:solidFill>
+                <a:schemeClr val="tx1"/>
+              </a:solidFill>
+              <a:effectLst/>
+              <a:latin typeface="Segoe WPC"/>
+            </a:endParaRPr>
+          </a:p>
+          <a:p>
+            <a:pPr marL="0" indent="0">
+              <a:buNone/>
+            </a:pPr>
+            <a:r>
+              <a:rPr lang="en-US" altLang="ja-JP" b="0" i="0" dirty="0">
+                <a:solidFill>
+                  <a:schemeClr val="tx1"/>
+                </a:solidFill>
+                <a:effectLst/>
+                <a:latin typeface="Segoe WPC"/>
+              </a:rPr>
+              <a:t>Git</a:t>
+            </a:r>
+            <a:r>
+              <a:rPr lang="ja-JP" altLang="en-US" b="0" i="0" dirty="0">
+                <a:solidFill>
+                  <a:schemeClr val="tx1"/>
+                </a:solidFill>
+                <a:effectLst/>
+                <a:latin typeface="Segoe WPC"/>
+              </a:rPr>
+              <a:t>には改行コードの自動変換を管理する設定があります。以下の設定を使用して、改行コードの問題を防ぐことができます</a:t>
+            </a:r>
+            <a:r>
+              <a:rPr lang="ja-JP" altLang="en-US" b="0" i="0" dirty="0">
+                <a:solidFill>
+                  <a:srgbClr val="CCCCCC"/>
+                </a:solidFill>
+                <a:effectLst/>
+                <a:latin typeface="Segoe WPC"/>
+              </a:rPr>
+              <a:t>。</a:t>
+            </a:r>
+            <a:endParaRPr kumimoji="1" lang="ja-JP" altLang="en-US" dirty="0"/>
+          </a:p>
+        </p:txBody>
+      </p:sp>
+    </p:spTree>
+    <p:extLst>
+      <p:ext uri="{BB962C8B-B14F-4D97-AF65-F5344CB8AC3E}">
+        <p14:creationId xmlns:p14="http://schemas.microsoft.com/office/powerpoint/2010/main" val="1410277137"/>
+      </p:ext>
+    </p:extLst>
+  </p:cSld>
+  <p:clrMapOvr>
+    <a:masterClrMapping/>
+  </p:clrMapOvr>
+</p:sld>
+</file>
+
+<file path=ppt/slides/slide17.xml><?xml version="1.0" encoding="utf-8"?>
+<p:sld xmlns:a="http://schemas.openxmlformats.org/drawingml/2006/main" xmlns:r="http://schemas.openxmlformats.org/officeDocument/2006/relationships" xmlns:p="http://schemas.openxmlformats.org/presentationml/2006/main">
+  <p:cSld>
+    <p:spTree>
+      <p:nvGrpSpPr>
+        <p:cNvPr id="1" name=""/>
+        <p:cNvGrpSpPr/>
+        <p:nvPr/>
+      </p:nvGrpSpPr>
+      <p:grpSpPr>
+        <a:xfrm>
+          <a:off x="0" y="0"/>
+          <a:ext cx="0" cy="0"/>
+          <a:chOff x="0" y="0"/>
+          <a:chExt cx="0" cy="0"/>
+        </a:xfrm>
+      </p:grpSpPr>
+      <p:sp>
+        <p:nvSpPr>
+          <p:cNvPr id="2" name="タイトル 1">
+            <a:extLst>
+              <a:ext uri="{FF2B5EF4-FFF2-40B4-BE49-F238E27FC236}">
+                <a16:creationId xmlns:a16="http://schemas.microsoft.com/office/drawing/2014/main" id="{E3771F56-6A7A-2543-4B44-5F0839E817A0}"/>
+              </a:ext>
+            </a:extLst>
+          </p:cNvPr>
+          <p:cNvSpPr>
+            <a:spLocks noGrp="1"/>
+          </p:cNvSpPr>
+          <p:nvPr>
+            <p:ph type="title"/>
+          </p:nvPr>
+        </p:nvSpPr>
+        <p:spPr/>
+        <p:txBody>
+          <a:bodyPr>
+            <a:normAutofit/>
+          </a:bodyPr>
+          <a:lstStyle/>
+          <a:p>
+            <a:r>
+              <a:rPr lang="en-US" altLang="ja-JP" sz="2800" dirty="0"/>
+              <a:t>【</a:t>
+            </a:r>
+            <a:r>
+              <a:rPr lang="ja-JP" altLang="en-US" sz="2800" dirty="0"/>
+              <a:t>事例３</a:t>
+            </a:r>
+            <a:r>
+              <a:rPr lang="en-US" altLang="ja-JP" sz="2800" dirty="0"/>
+              <a:t>】</a:t>
+            </a:r>
+            <a:r>
+              <a:rPr lang="ja-JP" altLang="en-US" sz="2800" dirty="0"/>
+              <a:t>改行コードの自動変換設定ミス</a:t>
+            </a:r>
+            <a:endParaRPr kumimoji="1" lang="ja-JP" altLang="en-US" sz="2800" dirty="0"/>
+          </a:p>
+        </p:txBody>
+      </p:sp>
+      <p:sp>
+        <p:nvSpPr>
+          <p:cNvPr id="5" name="テキスト ボックス 4">
+            <a:extLst>
+              <a:ext uri="{FF2B5EF4-FFF2-40B4-BE49-F238E27FC236}">
+                <a16:creationId xmlns:a16="http://schemas.microsoft.com/office/drawing/2014/main" id="{40BF0E50-AFEA-120C-CC2F-23BFDFD250A7}"/>
+              </a:ext>
+            </a:extLst>
+          </p:cNvPr>
+          <p:cNvSpPr txBox="1"/>
+          <p:nvPr/>
+        </p:nvSpPr>
+        <p:spPr>
+          <a:xfrm>
+            <a:off x="993531" y="2282093"/>
+            <a:ext cx="8509071" cy="1754326"/>
+          </a:xfrm>
+          <a:prstGeom prst="rect">
+            <a:avLst/>
+          </a:prstGeom>
+          <a:solidFill>
+            <a:schemeClr val="tx1"/>
+          </a:solidFill>
+        </p:spPr>
+        <p:txBody>
+          <a:bodyPr wrap="square" rtlCol="0">
+            <a:spAutoFit/>
+          </a:bodyPr>
+          <a:lstStyle/>
+          <a:p>
+            <a:r>
+              <a:rPr kumimoji="1" lang="en-US" altLang="ja-JP" dirty="0">
+                <a:solidFill>
+                  <a:schemeClr val="accent2"/>
+                </a:solidFill>
+              </a:rPr>
+              <a:t># </a:t>
+            </a:r>
+            <a:r>
+              <a:rPr kumimoji="1" lang="ja-JP" altLang="en-US" dirty="0">
+                <a:solidFill>
+                  <a:schemeClr val="accent2"/>
+                </a:solidFill>
+              </a:rPr>
+              <a:t>すべてのテキストファイルを</a:t>
+            </a:r>
+            <a:r>
+              <a:rPr kumimoji="1" lang="en-US" altLang="ja-JP" dirty="0">
+                <a:solidFill>
+                  <a:schemeClr val="accent2"/>
+                </a:solidFill>
+              </a:rPr>
+              <a:t>LF</a:t>
+            </a:r>
+            <a:r>
+              <a:rPr kumimoji="1" lang="ja-JP" altLang="en-US" dirty="0">
+                <a:solidFill>
+                  <a:schemeClr val="accent2"/>
+                </a:solidFill>
+              </a:rPr>
+              <a:t>に統一</a:t>
+            </a:r>
+          </a:p>
+          <a:p>
+            <a:r>
+              <a:rPr kumimoji="1" lang="ja-JP" altLang="en-US" dirty="0">
+                <a:solidFill>
+                  <a:schemeClr val="bg1"/>
+                </a:solidFill>
+              </a:rPr>
+              <a:t>* </a:t>
+            </a:r>
+            <a:r>
+              <a:rPr kumimoji="1" lang="en-US" altLang="ja-JP" dirty="0">
+                <a:solidFill>
+                  <a:schemeClr val="bg1"/>
+                </a:solidFill>
+              </a:rPr>
+              <a:t>text=auto</a:t>
+            </a:r>
+          </a:p>
+          <a:p>
+            <a:endParaRPr kumimoji="1" lang="en-US" altLang="ja-JP" dirty="0">
+              <a:solidFill>
+                <a:schemeClr val="accent2"/>
+              </a:solidFill>
+            </a:endParaRPr>
+          </a:p>
+          <a:p>
+            <a:r>
+              <a:rPr kumimoji="1" lang="en-US" altLang="ja-JP" dirty="0">
+                <a:solidFill>
+                  <a:schemeClr val="accent2"/>
+                </a:solidFill>
+              </a:rPr>
+              <a:t># </a:t>
+            </a:r>
+            <a:r>
+              <a:rPr kumimoji="1" lang="ja-JP" altLang="en-US" dirty="0">
+                <a:solidFill>
+                  <a:schemeClr val="accent2"/>
+                </a:solidFill>
+              </a:rPr>
+              <a:t>特定のファイルタイプを</a:t>
+            </a:r>
+            <a:r>
+              <a:rPr kumimoji="1" lang="en-US" altLang="ja-JP" dirty="0">
+                <a:solidFill>
+                  <a:schemeClr val="accent2"/>
+                </a:solidFill>
+              </a:rPr>
+              <a:t>CRLF</a:t>
+            </a:r>
+            <a:r>
+              <a:rPr kumimoji="1" lang="ja-JP" altLang="en-US" dirty="0">
+                <a:solidFill>
+                  <a:schemeClr val="accent2"/>
+                </a:solidFill>
+              </a:rPr>
+              <a:t>に統一</a:t>
+            </a:r>
+          </a:p>
+          <a:p>
+            <a:r>
+              <a:rPr kumimoji="1" lang="ja-JP" altLang="en-US" dirty="0">
+                <a:solidFill>
+                  <a:schemeClr val="bg1"/>
+                </a:solidFill>
+              </a:rPr>
+              <a:t>*</a:t>
+            </a:r>
+            <a:r>
+              <a:rPr kumimoji="1" lang="en-US" altLang="ja-JP" dirty="0">
+                <a:solidFill>
+                  <a:schemeClr val="bg1"/>
+                </a:solidFill>
+              </a:rPr>
+              <a:t>.bat text </a:t>
+            </a:r>
+            <a:r>
+              <a:rPr kumimoji="1" lang="en-US" altLang="ja-JP" dirty="0" err="1">
+                <a:solidFill>
+                  <a:schemeClr val="bg1"/>
+                </a:solidFill>
+              </a:rPr>
+              <a:t>eol</a:t>
+            </a:r>
+            <a:r>
+              <a:rPr kumimoji="1" lang="en-US" altLang="ja-JP" dirty="0">
+                <a:solidFill>
+                  <a:schemeClr val="bg1"/>
+                </a:solidFill>
+              </a:rPr>
+              <a:t>=</a:t>
+            </a:r>
+            <a:r>
+              <a:rPr kumimoji="1" lang="en-US" altLang="ja-JP" dirty="0" err="1">
+                <a:solidFill>
+                  <a:schemeClr val="bg1"/>
+                </a:solidFill>
+              </a:rPr>
+              <a:t>crlf</a:t>
+            </a:r>
+            <a:endParaRPr kumimoji="1" lang="en-US" altLang="ja-JP" dirty="0">
+              <a:solidFill>
+                <a:schemeClr val="bg1"/>
+              </a:solidFill>
+            </a:endParaRPr>
+          </a:p>
+          <a:p>
+            <a:r>
+              <a:rPr kumimoji="1" lang="en-US" altLang="ja-JP" dirty="0">
+                <a:solidFill>
+                  <a:schemeClr val="bg1"/>
+                </a:solidFill>
+              </a:rPr>
+              <a:t>*.</a:t>
+            </a:r>
+            <a:r>
+              <a:rPr kumimoji="1" lang="en-US" altLang="ja-JP" dirty="0" err="1">
+                <a:solidFill>
+                  <a:schemeClr val="bg1"/>
+                </a:solidFill>
+              </a:rPr>
+              <a:t>sh</a:t>
+            </a:r>
+            <a:r>
+              <a:rPr kumimoji="1" lang="en-US" altLang="ja-JP" dirty="0">
+                <a:solidFill>
+                  <a:schemeClr val="bg1"/>
+                </a:solidFill>
+              </a:rPr>
+              <a:t> text </a:t>
+            </a:r>
+            <a:r>
+              <a:rPr kumimoji="1" lang="en-US" altLang="ja-JP" dirty="0" err="1">
+                <a:solidFill>
+                  <a:schemeClr val="bg1"/>
+                </a:solidFill>
+              </a:rPr>
+              <a:t>eol</a:t>
+            </a:r>
+            <a:r>
+              <a:rPr kumimoji="1" lang="en-US" altLang="ja-JP" dirty="0">
+                <a:solidFill>
+                  <a:schemeClr val="bg1"/>
+                </a:solidFill>
+              </a:rPr>
+              <a:t>=</a:t>
+            </a:r>
+            <a:r>
+              <a:rPr kumimoji="1" lang="en-US" altLang="ja-JP" dirty="0" err="1">
+                <a:solidFill>
+                  <a:schemeClr val="bg1"/>
+                </a:solidFill>
+              </a:rPr>
+              <a:t>lf</a:t>
+            </a:r>
+            <a:endParaRPr kumimoji="1" lang="en-US" altLang="ja-JP" dirty="0">
+              <a:solidFill>
+                <a:schemeClr val="bg1"/>
+              </a:solidFill>
+            </a:endParaRPr>
+          </a:p>
+        </p:txBody>
+      </p:sp>
+      <p:sp>
+        <p:nvSpPr>
+          <p:cNvPr id="6" name="コンテンツ プレースホルダー 2">
+            <a:extLst>
+              <a:ext uri="{FF2B5EF4-FFF2-40B4-BE49-F238E27FC236}">
+                <a16:creationId xmlns:a16="http://schemas.microsoft.com/office/drawing/2014/main" id="{6A606506-DE65-9019-A91C-BE3CB5C8F6BC}"/>
+              </a:ext>
+            </a:extLst>
+          </p:cNvPr>
+          <p:cNvSpPr>
+            <a:spLocks noGrp="1"/>
+          </p:cNvSpPr>
+          <p:nvPr>
+            <p:ph idx="1"/>
+          </p:nvPr>
+        </p:nvSpPr>
+        <p:spPr>
+          <a:xfrm>
+            <a:off x="905934" y="1107831"/>
+            <a:ext cx="8596668" cy="998415"/>
+          </a:xfrm>
+        </p:spPr>
+        <p:txBody>
+          <a:bodyPr>
+            <a:normAutofit lnSpcReduction="10000"/>
+          </a:bodyPr>
+          <a:lstStyle/>
+          <a:p>
+            <a:pPr marL="0" indent="0">
+              <a:buNone/>
+            </a:pPr>
+            <a:r>
+              <a:rPr lang="en-US" altLang="ja-JP" dirty="0"/>
+              <a:t>Step2.</a:t>
+            </a:r>
+            <a:r>
+              <a:rPr lang="ja-JP" altLang="en-US" dirty="0"/>
+              <a:t>　</a:t>
+            </a:r>
+            <a:r>
+              <a:rPr lang="en-US" altLang="ja-JP" dirty="0"/>
+              <a:t>.</a:t>
+            </a:r>
+            <a:r>
+              <a:rPr lang="en-US" altLang="ja-JP" dirty="0" err="1"/>
+              <a:t>gitattributes</a:t>
+            </a:r>
+            <a:r>
+              <a:rPr lang="ja-JP" altLang="en-US" dirty="0"/>
+              <a:t>ファイルの使用</a:t>
+            </a:r>
+            <a:endParaRPr lang="en-US" altLang="ja-JP" dirty="0"/>
+          </a:p>
+          <a:p>
+            <a:pPr marL="0" indent="0">
+              <a:buNone/>
+            </a:pPr>
+            <a:r>
+              <a:rPr lang="ja-JP" altLang="en-US" dirty="0"/>
+              <a:t>リポジトリ内で改行コードを統一するために</a:t>
+            </a:r>
+            <a:r>
+              <a:rPr lang="en-US" altLang="ja-JP" dirty="0"/>
+              <a:t>.</a:t>
+            </a:r>
+            <a:r>
+              <a:rPr lang="en-US" altLang="ja-JP" dirty="0" err="1"/>
+              <a:t>gitattributes</a:t>
+            </a:r>
+            <a:r>
+              <a:rPr lang="ja-JP" altLang="en-US" dirty="0"/>
+              <a:t>ファイルを使用することができます。このファイルに改行コードの設定を記述します。</a:t>
+            </a:r>
+            <a:endParaRPr kumimoji="1" lang="ja-JP" altLang="en-US" dirty="0"/>
+          </a:p>
+        </p:txBody>
+      </p:sp>
+    </p:spTree>
+    <p:extLst>
+      <p:ext uri="{BB962C8B-B14F-4D97-AF65-F5344CB8AC3E}">
+        <p14:creationId xmlns:p14="http://schemas.microsoft.com/office/powerpoint/2010/main" val="676949819"/>
+      </p:ext>
+    </p:extLst>
+  </p:cSld>
+  <p:clrMapOvr>
+    <a:masterClrMapping/>
+  </p:clrMapOvr>
+</p:sld>
+</file>
+
+<file path=ppt/slides/slide18.xml><?xml version="1.0" encoding="utf-8"?>
+<p:sld xmlns:a="http://schemas.openxmlformats.org/drawingml/2006/main" xmlns:r="http://schemas.openxmlformats.org/officeDocument/2006/relationships" xmlns:p="http://schemas.openxmlformats.org/presentationml/2006/main">
+  <p:cSld>
+    <p:spTree>
+      <p:nvGrpSpPr>
+        <p:cNvPr id="1" name=""/>
+        <p:cNvGrpSpPr/>
+        <p:nvPr/>
+      </p:nvGrpSpPr>
+      <p:grpSpPr>
+        <a:xfrm>
+          <a:off x="0" y="0"/>
+          <a:ext cx="0" cy="0"/>
+          <a:chOff x="0" y="0"/>
+          <a:chExt cx="0" cy="0"/>
+        </a:xfrm>
+      </p:grpSpPr>
+      <p:sp>
+        <p:nvSpPr>
+          <p:cNvPr id="2" name="タイトル 1">
+            <a:extLst>
+              <a:ext uri="{FF2B5EF4-FFF2-40B4-BE49-F238E27FC236}">
+                <a16:creationId xmlns:a16="http://schemas.microsoft.com/office/drawing/2014/main" id="{E3771F56-6A7A-2543-4B44-5F0839E817A0}"/>
+              </a:ext>
+            </a:extLst>
+          </p:cNvPr>
+          <p:cNvSpPr>
+            <a:spLocks noGrp="1"/>
+          </p:cNvSpPr>
+          <p:nvPr>
+            <p:ph type="title"/>
+          </p:nvPr>
+        </p:nvSpPr>
+        <p:spPr/>
+        <p:txBody>
+          <a:bodyPr>
+            <a:normAutofit/>
+          </a:bodyPr>
+          <a:lstStyle/>
+          <a:p>
+            <a:r>
+              <a:rPr lang="en-US" altLang="ja-JP" sz="2800" dirty="0"/>
+              <a:t>【</a:t>
+            </a:r>
+            <a:r>
+              <a:rPr lang="ja-JP" altLang="en-US" sz="2800" dirty="0"/>
+              <a:t>事例３</a:t>
+            </a:r>
+            <a:r>
+              <a:rPr lang="en-US" altLang="ja-JP" sz="2800" dirty="0"/>
+              <a:t>】</a:t>
+            </a:r>
+            <a:r>
+              <a:rPr lang="ja-JP" altLang="en-US" sz="2800" dirty="0"/>
+              <a:t>改行コードの自動変換設定ミス</a:t>
+            </a:r>
+            <a:endParaRPr kumimoji="1" lang="ja-JP" altLang="en-US" sz="2800" dirty="0"/>
+          </a:p>
+        </p:txBody>
+      </p:sp>
+      <p:sp>
+        <p:nvSpPr>
+          <p:cNvPr id="5" name="テキスト ボックス 4">
+            <a:extLst>
+              <a:ext uri="{FF2B5EF4-FFF2-40B4-BE49-F238E27FC236}">
+                <a16:creationId xmlns:a16="http://schemas.microsoft.com/office/drawing/2014/main" id="{40BF0E50-AFEA-120C-CC2F-23BFDFD250A7}"/>
+              </a:ext>
+            </a:extLst>
+          </p:cNvPr>
+          <p:cNvSpPr txBox="1"/>
+          <p:nvPr/>
+        </p:nvSpPr>
+        <p:spPr>
+          <a:xfrm>
+            <a:off x="905934" y="3012356"/>
+            <a:ext cx="8509071" cy="1477328"/>
+          </a:xfrm>
+          <a:prstGeom prst="rect">
+            <a:avLst/>
+          </a:prstGeom>
+          <a:solidFill>
+            <a:schemeClr val="tx1"/>
+          </a:solidFill>
+        </p:spPr>
+        <p:txBody>
+          <a:bodyPr wrap="square" rtlCol="0">
+            <a:spAutoFit/>
+          </a:bodyPr>
+          <a:lstStyle/>
+          <a:p>
+            <a:r>
+              <a:rPr lang="en-US" altLang="ja-JP" b="0" dirty="0">
+                <a:solidFill>
+                  <a:srgbClr val="6A9955"/>
+                </a:solidFill>
+                <a:effectLst/>
+                <a:latin typeface="Consolas" panose="020B0609020204030204" pitchFamily="49" charset="0"/>
+              </a:rPr>
+              <a:t># LF</a:t>
+            </a:r>
+            <a:r>
+              <a:rPr lang="ja-JP" altLang="en-US" b="0" dirty="0">
+                <a:solidFill>
+                  <a:srgbClr val="6A9955"/>
+                </a:solidFill>
+                <a:effectLst/>
+                <a:latin typeface="Consolas" panose="020B0609020204030204" pitchFamily="49" charset="0"/>
+              </a:rPr>
+              <a:t>を</a:t>
+            </a:r>
+            <a:r>
+              <a:rPr lang="en-US" altLang="ja-JP" b="0" dirty="0">
+                <a:solidFill>
+                  <a:srgbClr val="6A9955"/>
+                </a:solidFill>
+                <a:effectLst/>
+                <a:latin typeface="Consolas" panose="020B0609020204030204" pitchFamily="49" charset="0"/>
+              </a:rPr>
+              <a:t>CRLF</a:t>
+            </a:r>
+            <a:r>
+              <a:rPr lang="ja-JP" altLang="en-US" b="0" dirty="0">
+                <a:solidFill>
+                  <a:srgbClr val="6A9955"/>
+                </a:solidFill>
+                <a:effectLst/>
+                <a:latin typeface="Consolas" panose="020B0609020204030204" pitchFamily="49" charset="0"/>
+              </a:rPr>
+              <a:t>に変換</a:t>
+            </a:r>
+            <a:endParaRPr lang="ja-JP" altLang="en-US" b="0" dirty="0">
+              <a:solidFill>
+                <a:srgbClr val="D4D4D4"/>
+              </a:solidFill>
+              <a:effectLst/>
+              <a:latin typeface="Consolas" panose="020B0609020204030204" pitchFamily="49" charset="0"/>
+            </a:endParaRPr>
+          </a:p>
+          <a:p>
+            <a:r>
+              <a:rPr lang="en-US" altLang="ja-JP" b="0" dirty="0">
+                <a:solidFill>
+                  <a:srgbClr val="DCDCAA"/>
+                </a:solidFill>
+                <a:effectLst/>
+                <a:latin typeface="Consolas" panose="020B0609020204030204" pitchFamily="49" charset="0"/>
+              </a:rPr>
+              <a:t>unix2dos</a:t>
+            </a:r>
+            <a:r>
+              <a:rPr lang="ja-JP" altLang="en-US" b="0" dirty="0">
+                <a:solidFill>
+                  <a:srgbClr val="D4D4D4"/>
+                </a:solidFill>
+                <a:effectLst/>
+                <a:latin typeface="Consolas" panose="020B0609020204030204" pitchFamily="49" charset="0"/>
+              </a:rPr>
+              <a:t> </a:t>
+            </a:r>
+            <a:r>
+              <a:rPr lang="ja-JP" altLang="en-US" b="0" dirty="0">
+                <a:solidFill>
+                  <a:srgbClr val="CE9178"/>
+                </a:solidFill>
+                <a:effectLst/>
+                <a:latin typeface="Consolas" panose="020B0609020204030204" pitchFamily="49" charset="0"/>
+              </a:rPr>
+              <a:t>ファイル名</a:t>
+            </a:r>
+            <a:endParaRPr lang="ja-JP" altLang="en-US" b="0" dirty="0">
+              <a:solidFill>
+                <a:srgbClr val="D4D4D4"/>
+              </a:solidFill>
+              <a:effectLst/>
+              <a:latin typeface="Consolas" panose="020B0609020204030204" pitchFamily="49" charset="0"/>
+            </a:endParaRPr>
+          </a:p>
+          <a:p>
+            <a:br>
+              <a:rPr lang="ja-JP" altLang="en-US" b="0" dirty="0">
+                <a:solidFill>
+                  <a:srgbClr val="D4D4D4"/>
+                </a:solidFill>
+                <a:effectLst/>
+                <a:latin typeface="Consolas" panose="020B0609020204030204" pitchFamily="49" charset="0"/>
+              </a:rPr>
+            </a:br>
+            <a:r>
+              <a:rPr lang="en-US" altLang="ja-JP" b="0" dirty="0">
+                <a:solidFill>
+                  <a:srgbClr val="6A9955"/>
+                </a:solidFill>
+                <a:effectLst/>
+                <a:latin typeface="Consolas" panose="020B0609020204030204" pitchFamily="49" charset="0"/>
+              </a:rPr>
+              <a:t># CRLF</a:t>
+            </a:r>
+            <a:r>
+              <a:rPr lang="ja-JP" altLang="en-US" b="0" dirty="0">
+                <a:solidFill>
+                  <a:srgbClr val="6A9955"/>
+                </a:solidFill>
+                <a:effectLst/>
+                <a:latin typeface="Consolas" panose="020B0609020204030204" pitchFamily="49" charset="0"/>
+              </a:rPr>
+              <a:t>を</a:t>
+            </a:r>
+            <a:r>
+              <a:rPr lang="en-US" altLang="ja-JP" b="0" dirty="0">
+                <a:solidFill>
+                  <a:srgbClr val="6A9955"/>
+                </a:solidFill>
+                <a:effectLst/>
+                <a:latin typeface="Consolas" panose="020B0609020204030204" pitchFamily="49" charset="0"/>
+              </a:rPr>
+              <a:t>LF</a:t>
+            </a:r>
+            <a:r>
+              <a:rPr lang="ja-JP" altLang="en-US" b="0" dirty="0">
+                <a:solidFill>
+                  <a:srgbClr val="6A9955"/>
+                </a:solidFill>
+                <a:effectLst/>
+                <a:latin typeface="Consolas" panose="020B0609020204030204" pitchFamily="49" charset="0"/>
+              </a:rPr>
+              <a:t>に変換</a:t>
+            </a:r>
+            <a:endParaRPr lang="ja-JP" altLang="en-US" b="0" dirty="0">
+              <a:solidFill>
+                <a:srgbClr val="D4D4D4"/>
+              </a:solidFill>
+              <a:effectLst/>
+              <a:latin typeface="Consolas" panose="020B0609020204030204" pitchFamily="49" charset="0"/>
+            </a:endParaRPr>
+          </a:p>
+          <a:p>
+            <a:r>
+              <a:rPr lang="en-US" altLang="ja-JP" b="0" dirty="0">
+                <a:solidFill>
+                  <a:srgbClr val="DCDCAA"/>
+                </a:solidFill>
+                <a:effectLst/>
+                <a:latin typeface="Consolas" panose="020B0609020204030204" pitchFamily="49" charset="0"/>
+              </a:rPr>
+              <a:t>dos2unix</a:t>
+            </a:r>
+            <a:r>
+              <a:rPr lang="ja-JP" altLang="en-US" b="0" dirty="0">
+                <a:solidFill>
+                  <a:srgbClr val="D4D4D4"/>
+                </a:solidFill>
+                <a:effectLst/>
+                <a:latin typeface="Consolas" panose="020B0609020204030204" pitchFamily="49" charset="0"/>
+              </a:rPr>
+              <a:t> </a:t>
+            </a:r>
+            <a:r>
+              <a:rPr lang="ja-JP" altLang="en-US" b="0" dirty="0">
+                <a:solidFill>
+                  <a:srgbClr val="CE9178"/>
+                </a:solidFill>
+                <a:effectLst/>
+                <a:latin typeface="Consolas" panose="020B0609020204030204" pitchFamily="49" charset="0"/>
+              </a:rPr>
+              <a:t>ファイル名</a:t>
+            </a:r>
+            <a:endParaRPr lang="ja-JP" altLang="en-US" b="0" dirty="0">
+              <a:solidFill>
+                <a:srgbClr val="D4D4D4"/>
+              </a:solidFill>
+              <a:effectLst/>
+              <a:latin typeface="Consolas" panose="020B0609020204030204" pitchFamily="49" charset="0"/>
+            </a:endParaRPr>
+          </a:p>
+        </p:txBody>
+      </p:sp>
+      <p:sp>
+        <p:nvSpPr>
+          <p:cNvPr id="6" name="コンテンツ プレースホルダー 2">
+            <a:extLst>
+              <a:ext uri="{FF2B5EF4-FFF2-40B4-BE49-F238E27FC236}">
+                <a16:creationId xmlns:a16="http://schemas.microsoft.com/office/drawing/2014/main" id="{6A606506-DE65-9019-A91C-BE3CB5C8F6BC}"/>
+              </a:ext>
+            </a:extLst>
+          </p:cNvPr>
+          <p:cNvSpPr>
+            <a:spLocks noGrp="1"/>
+          </p:cNvSpPr>
+          <p:nvPr>
+            <p:ph idx="1"/>
+          </p:nvPr>
+        </p:nvSpPr>
+        <p:spPr>
+          <a:xfrm>
+            <a:off x="905934" y="1158265"/>
+            <a:ext cx="8596668" cy="1892665"/>
+          </a:xfrm>
+        </p:spPr>
+        <p:txBody>
+          <a:bodyPr>
+            <a:normAutofit fontScale="92500" lnSpcReduction="20000"/>
+          </a:bodyPr>
+          <a:lstStyle/>
+          <a:p>
+            <a:pPr marL="0" indent="0">
+              <a:buNone/>
+            </a:pPr>
+            <a:r>
+              <a:rPr kumimoji="1" lang="en-US" altLang="ja-JP" dirty="0"/>
+              <a:t>Step3.</a:t>
+            </a:r>
+            <a:r>
+              <a:rPr kumimoji="1" lang="ja-JP" altLang="en-US" dirty="0"/>
+              <a:t>　改行コードの確認と修正</a:t>
+            </a:r>
+            <a:endParaRPr kumimoji="1" lang="en-US" altLang="ja-JP" dirty="0"/>
+          </a:p>
+          <a:p>
+            <a:pPr>
+              <a:buFont typeface="+mj-lt"/>
+              <a:buAutoNum type="arabicPeriod"/>
+            </a:pPr>
+            <a:r>
+              <a:rPr kumimoji="1" lang="ja-JP" altLang="en-US" dirty="0"/>
+              <a:t>改行コードの確認</a:t>
+            </a:r>
+            <a:endParaRPr kumimoji="1" lang="en-US" altLang="ja-JP" dirty="0"/>
+          </a:p>
+          <a:p>
+            <a:pPr marL="400050" lvl="1" indent="0">
+              <a:buNone/>
+            </a:pPr>
+            <a:r>
+              <a:rPr lang="ja-JP" altLang="en-US" dirty="0"/>
+              <a:t>テキストエディタやコマンドラインツールを使用して、ファイルの改行コードを確認します。</a:t>
+            </a:r>
+            <a:endParaRPr lang="en-US" altLang="ja-JP" dirty="0"/>
+          </a:p>
+          <a:p>
+            <a:pPr>
+              <a:buFont typeface="+mj-lt"/>
+              <a:buAutoNum type="arabicPeriod"/>
+            </a:pPr>
+            <a:r>
+              <a:rPr kumimoji="1" lang="ja-JP" altLang="en-US" dirty="0"/>
+              <a:t>改行コードの修正</a:t>
+            </a:r>
+            <a:endParaRPr kumimoji="1" lang="en-US" altLang="ja-JP" dirty="0"/>
+          </a:p>
+          <a:p>
+            <a:pPr marL="400050" lvl="1" indent="0">
+              <a:buNone/>
+            </a:pPr>
+            <a:r>
+              <a:rPr kumimoji="1" lang="ja-JP" altLang="en-US" dirty="0"/>
+              <a:t>テキストエディタで改行コードを統一するか、以下のコマンドを使用して改行コードを変換します。</a:t>
+            </a:r>
+            <a:endParaRPr kumimoji="1" lang="en-US" altLang="ja-JP" dirty="0"/>
+          </a:p>
+        </p:txBody>
+      </p:sp>
+      <p:sp>
+        <p:nvSpPr>
+          <p:cNvPr id="7" name="コンテンツ プレースホルダー 2">
+            <a:extLst>
+              <a:ext uri="{FF2B5EF4-FFF2-40B4-BE49-F238E27FC236}">
+                <a16:creationId xmlns:a16="http://schemas.microsoft.com/office/drawing/2014/main" id="{FA36D72C-CA70-A6C8-7BAC-6788A9DF31FC}"/>
+              </a:ext>
+            </a:extLst>
+          </p:cNvPr>
+          <p:cNvSpPr txBox="1">
+            <a:spLocks/>
+          </p:cNvSpPr>
+          <p:nvPr/>
+        </p:nvSpPr>
+        <p:spPr>
+          <a:xfrm>
+            <a:off x="905934" y="4536356"/>
+            <a:ext cx="8596668" cy="368665"/>
+          </a:xfrm>
+          <a:prstGeom prst="rect">
+            <a:avLst/>
+          </a:prstGeom>
+        </p:spPr>
+        <p:txBody>
+          <a:bodyPr vert="horz" lIns="91440" tIns="45720" rIns="91440" bIns="45720" rtlCol="0">
+            <a:normAutofit/>
+          </a:bodyPr>
+          <a:lstStyle>
+            <a:lvl1pPr marL="342900" indent="-342900" algn="l" defTabSz="457200" rtl="0" eaLnBrk="1" latinLnBrk="0" hangingPunct="1">
+              <a:spcBef>
+                <a:spcPts val="1000"/>
+              </a:spcBef>
+              <a:spcAft>
+                <a:spcPts val="0"/>
+              </a:spcAft>
+              <a:buClr>
+                <a:schemeClr val="accent1"/>
+              </a:buClr>
+              <a:buSzPct val="80000"/>
+              <a:buFont typeface="Wingdings 3" charset="2"/>
+              <a:buChar char=""/>
+              <a:defRPr kumimoji="1" sz="1800" kern="1200">
+                <a:solidFill>
+                  <a:schemeClr val="tx1">
+                    <a:lumMod val="75000"/>
+                    <a:lumOff val="25000"/>
+                  </a:schemeClr>
+                </a:solidFill>
+                <a:latin typeface="+mn-lt"/>
+                <a:ea typeface="+mn-ea"/>
+                <a:cs typeface="+mn-cs"/>
+              </a:defRPr>
+            </a:lvl1pPr>
+            <a:lvl2pPr marL="742950" indent="-285750" algn="l" defTabSz="457200" rtl="0" eaLnBrk="1" latinLnBrk="0" hangingPunct="1">
+              <a:spcBef>
+                <a:spcPts val="1000"/>
+              </a:spcBef>
+              <a:spcAft>
+                <a:spcPts val="0"/>
+              </a:spcAft>
+              <a:buClr>
+                <a:schemeClr val="accent1"/>
+              </a:buClr>
+              <a:buSzPct val="80000"/>
+              <a:buFont typeface="Wingdings 3" charset="2"/>
+              <a:buChar char=""/>
+              <a:defRPr kumimoji="1" sz="1600" kern="1200">
+                <a:solidFill>
+                  <a:schemeClr val="tx1">
+                    <a:lumMod val="75000"/>
+                    <a:lumOff val="25000"/>
+                  </a:schemeClr>
+                </a:solidFill>
+                <a:latin typeface="+mn-lt"/>
+                <a:ea typeface="+mn-ea"/>
+                <a:cs typeface="+mn-cs"/>
+              </a:defRPr>
+            </a:lvl2pPr>
+            <a:lvl3pPr marL="1143000" indent="-228600" algn="l" defTabSz="457200" rtl="0" eaLnBrk="1" latinLnBrk="0" hangingPunct="1">
+              <a:spcBef>
+                <a:spcPts val="1000"/>
+              </a:spcBef>
+              <a:spcAft>
+                <a:spcPts val="0"/>
+              </a:spcAft>
+              <a:buClr>
+                <a:schemeClr val="accent1"/>
+              </a:buClr>
+              <a:buSzPct val="80000"/>
+              <a:buFont typeface="Wingdings 3" charset="2"/>
+              <a:buChar char=""/>
+              <a:defRPr kumimoji="1" sz="1400" kern="1200">
+                <a:solidFill>
+                  <a:schemeClr val="tx1">
+                    <a:lumMod val="75000"/>
+                    <a:lumOff val="25000"/>
+                  </a:schemeClr>
+                </a:solidFill>
+                <a:latin typeface="+mn-lt"/>
+                <a:ea typeface="+mn-ea"/>
+                <a:cs typeface="+mn-cs"/>
+              </a:defRPr>
+            </a:lvl3pPr>
+            <a:lvl4pPr marL="1600200" indent="-228600" algn="l" defTabSz="457200" rtl="0" eaLnBrk="1" latinLnBrk="0" hangingPunct="1">
+              <a:spcBef>
+                <a:spcPts val="1000"/>
+              </a:spcBef>
+              <a:spcAft>
+                <a:spcPts val="0"/>
+              </a:spcAft>
+              <a:buClr>
+                <a:schemeClr val="accent1"/>
+              </a:buClr>
+              <a:buSzPct val="80000"/>
+              <a:buFont typeface="Wingdings 3" charset="2"/>
+              <a:buChar char=""/>
+              <a:defRPr kumimoji="1" sz="1200" kern="1200">
+                <a:solidFill>
+                  <a:schemeClr val="tx1">
+                    <a:lumMod val="75000"/>
+                    <a:lumOff val="25000"/>
+                  </a:schemeClr>
+                </a:solidFill>
+                <a:latin typeface="+mn-lt"/>
+                <a:ea typeface="+mn-ea"/>
+                <a:cs typeface="+mn-cs"/>
+              </a:defRPr>
+            </a:lvl4pPr>
+            <a:lvl5pPr marL="2057400" indent="-228600" algn="l" defTabSz="457200" rtl="0" eaLnBrk="1" latinLnBrk="0" hangingPunct="1">
+              <a:spcBef>
+                <a:spcPts val="1000"/>
+              </a:spcBef>
+              <a:spcAft>
+                <a:spcPts val="0"/>
+              </a:spcAft>
+              <a:buClr>
+                <a:schemeClr val="accent1"/>
+              </a:buClr>
+              <a:buSzPct val="80000"/>
+              <a:buFont typeface="Wingdings 3" charset="2"/>
+              <a:buChar char=""/>
+              <a:defRPr kumimoji="1" sz="1200" kern="1200">
+                <a:solidFill>
+                  <a:schemeClr val="tx1">
+                    <a:lumMod val="75000"/>
+                    <a:lumOff val="25000"/>
+                  </a:schemeClr>
+                </a:solidFill>
+                <a:latin typeface="+mn-lt"/>
+                <a:ea typeface="+mn-ea"/>
+                <a:cs typeface="+mn-cs"/>
+              </a:defRPr>
+            </a:lvl5pPr>
+            <a:lvl6pPr marL="2514600" indent="-228600" algn="l" defTabSz="457200" rtl="0" eaLnBrk="1" latinLnBrk="0" hangingPunct="1">
+              <a:spcBef>
+                <a:spcPts val="1000"/>
+              </a:spcBef>
+              <a:spcAft>
+                <a:spcPts val="0"/>
+              </a:spcAft>
+              <a:buClr>
+                <a:schemeClr val="accent1"/>
+              </a:buClr>
+              <a:buSzPct val="80000"/>
+              <a:buFont typeface="Wingdings 3" charset="2"/>
+              <a:buChar char=""/>
+              <a:defRPr kumimoji="1" sz="1200" kern="1200">
+                <a:solidFill>
+                  <a:schemeClr val="tx1">
+                    <a:lumMod val="75000"/>
+                    <a:lumOff val="25000"/>
+                  </a:schemeClr>
+                </a:solidFill>
+                <a:latin typeface="+mn-lt"/>
+                <a:ea typeface="+mn-ea"/>
+                <a:cs typeface="+mn-cs"/>
+              </a:defRPr>
+            </a:lvl6pPr>
+            <a:lvl7pPr marL="2971800" indent="-228600" algn="l" defTabSz="457200" rtl="0" eaLnBrk="1" latinLnBrk="0" hangingPunct="1">
+              <a:spcBef>
+                <a:spcPts val="1000"/>
+              </a:spcBef>
+              <a:spcAft>
+                <a:spcPts val="0"/>
+              </a:spcAft>
+              <a:buClr>
+                <a:schemeClr val="accent1"/>
+              </a:buClr>
+              <a:buSzPct val="80000"/>
+              <a:buFont typeface="Wingdings 3" charset="2"/>
+              <a:buChar char=""/>
+              <a:defRPr kumimoji="1" sz="1200" kern="1200">
+                <a:solidFill>
+                  <a:schemeClr val="tx1">
+                    <a:lumMod val="75000"/>
+                    <a:lumOff val="25000"/>
+                  </a:schemeClr>
+                </a:solidFill>
+                <a:latin typeface="+mn-lt"/>
+                <a:ea typeface="+mn-ea"/>
+                <a:cs typeface="+mn-cs"/>
+              </a:defRPr>
+            </a:lvl7pPr>
+            <a:lvl8pPr marL="3429000" indent="-228600" algn="l" defTabSz="457200" rtl="0" eaLnBrk="1" latinLnBrk="0" hangingPunct="1">
+              <a:spcBef>
+                <a:spcPts val="1000"/>
+              </a:spcBef>
+              <a:spcAft>
+                <a:spcPts val="0"/>
+              </a:spcAft>
+              <a:buClr>
+                <a:schemeClr val="accent1"/>
+              </a:buClr>
+              <a:buSzPct val="80000"/>
+              <a:buFont typeface="Wingdings 3" charset="2"/>
+              <a:buChar char=""/>
+              <a:defRPr kumimoji="1" sz="1200" kern="1200">
+                <a:solidFill>
+                  <a:schemeClr val="tx1">
+                    <a:lumMod val="75000"/>
+                    <a:lumOff val="25000"/>
+                  </a:schemeClr>
+                </a:solidFill>
+                <a:latin typeface="+mn-lt"/>
+                <a:ea typeface="+mn-ea"/>
+                <a:cs typeface="+mn-cs"/>
+              </a:defRPr>
+            </a:lvl8pPr>
+            <a:lvl9pPr marL="3886200" indent="-228600" algn="l" defTabSz="457200" rtl="0" eaLnBrk="1" latinLnBrk="0" hangingPunct="1">
+              <a:spcBef>
+                <a:spcPts val="1000"/>
+              </a:spcBef>
+              <a:spcAft>
+                <a:spcPts val="0"/>
+              </a:spcAft>
+              <a:buClr>
+                <a:schemeClr val="accent1"/>
+              </a:buClr>
+              <a:buSzPct val="80000"/>
+              <a:buFont typeface="Wingdings 3" charset="2"/>
+              <a:buChar char=""/>
+              <a:defRPr kumimoji="1" sz="1200" kern="1200">
+                <a:solidFill>
+                  <a:schemeClr val="tx1">
+                    <a:lumMod val="75000"/>
+                    <a:lumOff val="25000"/>
+                  </a:schemeClr>
+                </a:solidFill>
+                <a:latin typeface="+mn-lt"/>
+                <a:ea typeface="+mn-ea"/>
+                <a:cs typeface="+mn-cs"/>
+              </a:defRPr>
+            </a:lvl9pPr>
+          </a:lstStyle>
+          <a:p>
+            <a:pPr marL="0" indent="0">
+              <a:buFont typeface="Wingdings 3" charset="2"/>
+              <a:buNone/>
+            </a:pPr>
+            <a:r>
+              <a:rPr lang="en-US" altLang="ja-JP" dirty="0"/>
+              <a:t>Step4.</a:t>
+            </a:r>
+            <a:r>
+              <a:rPr lang="ja-JP" altLang="en-US" dirty="0"/>
+              <a:t>　変更をコミット</a:t>
+            </a:r>
+            <a:endParaRPr lang="en-US" altLang="ja-JP" dirty="0"/>
+          </a:p>
+          <a:p>
+            <a:pPr marL="0" indent="0">
+              <a:buFont typeface="Wingdings 3" charset="2"/>
+              <a:buNone/>
+            </a:pPr>
+            <a:endParaRPr lang="en-US" altLang="ja-JP" dirty="0"/>
+          </a:p>
+        </p:txBody>
+      </p:sp>
+      <p:sp>
+        <p:nvSpPr>
+          <p:cNvPr id="8" name="テキスト ボックス 7">
+            <a:extLst>
+              <a:ext uri="{FF2B5EF4-FFF2-40B4-BE49-F238E27FC236}">
+                <a16:creationId xmlns:a16="http://schemas.microsoft.com/office/drawing/2014/main" id="{1DA59BD4-247C-10D6-DA9D-981A42A7B322}"/>
+              </a:ext>
+            </a:extLst>
+          </p:cNvPr>
+          <p:cNvSpPr txBox="1"/>
+          <p:nvPr/>
+        </p:nvSpPr>
+        <p:spPr>
+          <a:xfrm>
+            <a:off x="905933" y="4905021"/>
+            <a:ext cx="8509071" cy="646331"/>
+          </a:xfrm>
+          <a:prstGeom prst="rect">
+            <a:avLst/>
+          </a:prstGeom>
+          <a:solidFill>
+            <a:schemeClr val="tx1"/>
+          </a:solidFill>
+        </p:spPr>
+        <p:txBody>
+          <a:bodyPr wrap="square" rtlCol="0">
+            <a:spAutoFit/>
+          </a:bodyPr>
+          <a:lstStyle/>
+          <a:p>
+            <a:r>
+              <a:rPr lang="en-US" altLang="ja-JP" b="0" dirty="0">
+                <a:solidFill>
+                  <a:srgbClr val="FFFF00"/>
+                </a:solidFill>
+                <a:effectLst/>
+                <a:latin typeface="Consolas" panose="020B0609020204030204" pitchFamily="49" charset="0"/>
+              </a:rPr>
+              <a:t>git</a:t>
+            </a:r>
+            <a:r>
+              <a:rPr lang="en-US" altLang="ja-JP" b="0" dirty="0">
+                <a:solidFill>
+                  <a:schemeClr val="accent4">
+                    <a:lumMod val="60000"/>
+                    <a:lumOff val="40000"/>
+                  </a:schemeClr>
+                </a:solidFill>
+                <a:effectLst/>
+                <a:latin typeface="Consolas" panose="020B0609020204030204" pitchFamily="49" charset="0"/>
+              </a:rPr>
+              <a:t> add </a:t>
+            </a:r>
+            <a:r>
+              <a:rPr lang="ja-JP" altLang="en-US" b="0" dirty="0">
+                <a:solidFill>
+                  <a:schemeClr val="accent4">
+                    <a:lumMod val="60000"/>
+                    <a:lumOff val="40000"/>
+                  </a:schemeClr>
+                </a:solidFill>
+                <a:effectLst/>
+                <a:latin typeface="Consolas" panose="020B0609020204030204" pitchFamily="49" charset="0"/>
+              </a:rPr>
+              <a:t>ファイル名</a:t>
+            </a:r>
+            <a:endParaRPr lang="en-US" altLang="ja-JP" b="0" dirty="0">
+              <a:solidFill>
+                <a:schemeClr val="accent4">
+                  <a:lumMod val="60000"/>
+                  <a:lumOff val="40000"/>
+                </a:schemeClr>
+              </a:solidFill>
+              <a:effectLst/>
+              <a:latin typeface="Consolas" panose="020B0609020204030204" pitchFamily="49" charset="0"/>
+            </a:endParaRPr>
+          </a:p>
+          <a:p>
+            <a:r>
+              <a:rPr lang="en-US" altLang="ja-JP" b="0" dirty="0">
+                <a:solidFill>
+                  <a:srgbClr val="FFFF00"/>
+                </a:solidFill>
+                <a:effectLst/>
+                <a:latin typeface="Consolas" panose="020B0609020204030204" pitchFamily="49" charset="0"/>
+              </a:rPr>
+              <a:t>git</a:t>
+            </a:r>
+            <a:r>
+              <a:rPr lang="en-US" altLang="ja-JP" b="0" dirty="0">
+                <a:solidFill>
+                  <a:schemeClr val="accent4">
+                    <a:lumMod val="60000"/>
+                    <a:lumOff val="40000"/>
+                  </a:schemeClr>
+                </a:solidFill>
+                <a:effectLst/>
+                <a:latin typeface="Consolas" panose="020B0609020204030204" pitchFamily="49" charset="0"/>
+              </a:rPr>
+              <a:t> commit </a:t>
+            </a:r>
+            <a:r>
+              <a:rPr lang="en-US" altLang="ja-JP" b="0" dirty="0">
+                <a:solidFill>
+                  <a:srgbClr val="0070C0"/>
+                </a:solidFill>
+                <a:effectLst/>
+                <a:latin typeface="Consolas" panose="020B0609020204030204" pitchFamily="49" charset="0"/>
+              </a:rPr>
+              <a:t>-m </a:t>
+            </a:r>
+            <a:r>
+              <a:rPr lang="en-US" altLang="ja-JP" b="0" dirty="0">
+                <a:solidFill>
+                  <a:schemeClr val="accent4">
+                    <a:lumMod val="60000"/>
+                    <a:lumOff val="40000"/>
+                  </a:schemeClr>
+                </a:solidFill>
+                <a:effectLst/>
+                <a:latin typeface="Consolas" panose="020B0609020204030204" pitchFamily="49" charset="0"/>
+              </a:rPr>
+              <a:t>"Fix line endings"</a:t>
+            </a:r>
+            <a:endParaRPr lang="ja-JP" altLang="en-US" b="0" dirty="0">
+              <a:solidFill>
+                <a:schemeClr val="accent4">
+                  <a:lumMod val="60000"/>
+                  <a:lumOff val="40000"/>
+                </a:schemeClr>
+              </a:solidFill>
+              <a:effectLst/>
+              <a:latin typeface="Consolas" panose="020B0609020204030204" pitchFamily="49" charset="0"/>
+            </a:endParaRPr>
+          </a:p>
+        </p:txBody>
+      </p:sp>
+    </p:spTree>
+    <p:extLst>
+      <p:ext uri="{BB962C8B-B14F-4D97-AF65-F5344CB8AC3E}">
+        <p14:creationId xmlns:p14="http://schemas.microsoft.com/office/powerpoint/2010/main" val="3037861535"/>
       </p:ext>
     </p:extLst>
   </p:cSld>
@@ -8204,24 +10996,17 @@
           <a:lstStyle/>
           <a:p>
             <a:r>
+              <a:rPr lang="ja-JP" altLang="en-US" dirty="0"/>
+              <a:t>必要なファイルを誤って削除してしまった</a:t>
+            </a:r>
+            <a:endParaRPr kumimoji="1" lang="en-US" altLang="ja-JP" dirty="0"/>
+          </a:p>
+          <a:p>
+            <a:r>
               <a:rPr kumimoji="1" lang="ja-JP" altLang="en-US" dirty="0"/>
               <a:t>本来のブランチとは異なるブランチで作業を進めてしまった</a:t>
             </a:r>
             <a:endParaRPr kumimoji="1" lang="en-US" altLang="ja-JP" dirty="0"/>
-          </a:p>
-          <a:p>
-            <a:r>
-              <a:rPr kumimoji="1" lang="ja-JP" altLang="en-US" dirty="0"/>
-              <a:t>誤ってブランチを削除してしまった</a:t>
-            </a:r>
-            <a:endParaRPr kumimoji="1" lang="en-US" altLang="ja-JP" dirty="0"/>
-          </a:p>
-          <a:p>
-            <a:r>
-              <a:rPr lang="ja-JP" altLang="en-US" dirty="0"/>
-              <a:t>必要なファイルを誤って削除してしまった</a:t>
-            </a:r>
-            <a:endParaRPr lang="en-US" altLang="ja-JP" dirty="0"/>
           </a:p>
           <a:p>
             <a:r>
@@ -8273,7 +11058,7 @@
           <p:cNvPr id="2" name="タイトル 1">
             <a:extLst>
               <a:ext uri="{FF2B5EF4-FFF2-40B4-BE49-F238E27FC236}">
-                <a16:creationId xmlns:a16="http://schemas.microsoft.com/office/drawing/2014/main" id="{57B53B95-6BA5-6C71-B011-3B3359634A48}"/>
+                <a16:creationId xmlns:a16="http://schemas.microsoft.com/office/drawing/2014/main" id="{E3771F56-6A7A-2543-4B44-5F0839E817A0}"/>
               </a:ext>
             </a:extLst>
           </p:cNvPr>
@@ -8284,7 +11069,12 @@
             <p:ph type="title"/>
           </p:nvPr>
         </p:nvSpPr>
-        <p:spPr/>
+        <p:spPr>
+          <a:xfrm>
+            <a:off x="677333" y="609600"/>
+            <a:ext cx="8950243" cy="1320800"/>
+          </a:xfrm>
+        </p:spPr>
         <p:txBody>
           <a:bodyPr>
             <a:normAutofit/>
@@ -8296,105 +11086,119 @@
               <a:t>【</a:t>
             </a:r>
             <a:r>
-              <a:rPr kumimoji="1" lang="ja-JP" altLang="en-US" sz="2800" dirty="0"/>
+              <a:rPr lang="ja-JP" altLang="en-US" sz="2800" dirty="0"/>
               <a:t>事例１</a:t>
             </a:r>
             <a:r>
-              <a:rPr kumimoji="1" lang="en-US" altLang="ja-JP" sz="2800" dirty="0"/>
+              <a:rPr lang="en-US" altLang="ja-JP" sz="2800" dirty="0"/>
               <a:t>】</a:t>
             </a:r>
             <a:r>
-              <a:rPr kumimoji="1" lang="ja-JP" altLang="en-US" sz="2800" dirty="0"/>
-              <a:t>本来のブランチとは異なるブランチで</a:t>
-            </a:r>
-            <a:br>
-              <a:rPr kumimoji="1" lang="en-US" altLang="ja-JP" sz="2800" dirty="0"/>
-            </a:br>
-            <a:r>
-              <a:rPr kumimoji="1" lang="ja-JP" altLang="en-US" sz="2800" dirty="0"/>
-              <a:t>作業を進めてしまった</a:t>
-            </a:r>
-          </a:p>
-        </p:txBody>
-      </p:sp>
-      <p:sp>
-        <p:nvSpPr>
-          <p:cNvPr id="3" name="コンテンツ プレースホルダー 2">
+              <a:rPr lang="ja-JP" altLang="en-US" sz="2800" dirty="0"/>
+              <a:t>必要なファイルを誤って削除してしまった</a:t>
+            </a:r>
+            <a:endParaRPr kumimoji="1" lang="ja-JP" altLang="en-US" sz="2800" dirty="0"/>
+          </a:p>
+        </p:txBody>
+      </p:sp>
+      <p:sp>
+        <p:nvSpPr>
+          <p:cNvPr id="4" name="テキスト ボックス 3">
             <a:extLst>
               <a:ext uri="{FF2B5EF4-FFF2-40B4-BE49-F238E27FC236}">
-                <a16:creationId xmlns:a16="http://schemas.microsoft.com/office/drawing/2014/main" id="{07637FAC-F868-3646-B9E5-3DC9A1957A57}"/>
+                <a16:creationId xmlns:a16="http://schemas.microsoft.com/office/drawing/2014/main" id="{CBAC5C63-6E49-F194-9CB8-31E2530B44BE}"/>
               </a:ext>
             </a:extLst>
           </p:cNvPr>
-          <p:cNvSpPr>
-            <a:spLocks noGrp="1"/>
-          </p:cNvSpPr>
-          <p:nvPr>
-            <p:ph idx="1"/>
-          </p:nvPr>
-        </p:nvSpPr>
-        <p:spPr/>
-        <p:txBody>
-          <a:bodyPr/>
+          <p:cNvSpPr txBox="1"/>
+          <p:nvPr/>
+        </p:nvSpPr>
+        <p:spPr>
+          <a:xfrm>
+            <a:off x="764931" y="1793632"/>
+            <a:ext cx="8509071" cy="646331"/>
+          </a:xfrm>
+          <a:prstGeom prst="rect">
+            <a:avLst/>
+          </a:prstGeom>
+          <a:solidFill>
+            <a:schemeClr val="tx1"/>
+          </a:solidFill>
+        </p:spPr>
+        <p:txBody>
+          <a:bodyPr wrap="square" rtlCol="0">
+            <a:spAutoFit/>
+          </a:bodyPr>
           <a:lstStyle/>
           <a:p>
-            <a:pPr marL="0" indent="0">
-              <a:buNone/>
-            </a:pPr>
-            <a:r>
-              <a:rPr kumimoji="1" lang="ja-JP" altLang="en-US" dirty="0"/>
-              <a:t>作業内容の状況によって、以下の大きく３つのケースに場合分けされる</a:t>
-            </a:r>
-            <a:endParaRPr kumimoji="1" lang="en-US" altLang="ja-JP" dirty="0"/>
-          </a:p>
-          <a:p>
-            <a:pPr marL="0" indent="0">
-              <a:buNone/>
-            </a:pPr>
-            <a:r>
-              <a:rPr kumimoji="1" lang="ja-JP" altLang="en-US" dirty="0"/>
-              <a:t>ケース１：作業内容がワーキングツリーのみに存在する</a:t>
-            </a:r>
-            <a:endParaRPr lang="en-US" altLang="ja-JP" dirty="0"/>
-          </a:p>
-          <a:p>
-            <a:pPr marL="0" indent="0">
-              <a:buNone/>
-            </a:pPr>
-            <a:endParaRPr kumimoji="1" lang="en-US" altLang="ja-JP" dirty="0"/>
-          </a:p>
-          <a:p>
-            <a:pPr marL="0" indent="0">
-              <a:buNone/>
-            </a:pPr>
-            <a:r>
-              <a:rPr lang="ja-JP" altLang="en-US" dirty="0"/>
-              <a:t>ケース２：作業内容がステージングエリアに存在する</a:t>
-            </a:r>
-            <a:endParaRPr lang="en-US" altLang="ja-JP" dirty="0"/>
-          </a:p>
-          <a:p>
-            <a:pPr marL="0" indent="0">
-              <a:buNone/>
-            </a:pPr>
-            <a:endParaRPr kumimoji="1" lang="en-US" altLang="ja-JP" dirty="0"/>
-          </a:p>
-          <a:p>
-            <a:pPr marL="0" indent="0">
-              <a:buNone/>
-            </a:pPr>
-            <a:r>
-              <a:rPr lang="ja-JP" altLang="en-US" dirty="0"/>
-              <a:t>ケース３：作業内容はすでに誤ったブランチへコミット済みである</a:t>
-            </a:r>
-            <a:endParaRPr kumimoji="1" lang="en-US" altLang="ja-JP" dirty="0"/>
+            <a:r>
+              <a:rPr kumimoji="1" lang="en-US" altLang="ja-JP" dirty="0">
+                <a:solidFill>
+                  <a:schemeClr val="accent2"/>
+                </a:solidFill>
+              </a:rPr>
+              <a:t># </a:t>
+            </a:r>
+            <a:r>
+              <a:rPr kumimoji="1" lang="ja-JP" altLang="en-US" dirty="0">
+                <a:solidFill>
+                  <a:schemeClr val="accent2"/>
+                </a:solidFill>
+              </a:rPr>
+              <a:t>削除したファイルを復元</a:t>
+            </a:r>
+            <a:endParaRPr kumimoji="1" lang="en-US" altLang="ja-JP" dirty="0">
+              <a:solidFill>
+                <a:schemeClr val="accent2"/>
+              </a:solidFill>
+            </a:endParaRPr>
+          </a:p>
+          <a:p>
+            <a:r>
+              <a:rPr kumimoji="1" lang="en-US" altLang="ja-JP" dirty="0">
+                <a:solidFill>
+                  <a:srgbClr val="FFFF00"/>
+                </a:solidFill>
+              </a:rPr>
+              <a:t>git</a:t>
+            </a:r>
+            <a:r>
+              <a:rPr kumimoji="1" lang="en-US" altLang="ja-JP" dirty="0">
+                <a:solidFill>
+                  <a:schemeClr val="accent4">
+                    <a:lumMod val="60000"/>
+                    <a:lumOff val="40000"/>
+                  </a:schemeClr>
+                </a:solidFill>
+              </a:rPr>
+              <a:t> checkout HEAD </a:t>
+            </a:r>
+            <a:r>
+              <a:rPr kumimoji="1" lang="ja-JP" altLang="en-US" dirty="0">
+                <a:solidFill>
+                  <a:schemeClr val="accent4">
+                    <a:lumMod val="60000"/>
+                    <a:lumOff val="40000"/>
+                  </a:schemeClr>
+                </a:solidFill>
+              </a:rPr>
+              <a:t>ファイル名</a:t>
+            </a:r>
+            <a:endParaRPr kumimoji="1" lang="en-US" altLang="ja-JP" dirty="0">
+              <a:solidFill>
+                <a:schemeClr val="accent4">
+                  <a:lumMod val="60000"/>
+                  <a:lumOff val="40000"/>
+                </a:schemeClr>
+              </a:solidFill>
+            </a:endParaRPr>
           </a:p>
         </p:txBody>
       </p:sp>
     </p:spTree>
     <p:extLst>
       <p:ext uri="{BB962C8B-B14F-4D97-AF65-F5344CB8AC3E}">
-        <p14:creationId xmlns:p14="http://schemas.microsoft.com/office/powerpoint/2010/main" val="2308002463"/>
+        <p14:creationId xmlns:p14="http://schemas.microsoft.com/office/powerpoint/2010/main" val="928998295"/>
       </p:ext>
     </p:extLst>
   </p:cSld>
@@ -8450,11 +11254,7 @@
             </a:r>
             <a:r>
               <a:rPr kumimoji="1" lang="ja-JP" altLang="en-US" sz="2800" dirty="0"/>
-              <a:t>事例</a:t>
-            </a:r>
-            <a:r>
-              <a:rPr lang="ja-JP" altLang="en-US" sz="2800" dirty="0"/>
-              <a:t>１</a:t>
+              <a:t>事例２</a:t>
             </a:r>
             <a:r>
               <a:rPr kumimoji="1" lang="en-US" altLang="ja-JP" sz="2800" dirty="0"/>
@@ -8490,12 +11290,7 @@
             <p:ph idx="1"/>
           </p:nvPr>
         </p:nvSpPr>
-        <p:spPr>
-          <a:xfrm>
-            <a:off x="677334" y="1457206"/>
-            <a:ext cx="8596668" cy="3880773"/>
-          </a:xfrm>
-        </p:spPr>
+        <p:spPr/>
         <p:txBody>
           <a:bodyPr/>
           <a:lstStyle/>
@@ -8505,263 +11300,58 @@
             </a:pPr>
             <a:r>
               <a:rPr kumimoji="1" lang="ja-JP" altLang="en-US" dirty="0"/>
+              <a:t>作業内容の状況によって、以下の大きく３つのケースに場合分けされる</a:t>
+            </a:r>
+            <a:endParaRPr kumimoji="1" lang="en-US" altLang="ja-JP" dirty="0"/>
+          </a:p>
+          <a:p>
+            <a:pPr marL="0" indent="0">
+              <a:buNone/>
+            </a:pPr>
+            <a:r>
+              <a:rPr kumimoji="1" lang="ja-JP" altLang="en-US" dirty="0"/>
               <a:t>ケース１：作業内容がワーキングツリーのみに存在する</a:t>
             </a:r>
+            <a:endParaRPr lang="en-US" altLang="ja-JP" dirty="0"/>
+          </a:p>
+          <a:p>
+            <a:pPr marL="0" indent="0">
+              <a:buNone/>
+            </a:pPr>
             <a:endParaRPr kumimoji="1" lang="en-US" altLang="ja-JP" dirty="0"/>
           </a:p>
           <a:p>
             <a:pPr marL="0" indent="0">
               <a:buNone/>
             </a:pPr>
+            <a:r>
+              <a:rPr lang="ja-JP" altLang="en-US" dirty="0"/>
+              <a:t>ケース２：作業内容がステージングエリアに存在する</a:t>
+            </a:r>
             <a:endParaRPr lang="en-US" altLang="ja-JP" dirty="0"/>
           </a:p>
-        </p:txBody>
-      </p:sp>
-      <p:sp>
-        <p:nvSpPr>
-          <p:cNvPr id="4" name="テキスト ボックス 3">
-            <a:extLst>
-              <a:ext uri="{FF2B5EF4-FFF2-40B4-BE49-F238E27FC236}">
-                <a16:creationId xmlns:a16="http://schemas.microsoft.com/office/drawing/2014/main" id="{5D79C3C9-6333-75A7-01F8-E810F74DC676}"/>
-              </a:ext>
-            </a:extLst>
-          </p:cNvPr>
-          <p:cNvSpPr txBox="1"/>
-          <p:nvPr/>
-        </p:nvSpPr>
-        <p:spPr>
-          <a:xfrm>
-            <a:off x="764931" y="1793632"/>
-            <a:ext cx="8509071" cy="2308324"/>
-          </a:xfrm>
-          <a:prstGeom prst="rect">
-            <a:avLst/>
-          </a:prstGeom>
-          <a:solidFill>
-            <a:schemeClr val="tx1"/>
-          </a:solidFill>
-        </p:spPr>
-        <p:txBody>
-          <a:bodyPr wrap="square" rtlCol="0">
-            <a:spAutoFit/>
-          </a:bodyPr>
-          <a:lstStyle/>
-          <a:p>
-            <a:r>
-              <a:rPr kumimoji="1" lang="en-US" altLang="ja-JP" dirty="0">
-                <a:solidFill>
-                  <a:schemeClr val="accent2"/>
-                </a:solidFill>
-              </a:rPr>
-              <a:t># </a:t>
-            </a:r>
-            <a:r>
-              <a:rPr kumimoji="1" lang="ja-JP" altLang="en-US" dirty="0">
-                <a:solidFill>
-                  <a:schemeClr val="accent2"/>
-                </a:solidFill>
-              </a:rPr>
-              <a:t>変更内容をスタッシュ</a:t>
-            </a:r>
-            <a:endParaRPr kumimoji="1" lang="en-US" altLang="ja-JP" dirty="0">
-              <a:solidFill>
-                <a:schemeClr val="accent2"/>
-              </a:solidFill>
-            </a:endParaRPr>
-          </a:p>
-          <a:p>
-            <a:r>
-              <a:rPr kumimoji="1" lang="en-US" altLang="ja-JP" dirty="0">
-                <a:solidFill>
-                  <a:srgbClr val="FFFF00"/>
-                </a:solidFill>
-              </a:rPr>
-              <a:t>git</a:t>
-            </a:r>
-            <a:r>
-              <a:rPr kumimoji="1" lang="en-US" altLang="ja-JP" dirty="0">
-                <a:solidFill>
-                  <a:schemeClr val="accent2"/>
-                </a:solidFill>
-              </a:rPr>
-              <a:t> </a:t>
-            </a:r>
-            <a:r>
-              <a:rPr kumimoji="1" lang="en-US" altLang="ja-JP" dirty="0">
-                <a:solidFill>
-                  <a:schemeClr val="accent4">
-                    <a:lumMod val="60000"/>
-                    <a:lumOff val="40000"/>
-                  </a:schemeClr>
-                </a:solidFill>
-              </a:rPr>
-              <a:t>stash</a:t>
-            </a:r>
-          </a:p>
-          <a:p>
-            <a:endParaRPr kumimoji="1" lang="en-US" altLang="ja-JP" dirty="0">
-              <a:solidFill>
-                <a:schemeClr val="accent2"/>
-              </a:solidFill>
-            </a:endParaRPr>
-          </a:p>
-          <a:p>
-            <a:r>
-              <a:rPr kumimoji="1" lang="en-US" altLang="ja-JP" dirty="0">
-                <a:solidFill>
-                  <a:schemeClr val="accent2"/>
-                </a:solidFill>
-              </a:rPr>
-              <a:t># </a:t>
-            </a:r>
-            <a:r>
-              <a:rPr kumimoji="1" lang="ja-JP" altLang="en-US" dirty="0">
-                <a:solidFill>
-                  <a:schemeClr val="accent2"/>
-                </a:solidFill>
-              </a:rPr>
-              <a:t>正しいブランチ</a:t>
-            </a:r>
-            <a:r>
-              <a:rPr kumimoji="1" lang="en-US" altLang="ja-JP" dirty="0">
-                <a:solidFill>
-                  <a:schemeClr val="accent2"/>
-                </a:solidFill>
-              </a:rPr>
-              <a:t>(</a:t>
-            </a:r>
-            <a:r>
-              <a:rPr kumimoji="1" lang="ja-JP" altLang="en-US" dirty="0">
-                <a:solidFill>
-                  <a:schemeClr val="accent2"/>
-                </a:solidFill>
-              </a:rPr>
-              <a:t>今回は</a:t>
-            </a:r>
-            <a:r>
-              <a:rPr kumimoji="1" lang="en-US" altLang="ja-JP" dirty="0">
-                <a:solidFill>
-                  <a:schemeClr val="accent2"/>
-                </a:solidFill>
-              </a:rPr>
-              <a:t>main)</a:t>
-            </a:r>
-            <a:r>
-              <a:rPr kumimoji="1" lang="ja-JP" altLang="en-US" dirty="0">
-                <a:solidFill>
-                  <a:schemeClr val="accent2"/>
-                </a:solidFill>
-              </a:rPr>
-              <a:t>に切り替え</a:t>
-            </a:r>
-            <a:endParaRPr kumimoji="1" lang="en-US" altLang="ja-JP" dirty="0">
-              <a:solidFill>
-                <a:schemeClr val="accent2"/>
-              </a:solidFill>
-            </a:endParaRPr>
-          </a:p>
-          <a:p>
-            <a:r>
-              <a:rPr kumimoji="1" lang="en-US" altLang="ja-JP" dirty="0">
-                <a:solidFill>
-                  <a:srgbClr val="FFFF00"/>
-                </a:solidFill>
-              </a:rPr>
-              <a:t>git</a:t>
-            </a:r>
-            <a:r>
-              <a:rPr kumimoji="1" lang="en-US" altLang="ja-JP" dirty="0">
-                <a:solidFill>
-                  <a:schemeClr val="accent2"/>
-                </a:solidFill>
-              </a:rPr>
-              <a:t> </a:t>
-            </a:r>
-            <a:r>
-              <a:rPr kumimoji="1" lang="en-US" altLang="ja-JP" dirty="0">
-                <a:solidFill>
-                  <a:schemeClr val="accent4">
-                    <a:lumMod val="60000"/>
-                    <a:lumOff val="40000"/>
-                  </a:schemeClr>
-                </a:solidFill>
-              </a:rPr>
-              <a:t>checkout main</a:t>
-            </a:r>
-          </a:p>
-          <a:p>
-            <a:endParaRPr kumimoji="1" lang="en-US" altLang="ja-JP" dirty="0">
-              <a:solidFill>
-                <a:schemeClr val="accent2"/>
-              </a:solidFill>
-            </a:endParaRPr>
-          </a:p>
-          <a:p>
-            <a:r>
-              <a:rPr kumimoji="1" lang="en-US" altLang="ja-JP" dirty="0">
-                <a:solidFill>
-                  <a:schemeClr val="accent2"/>
-                </a:solidFill>
-              </a:rPr>
-              <a:t># </a:t>
-            </a:r>
-            <a:r>
-              <a:rPr kumimoji="1" lang="ja-JP" altLang="en-US" dirty="0">
-                <a:solidFill>
-                  <a:schemeClr val="accent2"/>
-                </a:solidFill>
-              </a:rPr>
-              <a:t>スタッシュを適用</a:t>
-            </a:r>
-            <a:endParaRPr kumimoji="1" lang="en-US" altLang="ja-JP" dirty="0">
-              <a:solidFill>
-                <a:schemeClr val="accent2"/>
-              </a:solidFill>
-            </a:endParaRPr>
-          </a:p>
-          <a:p>
-            <a:r>
-              <a:rPr kumimoji="1" lang="en-US" altLang="ja-JP" dirty="0">
-                <a:solidFill>
-                  <a:srgbClr val="FFFF00"/>
-                </a:solidFill>
-              </a:rPr>
-              <a:t>git</a:t>
-            </a:r>
-            <a:r>
-              <a:rPr kumimoji="1" lang="en-US" altLang="ja-JP" dirty="0">
-                <a:solidFill>
-                  <a:schemeClr val="accent2"/>
-                </a:solidFill>
-              </a:rPr>
-              <a:t> </a:t>
-            </a:r>
-            <a:r>
-              <a:rPr kumimoji="1" lang="en-US" altLang="ja-JP" dirty="0">
-                <a:solidFill>
-                  <a:schemeClr val="accent4">
-                    <a:lumMod val="60000"/>
-                    <a:lumOff val="40000"/>
-                  </a:schemeClr>
-                </a:solidFill>
-              </a:rPr>
-              <a:t>stash pop</a:t>
-            </a:r>
-            <a:endParaRPr kumimoji="1" lang="ja-JP" altLang="en-US" dirty="0">
-              <a:solidFill>
-                <a:schemeClr val="accent4">
-                  <a:lumMod val="60000"/>
-                  <a:lumOff val="40000"/>
-                </a:schemeClr>
-              </a:solidFill>
-            </a:endParaRPr>
+          <a:p>
+            <a:pPr marL="0" indent="0">
+              <a:buNone/>
+            </a:pPr>
+            <a:endParaRPr kumimoji="1" lang="en-US" altLang="ja-JP" dirty="0"/>
+          </a:p>
+          <a:p>
+            <a:pPr marL="0" indent="0">
+              <a:buNone/>
+            </a:pPr>
+            <a:r>
+              <a:rPr lang="ja-JP" altLang="en-US" dirty="0"/>
+              <a:t>ケース３：作業内容はすでに誤ったブランチへコミット済みである</a:t>
+            </a:r>
+            <a:endParaRPr kumimoji="1" lang="en-US" altLang="ja-JP" dirty="0"/>
           </a:p>
         </p:txBody>
       </p:sp>
     </p:spTree>
     <p:extLst>
       <p:ext uri="{BB962C8B-B14F-4D97-AF65-F5344CB8AC3E}">
-        <p14:creationId xmlns:p14="http://schemas.microsoft.com/office/powerpoint/2010/main" val="496824609"/>
+        <p14:creationId xmlns:p14="http://schemas.microsoft.com/office/powerpoint/2010/main" val="2308002463"/>
       </p:ext>
     </p:extLst>
   </p:cSld>
@@ -8817,7 +11407,7 @@
             </a:r>
             <a:r>
               <a:rPr kumimoji="1" lang="ja-JP" altLang="en-US" sz="2800" dirty="0"/>
-              <a:t>事例１</a:t>
+              <a:t>事例２</a:t>
             </a:r>
             <a:r>
               <a:rPr kumimoji="1" lang="en-US" altLang="ja-JP" sz="2800" dirty="0"/>
@@ -8855,7 +11445,7 @@
         </p:nvSpPr>
         <p:spPr>
           <a:xfrm>
-            <a:off x="677334" y="1465998"/>
+            <a:off x="677334" y="1457206"/>
             <a:ext cx="8596668" cy="3880773"/>
           </a:xfrm>
         </p:spPr>
@@ -8867,10 +11457,10 @@
               <a:buNone/>
             </a:pPr>
             <a:r>
-              <a:rPr lang="ja-JP" altLang="en-US" dirty="0"/>
-              <a:t>ケース２：作業内容がステージングエリアに存在する</a:t>
-            </a:r>
-            <a:endParaRPr lang="en-US" altLang="ja-JP" dirty="0"/>
+              <a:rPr kumimoji="1" lang="ja-JP" altLang="en-US" dirty="0"/>
+              <a:t>ケース１：作業内容がワーキングツリーのみに存在する</a:t>
+            </a:r>
+            <a:endParaRPr kumimoji="1" lang="en-US" altLang="ja-JP" dirty="0"/>
           </a:p>
           <a:p>
             <a:pPr marL="0" indent="0">
@@ -8894,8 +11484,8 @@
         </p:nvSpPr>
         <p:spPr>
           <a:xfrm>
-            <a:off x="721132" y="1788280"/>
-            <a:ext cx="8509071" cy="3139321"/>
+            <a:off x="764931" y="1793632"/>
+            <a:ext cx="8509071" cy="2308324"/>
           </a:xfrm>
           <a:prstGeom prst="rect">
             <a:avLst/>
@@ -8924,65 +11514,6 @@
                   <a:schemeClr val="accent2"/>
                 </a:solidFill>
               </a:rPr>
-              <a:t>ステージングされている変更をリセット</a:t>
-            </a:r>
-            <a:endParaRPr kumimoji="1" lang="en-US" altLang="ja-JP" dirty="0">
-              <a:solidFill>
-                <a:schemeClr val="accent2"/>
-              </a:solidFill>
-            </a:endParaRPr>
-          </a:p>
-          <a:p>
-            <a:r>
-              <a:rPr kumimoji="1" lang="en-US" altLang="ja-JP" dirty="0">
-                <a:solidFill>
-                  <a:srgbClr val="FFFF00"/>
-                </a:solidFill>
-              </a:rPr>
-              <a:t>git</a:t>
-            </a:r>
-            <a:r>
-              <a:rPr kumimoji="1" lang="en-US" altLang="ja-JP" dirty="0">
-                <a:solidFill>
-                  <a:schemeClr val="accent2"/>
-                </a:solidFill>
-              </a:rPr>
-              <a:t> </a:t>
-            </a:r>
-            <a:r>
-              <a:rPr kumimoji="1" lang="en-US" altLang="ja-JP" dirty="0">
-                <a:solidFill>
-                  <a:schemeClr val="accent4">
-                    <a:lumMod val="60000"/>
-                    <a:lumOff val="40000"/>
-                  </a:schemeClr>
-                </a:solidFill>
-              </a:rPr>
-              <a:t>reset</a:t>
-            </a:r>
-          </a:p>
-          <a:p>
-            <a:endParaRPr kumimoji="1" lang="en-US" altLang="ja-JP" dirty="0">
-              <a:solidFill>
-                <a:schemeClr val="accent2"/>
-              </a:solidFill>
-            </a:endParaRPr>
-          </a:p>
-          <a:p>
-            <a:r>
-              <a:rPr kumimoji="1" lang="en-US" altLang="ja-JP" dirty="0">
-                <a:solidFill>
-                  <a:schemeClr val="accent2"/>
-                </a:solidFill>
-              </a:rPr>
-              <a:t># </a:t>
-            </a:r>
-            <a:r>
-              <a:rPr kumimoji="1" lang="ja-JP" altLang="en-US" dirty="0">
-                <a:solidFill>
-                  <a:schemeClr val="accent2"/>
-                </a:solidFill>
-              </a:rPr>
               <a:t>変更内容をスタッシュ</a:t>
             </a:r>
             <a:endParaRPr kumimoji="1" lang="en-US" altLang="ja-JP" dirty="0">
@@ -9183,7 +11714,7 @@
     </p:spTree>
     <p:extLst>
       <p:ext uri="{BB962C8B-B14F-4D97-AF65-F5344CB8AC3E}">
-        <p14:creationId xmlns:p14="http://schemas.microsoft.com/office/powerpoint/2010/main" val="3839000786"/>
+        <p14:creationId xmlns:p14="http://schemas.microsoft.com/office/powerpoint/2010/main" val="496824609"/>
       </p:ext>
     </p:extLst>
   </p:cSld>

--- a/Gitトラブルシューティング.pptx
+++ b/Gitトラブルシューティング.pptx
@@ -10999,6 +10999,17 @@
               <a:rPr lang="ja-JP" altLang="en-US" dirty="0"/>
               <a:t>必要なファイルを誤って削除してしまった</a:t>
             </a:r>
+            <a:endParaRPr lang="en-US" altLang="ja-JP" dirty="0"/>
+          </a:p>
+          <a:p>
+            <a:r>
+              <a:rPr kumimoji="1" lang="en-US" altLang="ja-JP" dirty="0"/>
+              <a:t>detached HEAD</a:t>
+            </a:r>
+            <a:r>
+              <a:rPr kumimoji="1" lang="ja-JP" altLang="en-US"/>
+              <a:t>の状態で作業を進めてしまった</a:t>
+            </a:r>
             <a:endParaRPr kumimoji="1" lang="en-US" altLang="ja-JP" dirty="0"/>
           </a:p>
           <a:p>
